--- a/375.pptx
+++ b/375.pptx
@@ -12,18 +12,18 @@
     <p:sldId id="258" r:id="rId3"/>
     <p:sldId id="329" r:id="rId4"/>
     <p:sldId id="349" r:id="rId5"/>
-    <p:sldId id="351" r:id="rId6"/>
-    <p:sldId id="350" r:id="rId7"/>
-    <p:sldId id="352" r:id="rId8"/>
-    <p:sldId id="353" r:id="rId9"/>
-    <p:sldId id="354" r:id="rId10"/>
-    <p:sldId id="355" r:id="rId11"/>
-    <p:sldId id="356" r:id="rId12"/>
-    <p:sldId id="357" r:id="rId13"/>
-    <p:sldId id="358" r:id="rId14"/>
-    <p:sldId id="333" r:id="rId15"/>
-    <p:sldId id="360" r:id="rId16"/>
-    <p:sldId id="359" r:id="rId17"/>
+    <p:sldId id="350" r:id="rId6"/>
+    <p:sldId id="352" r:id="rId7"/>
+    <p:sldId id="353" r:id="rId8"/>
+    <p:sldId id="354" r:id="rId9"/>
+    <p:sldId id="355" r:id="rId10"/>
+    <p:sldId id="356" r:id="rId11"/>
+    <p:sldId id="357" r:id="rId12"/>
+    <p:sldId id="358" r:id="rId13"/>
+    <p:sldId id="333" r:id="rId14"/>
+    <p:sldId id="360" r:id="rId15"/>
+    <p:sldId id="359" r:id="rId16"/>
+    <p:sldId id="361" r:id="rId17"/>
     <p:sldId id="328" r:id="rId18"/>
   </p:sldIdLst>
   <p:sldSz cx="9144000" cy="6858000" type="screen4x3"/>
@@ -825,11 +825,35 @@
           <a:bodyPr/>
           <a:lstStyle/>
           <a:p>
-            <a:pPr marL="250825" indent="-171450" eaLnBrk="1" hangingPunct="1">
+            <a:pPr marL="79375" indent="0" eaLnBrk="1" hangingPunct="1">
               <a:buFontTx/>
-              <a:buChar char="-"/>
+              <a:buNone/>
             </a:pPr>
-            <a:endParaRPr lang="en-US" b="1" dirty="0">
+            <a:r>
+              <a:rPr lang="en-US" b="0" dirty="0" smtClean="0">
+                <a:solidFill>
+                  <a:srgbClr val="000000"/>
+                </a:solidFill>
+                <a:latin typeface="Lucida Grande" charset="0"/>
+                <a:ea typeface="ＭＳ Ｐゴシック" charset="0"/>
+                <a:cs typeface="Lucida Grande" charset="0"/>
+                <a:sym typeface="Lucida Grande" charset="0"/>
+              </a:rPr>
+              <a:t>Tied to your iTunes</a:t>
+            </a:r>
+            <a:r>
+              <a:rPr lang="en-US" b="0" baseline="0" dirty="0" smtClean="0">
+                <a:solidFill>
+                  <a:srgbClr val="000000"/>
+                </a:solidFill>
+                <a:latin typeface="Lucida Grande" charset="0"/>
+                <a:ea typeface="ＭＳ Ｐゴシック" charset="0"/>
+                <a:cs typeface="Lucida Grande" charset="0"/>
+                <a:sym typeface="Lucida Grande" charset="0"/>
+              </a:rPr>
+              <a:t> account which is why you have to test on device (that linkage isn’t available in the simulator)</a:t>
+            </a:r>
+            <a:endParaRPr lang="en-US" b="0" dirty="0">
               <a:solidFill>
                 <a:srgbClr val="000000"/>
               </a:solidFill>
@@ -963,6 +987,126 @@
       </p:grpSpPr>
       <p:sp>
         <p:nvSpPr>
+          <p:cNvPr id="17409" name="Rectangle 1"/>
+          <p:cNvSpPr>
+            <a:spLocks noGrp="1" noRot="1" noChangeAspect="1" noChangeArrowheads="1"/>
+          </p:cNvSpPr>
+          <p:nvPr>
+            <p:ph type="sldImg"/>
+          </p:nvPr>
+        </p:nvSpPr>
+        <p:spPr>
+          <a:solidFill>
+            <a:srgbClr val="FFFFFF"/>
+          </a:solidFill>
+          <a:ln/>
+        </p:spPr>
+      </p:sp>
+      <p:sp>
+        <p:nvSpPr>
+          <p:cNvPr id="17410" name="Rectangle 2"/>
+          <p:cNvSpPr>
+            <a:spLocks noGrp="1" noChangeArrowheads="1"/>
+          </p:cNvSpPr>
+          <p:nvPr>
+            <p:ph type="body" idx="1"/>
+          </p:nvPr>
+        </p:nvSpPr>
+        <p:spPr>
+          <a:noFill/>
+          <a:ln/>
+          <a:extLst>
+            <a:ext uri="{909E8E84-426E-40dd-AFC4-6F175D3DCCD1}">
+              <a14:hiddenFill xmlns:a14="http://schemas.microsoft.com/office/drawing/2010/main">
+                <a:solidFill>
+                  <a:srgbClr val="FFFFFF"/>
+                </a:solidFill>
+              </a14:hiddenFill>
+            </a:ext>
+            <a:ext uri="{91240B29-F687-4f45-9708-019B960494DF}">
+              <a14:hiddenLine xmlns:a14="http://schemas.microsoft.com/office/drawing/2010/main" w="9525">
+                <a:solidFill>
+                  <a:srgbClr val="000000"/>
+                </a:solidFill>
+                <a:miter lim="800000"/>
+                <a:headEnd/>
+                <a:tailEnd/>
+              </a14:hiddenLine>
+            </a:ext>
+          </a:extLst>
+        </p:spPr>
+        <p:txBody>
+          <a:bodyPr/>
+          <a:lstStyle/>
+          <a:p>
+            <a:pPr marL="119063" eaLnBrk="1" hangingPunct="1">
+              <a:spcBef>
+                <a:spcPts val="450"/>
+              </a:spcBef>
+            </a:pPr>
+            <a:r>
+              <a:rPr lang="en-US" dirty="0" err="1" smtClean="0">
+                <a:solidFill>
+                  <a:srgbClr val="000000"/>
+                </a:solidFill>
+                <a:latin typeface="Times New Roman" charset="0"/>
+                <a:ea typeface="ＭＳ Ｐゴシック" charset="0"/>
+                <a:cs typeface="Times New Roman" charset="0"/>
+                <a:sym typeface="Times New Roman" charset="0"/>
+              </a:rPr>
+              <a:t>Appc</a:t>
+            </a:r>
+            <a:r>
+              <a:rPr lang="en-US" dirty="0" smtClean="0">
+                <a:solidFill>
+                  <a:srgbClr val="000000"/>
+                </a:solidFill>
+                <a:latin typeface="Times New Roman" charset="0"/>
+                <a:ea typeface="ＭＳ Ｐゴシック" charset="0"/>
+                <a:cs typeface="Times New Roman" charset="0"/>
+                <a:sym typeface="Times New Roman" charset="0"/>
+              </a:rPr>
+              <a:t> has a dedicated module development team now, so this offering will continue to grow</a:t>
+            </a:r>
+            <a:endParaRPr lang="en-US" dirty="0">
+              <a:solidFill>
+                <a:srgbClr val="000000"/>
+              </a:solidFill>
+              <a:latin typeface="Times New Roman" charset="0"/>
+              <a:ea typeface="ＭＳ Ｐゴシック" charset="0"/>
+              <a:cs typeface="Times New Roman" charset="0"/>
+              <a:sym typeface="Times New Roman" charset="0"/>
+            </a:endParaRPr>
+          </a:p>
+        </p:txBody>
+      </p:sp>
+    </p:spTree>
+  </p:cSld>
+  <p:clrMapOvr>
+    <a:masterClrMapping/>
+  </p:clrMapOvr>
+</p:notes>
+</file>
+
+<file path=ppt/notesSlides/notesSlide14.xml><?xml version="1.0" encoding="utf-8"?>
+<p:notes xmlns:a="http://schemas.openxmlformats.org/drawingml/2006/main" xmlns:r="http://schemas.openxmlformats.org/officeDocument/2006/relationships" xmlns:p="http://schemas.openxmlformats.org/presentationml/2006/main">
+  <p:cSld>
+    <p:spTree>
+      <p:nvGrpSpPr>
+        <p:cNvPr id="1" name=""/>
+        <p:cNvGrpSpPr/>
+        <p:nvPr/>
+      </p:nvGrpSpPr>
+      <p:grpSpPr>
+        <a:xfrm>
+          <a:off x="0" y="0"/>
+          <a:ext cx="0" cy="0"/>
+          <a:chOff x="0" y="0"/>
+          <a:chExt cx="0" cy="0"/>
+        </a:xfrm>
+      </p:grpSpPr>
+      <p:sp>
+        <p:nvSpPr>
           <p:cNvPr id="13313" name="Rectangle 1"/>
           <p:cNvSpPr>
             <a:spLocks noGrp="1" noRot="1" noChangeAspect="1" noChangeArrowheads="1"/>
@@ -1015,11 +1159,35 @@
           <a:bodyPr/>
           <a:lstStyle/>
           <a:p>
-            <a:pPr marL="250825" indent="-171450" eaLnBrk="1" hangingPunct="1">
+            <a:pPr marL="79375" indent="0" eaLnBrk="1" hangingPunct="1">
               <a:buFontTx/>
-              <a:buChar char="-"/>
+              <a:buNone/>
             </a:pPr>
-            <a:endParaRPr lang="en-US" b="1" dirty="0">
+            <a:r>
+              <a:rPr lang="en-US" b="0" baseline="0" dirty="0" smtClean="0">
+                <a:solidFill>
+                  <a:srgbClr val="000000"/>
+                </a:solidFill>
+                <a:latin typeface="Lucida Grande" charset="0"/>
+                <a:ea typeface="ＭＳ Ｐゴシック" charset="0"/>
+                <a:cs typeface="Lucida Grande" charset="0"/>
+                <a:sym typeface="Lucida Grande" charset="0"/>
+              </a:rPr>
+              <a:t>PayPal </a:t>
+            </a:r>
+            <a:r>
+              <a:rPr lang="en-US" b="0" baseline="0" dirty="0" smtClean="0">
+                <a:solidFill>
+                  <a:srgbClr val="000000"/>
+                </a:solidFill>
+                <a:latin typeface="Lucida Grande" charset="0"/>
+                <a:ea typeface="ＭＳ Ｐゴシック" charset="0"/>
+                <a:cs typeface="Lucida Grande" charset="0"/>
+                <a:sym typeface="Lucida Grande" charset="0"/>
+              </a:rPr>
+              <a:t>works well for demo since you can do it cross platform and it works on Simulator</a:t>
+            </a:r>
+            <a:endParaRPr lang="en-US" b="0" dirty="0">
               <a:solidFill>
                 <a:srgbClr val="000000"/>
               </a:solidFill>
@@ -1039,7 +1207,7 @@
 </p:notes>
 </file>
 
-<file path=ppt/notesSlides/notesSlide14.xml><?xml version="1.0" encoding="utf-8"?>
+<file path=ppt/notesSlides/notesSlide15.xml><?xml version="1.0" encoding="utf-8"?>
 <p:notes xmlns:a="http://schemas.openxmlformats.org/drawingml/2006/main" xmlns:r="http://schemas.openxmlformats.org/officeDocument/2006/relationships" xmlns:p="http://schemas.openxmlformats.org/presentationml/2006/main">
   <p:cSld>
     <p:spTree>
@@ -1115,30 +1283,6 @@
                 <a:spcPts val="450"/>
               </a:spcBef>
             </a:pPr>
-            <a:r>
-              <a:rPr lang="en-US" dirty="0" err="1" smtClean="0">
-                <a:solidFill>
-                  <a:srgbClr val="000000"/>
-                </a:solidFill>
-                <a:latin typeface="Times New Roman" charset="0"/>
-                <a:ea typeface="ＭＳ Ｐゴシック" charset="0"/>
-                <a:cs typeface="Times New Roman" charset="0"/>
-                <a:sym typeface="Times New Roman" charset="0"/>
-              </a:rPr>
-              <a:t>Appc</a:t>
-            </a:r>
-            <a:r>
-              <a:rPr lang="en-US" dirty="0" smtClean="0">
-                <a:solidFill>
-                  <a:srgbClr val="000000"/>
-                </a:solidFill>
-                <a:latin typeface="Times New Roman" charset="0"/>
-                <a:ea typeface="ＭＳ Ｐゴシック" charset="0"/>
-                <a:cs typeface="Times New Roman" charset="0"/>
-                <a:sym typeface="Times New Roman" charset="0"/>
-              </a:rPr>
-              <a:t> has a dedicated module development team now, so this offering will continue to grow</a:t>
-            </a:r>
             <a:endParaRPr lang="en-US" dirty="0">
               <a:solidFill>
                 <a:srgbClr val="000000"/>
@@ -1159,7 +1303,7 @@
 </p:notes>
 </file>
 
-<file path=ppt/notesSlides/notesSlide15.xml><?xml version="1.0" encoding="utf-8"?>
+<file path=ppt/notesSlides/notesSlide16.xml><?xml version="1.0" encoding="utf-8"?>
 <p:notes xmlns:a="http://schemas.openxmlformats.org/drawingml/2006/main" xmlns:r="http://schemas.openxmlformats.org/officeDocument/2006/relationships" xmlns:p="http://schemas.openxmlformats.org/presentationml/2006/main">
   <p:cSld>
     <p:spTree>
@@ -1230,12 +1374,12 @@
           <a:bodyPr/>
           <a:lstStyle/>
           <a:p>
-            <a:pPr marL="250825" indent="-171450" eaLnBrk="1" hangingPunct="1">
+            <a:pPr marL="79375" indent="0" eaLnBrk="1" hangingPunct="1">
               <a:buFontTx/>
-              <a:buChar char="-"/>
+              <a:buNone/>
             </a:pPr>
             <a:r>
-              <a:rPr lang="en-US" b="1" dirty="0" smtClean="0">
+              <a:rPr lang="en-US" b="0" dirty="0" smtClean="0">
                 <a:solidFill>
                   <a:srgbClr val="000000"/>
                 </a:solidFill>
@@ -1247,7 +1391,7 @@
               <a:t>Will need to be able to install</a:t>
             </a:r>
             <a:r>
-              <a:rPr lang="en-US" b="1" baseline="0" dirty="0" smtClean="0">
+              <a:rPr lang="en-US" b="0" baseline="0" dirty="0" smtClean="0">
                 <a:solidFill>
                   <a:srgbClr val="000000"/>
                 </a:solidFill>
@@ -1256,21 +1400,9 @@
                 <a:cs typeface="Lucida Grande" charset="0"/>
                 <a:sym typeface="Lucida Grande" charset="0"/>
               </a:rPr>
-              <a:t> and demo a module, any module.  PayPal works well for demo since you can do it cross platform and it works </a:t>
-            </a:r>
-            <a:r>
-              <a:rPr lang="en-US" b="1" baseline="0" smtClean="0">
-                <a:solidFill>
-                  <a:srgbClr val="000000"/>
-                </a:solidFill>
-                <a:latin typeface="Lucida Grande" charset="0"/>
-                <a:ea typeface="ＭＳ Ｐゴシック" charset="0"/>
-                <a:cs typeface="Lucida Grande" charset="0"/>
-                <a:sym typeface="Lucida Grande" charset="0"/>
-              </a:rPr>
-              <a:t>on Simulator</a:t>
-            </a:r>
-            <a:endParaRPr lang="en-US" b="1" dirty="0">
+              <a:t> and demo a module, any module.  PayPal works well for demo since you can do it cross platform and it works on Simulator</a:t>
+            </a:r>
+            <a:endParaRPr lang="en-US" b="0" dirty="0">
               <a:solidFill>
                 <a:srgbClr val="000000"/>
               </a:solidFill>
@@ -1278,102 +1410,6 @@
               <a:ea typeface="ＭＳ Ｐゴシック" charset="0"/>
               <a:cs typeface="Lucida Grande" charset="0"/>
               <a:sym typeface="Lucida Grande" charset="0"/>
-            </a:endParaRPr>
-          </a:p>
-        </p:txBody>
-      </p:sp>
-    </p:spTree>
-  </p:cSld>
-  <p:clrMapOvr>
-    <a:masterClrMapping/>
-  </p:clrMapOvr>
-</p:notes>
-</file>
-
-<file path=ppt/notesSlides/notesSlide16.xml><?xml version="1.0" encoding="utf-8"?>
-<p:notes xmlns:a="http://schemas.openxmlformats.org/drawingml/2006/main" xmlns:r="http://schemas.openxmlformats.org/officeDocument/2006/relationships" xmlns:p="http://schemas.openxmlformats.org/presentationml/2006/main">
-  <p:cSld>
-    <p:spTree>
-      <p:nvGrpSpPr>
-        <p:cNvPr id="1" name=""/>
-        <p:cNvGrpSpPr/>
-        <p:nvPr/>
-      </p:nvGrpSpPr>
-      <p:grpSpPr>
-        <a:xfrm>
-          <a:off x="0" y="0"/>
-          <a:ext cx="0" cy="0"/>
-          <a:chOff x="0" y="0"/>
-          <a:chExt cx="0" cy="0"/>
-        </a:xfrm>
-      </p:grpSpPr>
-      <p:sp>
-        <p:nvSpPr>
-          <p:cNvPr id="17409" name="Rectangle 1"/>
-          <p:cNvSpPr>
-            <a:spLocks noGrp="1" noRot="1" noChangeAspect="1" noChangeArrowheads="1"/>
-          </p:cNvSpPr>
-          <p:nvPr>
-            <p:ph type="sldImg"/>
-          </p:nvPr>
-        </p:nvSpPr>
-        <p:spPr>
-          <a:solidFill>
-            <a:srgbClr val="FFFFFF"/>
-          </a:solidFill>
-          <a:ln/>
-        </p:spPr>
-      </p:sp>
-      <p:sp>
-        <p:nvSpPr>
-          <p:cNvPr id="17410" name="Rectangle 2"/>
-          <p:cNvSpPr>
-            <a:spLocks noGrp="1" noChangeArrowheads="1"/>
-          </p:cNvSpPr>
-          <p:nvPr>
-            <p:ph type="body" idx="1"/>
-          </p:nvPr>
-        </p:nvSpPr>
-        <p:spPr>
-          <a:noFill/>
-          <a:ln/>
-          <a:extLst>
-            <a:ext uri="{909E8E84-426E-40dd-AFC4-6F175D3DCCD1}">
-              <a14:hiddenFill xmlns:a14="http://schemas.microsoft.com/office/drawing/2010/main">
-                <a:solidFill>
-                  <a:srgbClr val="FFFFFF"/>
-                </a:solidFill>
-              </a14:hiddenFill>
-            </a:ext>
-            <a:ext uri="{91240B29-F687-4f45-9708-019B960494DF}">
-              <a14:hiddenLine xmlns:a14="http://schemas.microsoft.com/office/drawing/2010/main" w="9525">
-                <a:solidFill>
-                  <a:srgbClr val="000000"/>
-                </a:solidFill>
-                <a:miter lim="800000"/>
-                <a:headEnd/>
-                <a:tailEnd/>
-              </a14:hiddenLine>
-            </a:ext>
-          </a:extLst>
-        </p:spPr>
-        <p:txBody>
-          <a:bodyPr/>
-          <a:lstStyle/>
-          <a:p>
-            <a:pPr marL="119063" eaLnBrk="1" hangingPunct="1">
-              <a:spcBef>
-                <a:spcPts val="450"/>
-              </a:spcBef>
-            </a:pPr>
-            <a:endParaRPr lang="en-US" dirty="0">
-              <a:solidFill>
-                <a:srgbClr val="000000"/>
-              </a:solidFill>
-              <a:latin typeface="Times New Roman" charset="0"/>
-              <a:ea typeface="ＭＳ Ｐゴシック" charset="0"/>
-              <a:cs typeface="Times New Roman" charset="0"/>
-              <a:sym typeface="Times New Roman" charset="0"/>
             </a:endParaRPr>
           </a:p>
         </p:txBody>
@@ -1462,54 +1498,6 @@
                 <a:spcPts val="450"/>
               </a:spcBef>
             </a:pPr>
-            <a:r>
-              <a:rPr lang="en-US" dirty="0" smtClean="0">
-                <a:solidFill>
-                  <a:srgbClr val="000000"/>
-                </a:solidFill>
-                <a:latin typeface="Times New Roman" charset="0"/>
-                <a:ea typeface="ＭＳ Ｐゴシック" charset="0"/>
-                <a:cs typeface="Times New Roman" charset="0"/>
-                <a:sym typeface="Times New Roman" charset="0"/>
-              </a:rPr>
-              <a:t>In this lab, we will be adding Bump functionality into </a:t>
-            </a:r>
-            <a:r>
-              <a:rPr lang="en-US" dirty="0" err="1" smtClean="0">
-                <a:solidFill>
-                  <a:srgbClr val="000000"/>
-                </a:solidFill>
-                <a:latin typeface="Times New Roman" charset="0"/>
-                <a:ea typeface="ＭＳ Ｐゴシック" charset="0"/>
-                <a:cs typeface="Times New Roman" charset="0"/>
-                <a:sym typeface="Times New Roman" charset="0"/>
-              </a:rPr>
-              <a:t>TiBountyHunter</a:t>
-            </a:r>
-            <a:r>
-              <a:rPr lang="en-US" dirty="0" smtClean="0">
-                <a:solidFill>
-                  <a:srgbClr val="000000"/>
-                </a:solidFill>
-                <a:latin typeface="Times New Roman" charset="0"/>
-                <a:ea typeface="ＭＳ Ｐゴシック" charset="0"/>
-                <a:cs typeface="Times New Roman" charset="0"/>
-                <a:sym typeface="Times New Roman" charset="0"/>
-              </a:rPr>
-              <a:t> – bump to </a:t>
-            </a:r>
-            <a:r>
-              <a:rPr lang="en-US" smtClean="0">
-                <a:solidFill>
-                  <a:srgbClr val="000000"/>
-                </a:solidFill>
-                <a:latin typeface="Times New Roman" charset="0"/>
-                <a:ea typeface="ＭＳ Ｐゴシック" charset="0"/>
-                <a:cs typeface="Times New Roman" charset="0"/>
-                <a:sym typeface="Times New Roman" charset="0"/>
-              </a:rPr>
-              <a:t>send bounty.</a:t>
-            </a:r>
             <a:endParaRPr lang="en-US" dirty="0">
               <a:solidFill>
                 <a:srgbClr val="000000"/>
@@ -1624,7 +1612,7 @@
                 <a:cs typeface="Lucida Grande" charset="0"/>
                 <a:sym typeface="Lucida Grande" charset="0"/>
               </a:rPr>
-              <a:t> is basically an overview of being a Ti+ consumer.  Next module covers creation of modules.</a:t>
+              <a:t> is basically an overview of being a Ti+ consumer.  </a:t>
             </a:r>
             <a:endParaRPr lang="en-US" b="1" dirty="0">
               <a:solidFill>
@@ -1935,11 +1923,59 @@
           <a:bodyPr/>
           <a:lstStyle/>
           <a:p>
-            <a:pPr marL="250825" indent="-171450" eaLnBrk="1" hangingPunct="1">
+            <a:pPr marL="79375" indent="0" eaLnBrk="1" hangingPunct="1">
               <a:buFontTx/>
-              <a:buChar char="-"/>
+              <a:buNone/>
             </a:pPr>
-            <a:endParaRPr lang="en-US" b="1" dirty="0">
+            <a:r>
+              <a:rPr lang="en-US" b="0" dirty="0" smtClean="0">
+                <a:solidFill>
+                  <a:srgbClr val="000000"/>
+                </a:solidFill>
+                <a:latin typeface="Lucida Grande" charset="0"/>
+                <a:ea typeface="ＭＳ Ｐゴシック" charset="0"/>
+                <a:cs typeface="Lucida Grande" charset="0"/>
+                <a:sym typeface="Lucida Grande" charset="0"/>
+              </a:rPr>
+              <a:t>Also the new </a:t>
+            </a:r>
+            <a:r>
+              <a:rPr lang="en-US" b="0" dirty="0" err="1" smtClean="0">
+                <a:solidFill>
+                  <a:srgbClr val="000000"/>
+                </a:solidFill>
+                <a:latin typeface="Lucida Grande" charset="0"/>
+                <a:ea typeface="ＭＳ Ｐゴシック" charset="0"/>
+                <a:cs typeface="Lucida Grande" charset="0"/>
+                <a:sym typeface="Lucida Grande" charset="0"/>
+              </a:rPr>
+              <a:t>MarketPlace</a:t>
+            </a:r>
+            <a:r>
+              <a:rPr lang="en-US" b="0" dirty="0" smtClean="0">
+                <a:solidFill>
+                  <a:srgbClr val="000000"/>
+                </a:solidFill>
+                <a:latin typeface="Lucida Grande" charset="0"/>
+                <a:ea typeface="ＭＳ Ｐゴシック" charset="0"/>
+                <a:cs typeface="Lucida Grande" charset="0"/>
+                <a:sym typeface="Lucida Grande" charset="0"/>
+              </a:rPr>
+              <a:t> (in beta</a:t>
+            </a:r>
+            <a:r>
+              <a:rPr lang="en-US" b="0" baseline="0" dirty="0" smtClean="0">
+                <a:solidFill>
+                  <a:srgbClr val="000000"/>
+                </a:solidFill>
+                <a:latin typeface="Lucida Grande" charset="0"/>
+                <a:ea typeface="ＭＳ Ｐゴシック" charset="0"/>
+                <a:cs typeface="Lucida Grande" charset="0"/>
+                <a:sym typeface="Lucida Grande" charset="0"/>
+              </a:rPr>
+              <a:t> as of July 2011)</a:t>
+            </a:r>
+            <a:endParaRPr lang="en-US" b="0" dirty="0">
               <a:solidFill>
                 <a:srgbClr val="000000"/>
               </a:solidFill>
@@ -1960,6 +1996,102 @@
 </file>
 
 <file path=ppt/notesSlides/notesSlide5.xml><?xml version="1.0" encoding="utf-8"?>
+<p:notes xmlns:a="http://schemas.openxmlformats.org/drawingml/2006/main" xmlns:r="http://schemas.openxmlformats.org/officeDocument/2006/relationships" xmlns:p="http://schemas.openxmlformats.org/presentationml/2006/main">
+  <p:cSld>
+    <p:spTree>
+      <p:nvGrpSpPr>
+        <p:cNvPr id="1" name=""/>
+        <p:cNvGrpSpPr/>
+        <p:nvPr/>
+      </p:nvGrpSpPr>
+      <p:grpSpPr>
+        <a:xfrm>
+          <a:off x="0" y="0"/>
+          <a:ext cx="0" cy="0"/>
+          <a:chOff x="0" y="0"/>
+          <a:chExt cx="0" cy="0"/>
+        </a:xfrm>
+      </p:grpSpPr>
+      <p:sp>
+        <p:nvSpPr>
+          <p:cNvPr id="17409" name="Rectangle 1"/>
+          <p:cNvSpPr>
+            <a:spLocks noGrp="1" noRot="1" noChangeAspect="1" noChangeArrowheads="1"/>
+          </p:cNvSpPr>
+          <p:nvPr>
+            <p:ph type="sldImg"/>
+          </p:nvPr>
+        </p:nvSpPr>
+        <p:spPr>
+          <a:solidFill>
+            <a:srgbClr val="FFFFFF"/>
+          </a:solidFill>
+          <a:ln/>
+        </p:spPr>
+      </p:sp>
+      <p:sp>
+        <p:nvSpPr>
+          <p:cNvPr id="17410" name="Rectangle 2"/>
+          <p:cNvSpPr>
+            <a:spLocks noGrp="1" noChangeArrowheads="1"/>
+          </p:cNvSpPr>
+          <p:nvPr>
+            <p:ph type="body" idx="1"/>
+          </p:nvPr>
+        </p:nvSpPr>
+        <p:spPr>
+          <a:noFill/>
+          <a:ln/>
+          <a:extLst>
+            <a:ext uri="{909E8E84-426E-40dd-AFC4-6F175D3DCCD1}">
+              <a14:hiddenFill xmlns:a14="http://schemas.microsoft.com/office/drawing/2010/main">
+                <a:solidFill>
+                  <a:srgbClr val="FFFFFF"/>
+                </a:solidFill>
+              </a14:hiddenFill>
+            </a:ext>
+            <a:ext uri="{91240B29-F687-4f45-9708-019B960494DF}">
+              <a14:hiddenLine xmlns:a14="http://schemas.microsoft.com/office/drawing/2010/main" w="9525">
+                <a:solidFill>
+                  <a:srgbClr val="000000"/>
+                </a:solidFill>
+                <a:miter lim="800000"/>
+                <a:headEnd/>
+                <a:tailEnd/>
+              </a14:hiddenLine>
+            </a:ext>
+          </a:extLst>
+        </p:spPr>
+        <p:txBody>
+          <a:bodyPr/>
+          <a:lstStyle/>
+          <a:p>
+            <a:pPr marL="119063" eaLnBrk="1" hangingPunct="1">
+              <a:spcBef>
+                <a:spcPts val="450"/>
+              </a:spcBef>
+            </a:pPr>
+            <a:endParaRPr lang="en-US" dirty="0">
+              <a:solidFill>
+                <a:srgbClr val="000000"/>
+              </a:solidFill>
+              <a:latin typeface="Times New Roman" charset="0"/>
+              <a:ea typeface="ＭＳ Ｐゴシック" charset="0"/>
+              <a:cs typeface="Times New Roman" charset="0"/>
+              <a:sym typeface="Times New Roman" charset="0"/>
+            </a:endParaRPr>
+          </a:p>
+        </p:txBody>
+      </p:sp>
+    </p:spTree>
+  </p:cSld>
+  <p:clrMapOvr>
+    <a:masterClrMapping/>
+  </p:clrMapOvr>
+</p:notes>
+</file>
+
+<file path=ppt/notesSlides/notesSlide6.xml><?xml version="1.0" encoding="utf-8"?>
 <p:notes xmlns:a="http://schemas.openxmlformats.org/drawingml/2006/main" xmlns:r="http://schemas.openxmlformats.org/officeDocument/2006/relationships" xmlns:p="http://schemas.openxmlformats.org/presentationml/2006/main">
   <p:cSld>
     <p:spTree>
@@ -2042,285 +2174,6 @@
               <a:ea typeface="ＭＳ Ｐゴシック" charset="0"/>
               <a:cs typeface="Lucida Grande" charset="0"/>
               <a:sym typeface="Lucida Grande" charset="0"/>
-            </a:endParaRPr>
-          </a:p>
-        </p:txBody>
-      </p:sp>
-    </p:spTree>
-  </p:cSld>
-  <p:clrMapOvr>
-    <a:masterClrMapping/>
-  </p:clrMapOvr>
-</p:notes>
-</file>
-
-<file path=ppt/notesSlides/notesSlide6.xml><?xml version="1.0" encoding="utf-8"?>
-<p:notes xmlns:a="http://schemas.openxmlformats.org/drawingml/2006/main" xmlns:r="http://schemas.openxmlformats.org/officeDocument/2006/relationships" xmlns:p="http://schemas.openxmlformats.org/presentationml/2006/main">
-  <p:cSld>
-    <p:spTree>
-      <p:nvGrpSpPr>
-        <p:cNvPr id="1" name=""/>
-        <p:cNvGrpSpPr/>
-        <p:nvPr/>
-      </p:nvGrpSpPr>
-      <p:grpSpPr>
-        <a:xfrm>
-          <a:off x="0" y="0"/>
-          <a:ext cx="0" cy="0"/>
-          <a:chOff x="0" y="0"/>
-          <a:chExt cx="0" cy="0"/>
-        </a:xfrm>
-      </p:grpSpPr>
-      <p:sp>
-        <p:nvSpPr>
-          <p:cNvPr id="17409" name="Rectangle 1"/>
-          <p:cNvSpPr>
-            <a:spLocks noGrp="1" noRot="1" noChangeAspect="1" noChangeArrowheads="1"/>
-          </p:cNvSpPr>
-          <p:nvPr>
-            <p:ph type="sldImg"/>
-          </p:nvPr>
-        </p:nvSpPr>
-        <p:spPr>
-          <a:solidFill>
-            <a:srgbClr val="FFFFFF"/>
-          </a:solidFill>
-          <a:ln/>
-        </p:spPr>
-      </p:sp>
-      <p:sp>
-        <p:nvSpPr>
-          <p:cNvPr id="17410" name="Rectangle 2"/>
-          <p:cNvSpPr>
-            <a:spLocks noGrp="1" noChangeArrowheads="1"/>
-          </p:cNvSpPr>
-          <p:nvPr>
-            <p:ph type="body" idx="1"/>
-          </p:nvPr>
-        </p:nvSpPr>
-        <p:spPr>
-          <a:noFill/>
-          <a:ln/>
-          <a:extLst>
-            <a:ext uri="{909E8E84-426E-40dd-AFC4-6F175D3DCCD1}">
-              <a14:hiddenFill xmlns:a14="http://schemas.microsoft.com/office/drawing/2010/main">
-                <a:solidFill>
-                  <a:srgbClr val="FFFFFF"/>
-                </a:solidFill>
-              </a14:hiddenFill>
-            </a:ext>
-            <a:ext uri="{91240B29-F687-4f45-9708-019B960494DF}">
-              <a14:hiddenLine xmlns:a14="http://schemas.microsoft.com/office/drawing/2010/main" w="9525">
-                <a:solidFill>
-                  <a:srgbClr val="000000"/>
-                </a:solidFill>
-                <a:miter lim="800000"/>
-                <a:headEnd/>
-                <a:tailEnd/>
-              </a14:hiddenLine>
-            </a:ext>
-          </a:extLst>
-        </p:spPr>
-        <p:txBody>
-          <a:bodyPr/>
-          <a:lstStyle/>
-          <a:p>
-            <a:pPr marL="119063" eaLnBrk="1" hangingPunct="1">
-              <a:spcBef>
-                <a:spcPts val="450"/>
-              </a:spcBef>
-            </a:pPr>
-            <a:r>
-              <a:rPr lang="en-US" dirty="0" smtClean="0">
-                <a:solidFill>
-                  <a:srgbClr val="000000"/>
-                </a:solidFill>
-                <a:latin typeface="Times New Roman" charset="0"/>
-                <a:ea typeface="ＭＳ Ｐゴシック" charset="0"/>
-                <a:cs typeface="Times New Roman" charset="0"/>
-                <a:sym typeface="Times New Roman" charset="0"/>
-              </a:rPr>
-              <a:t>For this demo, follow the wiki guide for iOS, this process works smoother.</a:t>
-            </a:r>
-          </a:p>
-          <a:p>
-            <a:pPr marL="290513" indent="-171450" eaLnBrk="1" hangingPunct="1">
-              <a:spcBef>
-                <a:spcPts val="450"/>
-              </a:spcBef>
-              <a:buFontTx/>
-              <a:buChar char="-"/>
-            </a:pPr>
-            <a:r>
-              <a:rPr lang="en-US" dirty="0" smtClean="0">
-                <a:solidFill>
-                  <a:srgbClr val="000000"/>
-                </a:solidFill>
-                <a:latin typeface="Times New Roman" charset="0"/>
-                <a:ea typeface="ＭＳ Ｐゴシック" charset="0"/>
-                <a:cs typeface="Times New Roman" charset="0"/>
-                <a:sym typeface="Times New Roman" charset="0"/>
-              </a:rPr>
-              <a:t>generate the project</a:t>
-            </a:r>
-          </a:p>
-          <a:p>
-            <a:pPr marL="290513" indent="-171450" eaLnBrk="1" hangingPunct="1">
-              <a:spcBef>
-                <a:spcPts val="450"/>
-              </a:spcBef>
-              <a:buFontTx/>
-              <a:buChar char="-"/>
-            </a:pPr>
-            <a:r>
-              <a:rPr lang="en-US" dirty="0" smtClean="0">
-                <a:solidFill>
-                  <a:srgbClr val="000000"/>
-                </a:solidFill>
-                <a:latin typeface="Times New Roman" charset="0"/>
-                <a:ea typeface="ＭＳ Ｐゴシック" charset="0"/>
-                <a:cs typeface="Times New Roman" charset="0"/>
-                <a:sym typeface="Times New Roman" charset="0"/>
-              </a:rPr>
-              <a:t>build the module</a:t>
-            </a:r>
-          </a:p>
-          <a:p>
-            <a:pPr marL="290513" indent="-171450" eaLnBrk="1" hangingPunct="1">
-              <a:spcBef>
-                <a:spcPts val="450"/>
-              </a:spcBef>
-              <a:buFontTx/>
-              <a:buChar char="-"/>
-            </a:pPr>
-            <a:r>
-              <a:rPr lang="en-US" dirty="0" smtClean="0">
-                <a:solidFill>
-                  <a:srgbClr val="000000"/>
-                </a:solidFill>
-                <a:latin typeface="Times New Roman" charset="0"/>
-                <a:ea typeface="ＭＳ Ｐゴシック" charset="0"/>
-                <a:cs typeface="Times New Roman" charset="0"/>
-                <a:sym typeface="Times New Roman" charset="0"/>
-              </a:rPr>
-              <a:t>make a “Hello World” function</a:t>
-            </a:r>
-          </a:p>
-          <a:p>
-            <a:pPr marL="290513" indent="-171450" eaLnBrk="1" hangingPunct="1">
-              <a:spcBef>
-                <a:spcPts val="450"/>
-              </a:spcBef>
-              <a:buFontTx/>
-              <a:buChar char="-"/>
-            </a:pPr>
-            <a:r>
-              <a:rPr lang="en-US" dirty="0" smtClean="0">
-                <a:solidFill>
-                  <a:srgbClr val="000000"/>
-                </a:solidFill>
-                <a:latin typeface="Times New Roman" charset="0"/>
-                <a:ea typeface="ＭＳ Ｐゴシック" charset="0"/>
-                <a:cs typeface="Times New Roman" charset="0"/>
-                <a:sym typeface="Times New Roman" charset="0"/>
-              </a:rPr>
-              <a:t>install it to a </a:t>
-            </a:r>
-            <a:r>
-              <a:rPr lang="en-US" dirty="0" err="1" smtClean="0">
-                <a:solidFill>
-                  <a:srgbClr val="000000"/>
-                </a:solidFill>
-                <a:latin typeface="Times New Roman" charset="0"/>
-                <a:ea typeface="ＭＳ Ｐゴシック" charset="0"/>
-                <a:cs typeface="Times New Roman" charset="0"/>
-                <a:sym typeface="Times New Roman" charset="0"/>
-              </a:rPr>
-              <a:t>TiStudio</a:t>
-            </a:r>
-            <a:r>
-              <a:rPr lang="en-US" baseline="0" dirty="0" smtClean="0">
-                <a:solidFill>
-                  <a:srgbClr val="000000"/>
-                </a:solidFill>
-                <a:latin typeface="Times New Roman" charset="0"/>
-                <a:ea typeface="ＭＳ Ｐゴシック" charset="0"/>
-                <a:cs typeface="Times New Roman" charset="0"/>
-                <a:sym typeface="Times New Roman" charset="0"/>
-              </a:rPr>
-              <a:t> project</a:t>
-            </a:r>
-          </a:p>
-          <a:p>
-            <a:pPr marL="290513" indent="-171450" eaLnBrk="1" hangingPunct="1">
-              <a:spcBef>
-                <a:spcPts val="450"/>
-              </a:spcBef>
-              <a:buFontTx/>
-              <a:buChar char="-"/>
-            </a:pPr>
-            <a:r>
-              <a:rPr lang="en-US" baseline="0" dirty="0" smtClean="0">
-                <a:solidFill>
-                  <a:srgbClr val="000000"/>
-                </a:solidFill>
-                <a:latin typeface="Times New Roman" charset="0"/>
-                <a:ea typeface="ＭＳ Ｐゴシック" charset="0"/>
-                <a:cs typeface="Times New Roman" charset="0"/>
-                <a:sym typeface="Times New Roman" charset="0"/>
-              </a:rPr>
-              <a:t>configure in </a:t>
-            </a:r>
-            <a:r>
-              <a:rPr lang="en-US" baseline="0" dirty="0" err="1" smtClean="0">
-                <a:solidFill>
-                  <a:srgbClr val="000000"/>
-                </a:solidFill>
-                <a:latin typeface="Times New Roman" charset="0"/>
-                <a:ea typeface="ＭＳ Ｐゴシック" charset="0"/>
-                <a:cs typeface="Times New Roman" charset="0"/>
-                <a:sym typeface="Times New Roman" charset="0"/>
-              </a:rPr>
-              <a:t>tiapp.xml</a:t>
-            </a:r>
-            <a:endParaRPr lang="en-US" baseline="0" dirty="0" smtClean="0">
-              <a:solidFill>
-                <a:srgbClr val="000000"/>
-              </a:solidFill>
-              <a:latin typeface="Times New Roman" charset="0"/>
-              <a:ea typeface="ＭＳ Ｐゴシック" charset="0"/>
-              <a:cs typeface="Times New Roman" charset="0"/>
-              <a:sym typeface="Times New Roman" charset="0"/>
-            </a:endParaRPr>
-          </a:p>
-          <a:p>
-            <a:pPr marL="290513" indent="-171450" eaLnBrk="1" hangingPunct="1">
-              <a:spcBef>
-                <a:spcPts val="450"/>
-              </a:spcBef>
-              <a:buFontTx/>
-              <a:buChar char="-"/>
-            </a:pPr>
-            <a:r>
-              <a:rPr lang="en-US" baseline="0" dirty="0" smtClean="0">
-                <a:solidFill>
-                  <a:srgbClr val="000000"/>
-                </a:solidFill>
-                <a:latin typeface="Times New Roman" charset="0"/>
-                <a:ea typeface="ＭＳ Ｐゴシック" charset="0"/>
-                <a:cs typeface="Times New Roman" charset="0"/>
-                <a:sym typeface="Times New Roman" charset="0"/>
-              </a:rPr>
-              <a:t>run app, use JS function you defined.</a:t>
-            </a:r>
-            <a:endParaRPr lang="en-US" dirty="0">
-              <a:solidFill>
-                <a:srgbClr val="000000"/>
-              </a:solidFill>
-              <a:latin typeface="Times New Roman" charset="0"/>
-              <a:ea typeface="ＭＳ Ｐゴシック" charset="0"/>
-              <a:cs typeface="Times New Roman" charset="0"/>
-              <a:sym typeface="Times New Roman" charset="0"/>
             </a:endParaRPr>
           </a:p>
         </p:txBody>
@@ -2404,11 +2257,101 @@
           <a:bodyPr/>
           <a:lstStyle/>
           <a:p>
-            <a:pPr marL="250825" indent="-171450" eaLnBrk="1" hangingPunct="1">
+            <a:pPr marL="79375" indent="0" eaLnBrk="1" hangingPunct="1">
               <a:buFontTx/>
-              <a:buChar char="-"/>
+              <a:buNone/>
             </a:pPr>
-            <a:endParaRPr lang="en-US" b="1" dirty="0">
+            <a:r>
+              <a:rPr lang="en-US" b="0" dirty="0" smtClean="0">
+                <a:solidFill>
+                  <a:srgbClr val="000000"/>
+                </a:solidFill>
+                <a:latin typeface="Lucida Grande" charset="0"/>
+                <a:ea typeface="ＭＳ Ｐゴシック" charset="0"/>
+                <a:cs typeface="Lucida Grande" charset="0"/>
+                <a:sym typeface="Lucida Grande" charset="0"/>
+              </a:rPr>
+              <a:t>Useful for physical purchases or donations</a:t>
+            </a:r>
+          </a:p>
+          <a:p>
+            <a:pPr marL="79375" indent="0" eaLnBrk="1" hangingPunct="1">
+              <a:buFontTx/>
+              <a:buNone/>
+            </a:pPr>
+            <a:r>
+              <a:rPr lang="en-US" b="0" dirty="0" smtClean="0">
+                <a:solidFill>
+                  <a:srgbClr val="000000"/>
+                </a:solidFill>
+                <a:latin typeface="Lucida Grande" charset="0"/>
+                <a:ea typeface="ＭＳ Ｐゴシック" charset="0"/>
+                <a:cs typeface="Lucida Grande" charset="0"/>
+                <a:sym typeface="Lucida Grande" charset="0"/>
+              </a:rPr>
+              <a:t>Can’t be used for </a:t>
+            </a:r>
+            <a:r>
+              <a:rPr lang="en-US" b="0" dirty="0" err="1" smtClean="0">
+                <a:solidFill>
+                  <a:srgbClr val="000000"/>
+                </a:solidFill>
+                <a:latin typeface="Lucida Grande" charset="0"/>
+                <a:ea typeface="ＭＳ Ｐゴシック" charset="0"/>
+                <a:cs typeface="Lucida Grande" charset="0"/>
+                <a:sym typeface="Lucida Grande" charset="0"/>
+              </a:rPr>
+              <a:t>ebooks</a:t>
+            </a:r>
+            <a:r>
+              <a:rPr lang="en-US" b="0" dirty="0" smtClean="0">
+                <a:solidFill>
+                  <a:srgbClr val="000000"/>
+                </a:solidFill>
+                <a:latin typeface="Lucida Grande" charset="0"/>
+                <a:ea typeface="ＭＳ Ｐゴシック" charset="0"/>
+                <a:cs typeface="Lucida Grande" charset="0"/>
+                <a:sym typeface="Lucida Grande" charset="0"/>
+              </a:rPr>
+              <a:t>, unlocking app</a:t>
+            </a:r>
+            <a:r>
+              <a:rPr lang="en-US" b="0" baseline="0" dirty="0" smtClean="0">
+                <a:solidFill>
+                  <a:srgbClr val="000000"/>
+                </a:solidFill>
+                <a:latin typeface="Lucida Grande" charset="0"/>
+                <a:ea typeface="ＭＳ Ｐゴシック" charset="0"/>
+                <a:cs typeface="Lucida Grande" charset="0"/>
+                <a:sym typeface="Lucida Grande" charset="0"/>
+              </a:rPr>
+              <a:t> features, etc. because those uses would run afoul of Apple’s </a:t>
+            </a:r>
+            <a:r>
+              <a:rPr lang="en-US" b="0" baseline="0" dirty="0" err="1" smtClean="0">
+                <a:solidFill>
+                  <a:srgbClr val="000000"/>
+                </a:solidFill>
+                <a:latin typeface="Lucida Grande" charset="0"/>
+                <a:ea typeface="ＭＳ Ｐゴシック" charset="0"/>
+                <a:cs typeface="Lucida Grande" charset="0"/>
+                <a:sym typeface="Lucida Grande" charset="0"/>
+              </a:rPr>
+              <a:t>StoreKit</a:t>
+            </a:r>
+            <a:r>
+              <a:rPr lang="en-US" b="0" baseline="0" dirty="0" smtClean="0">
+                <a:solidFill>
+                  <a:srgbClr val="000000"/>
+                </a:solidFill>
+                <a:latin typeface="Lucida Grande" charset="0"/>
+                <a:ea typeface="ＭＳ Ｐゴシック" charset="0"/>
+                <a:cs typeface="Lucida Grande" charset="0"/>
+                <a:sym typeface="Lucida Grande" charset="0"/>
+              </a:rPr>
+              <a:t> rules</a:t>
+            </a:r>
+            <a:endParaRPr lang="en-US" b="0" dirty="0">
               <a:solidFill>
                 <a:srgbClr val="000000"/>
               </a:solidFill>
@@ -2499,11 +2442,23 @@
           <a:bodyPr/>
           <a:lstStyle/>
           <a:p>
-            <a:pPr marL="250825" indent="-171450" eaLnBrk="1" hangingPunct="1">
+            <a:pPr marL="79375" indent="0" eaLnBrk="1" hangingPunct="1">
               <a:buFontTx/>
-              <a:buChar char="-"/>
+              <a:buNone/>
             </a:pPr>
-            <a:endParaRPr lang="en-US" b="1" dirty="0">
+            <a:r>
+              <a:rPr lang="en-US" b="0" dirty="0" smtClean="0">
+                <a:solidFill>
+                  <a:srgbClr val="000000"/>
+                </a:solidFill>
+                <a:latin typeface="Lucida Grande" charset="0"/>
+                <a:ea typeface="ＭＳ Ｐゴシック" charset="0"/>
+                <a:cs typeface="Lucida Grande" charset="0"/>
+                <a:sym typeface="Lucida Grande" charset="0"/>
+              </a:rPr>
+              <a:t>Have to register for an API key with Bump</a:t>
+            </a:r>
+            <a:endParaRPr lang="en-US" b="0" dirty="0">
               <a:solidFill>
                 <a:srgbClr val="000000"/>
               </a:solidFill>
@@ -3028,7 +2983,7 @@
               <a:pPr>
                 <a:defRPr/>
               </a:pPr>
-              <a:t>7/17/11</a:t>
+              <a:t>7/22/11</a:t>
             </a:fld>
             <a:endParaRPr lang="en-US"/>
           </a:p>
@@ -3449,7 +3404,7 @@
               <a:pPr>
                 <a:defRPr/>
               </a:pPr>
-              <a:t>7/17/11</a:t>
+              <a:t>7/22/11</a:t>
             </a:fld>
             <a:endParaRPr lang="en-US"/>
           </a:p>
@@ -4174,7 +4129,7 @@
               <a:pPr>
                 <a:defRPr/>
               </a:pPr>
-              <a:t>7/17/11</a:t>
+              <a:t>7/22/11</a:t>
             </a:fld>
             <a:endParaRPr lang="en-US"/>
           </a:p>
@@ -4727,7 +4682,7 @@
               <a:pPr>
                 <a:defRPr/>
               </a:pPr>
-              <a:t>7/17/11</a:t>
+              <a:t>7/22/11</a:t>
             </a:fld>
             <a:endParaRPr lang="en-US"/>
           </a:p>
@@ -5078,7 +5033,7 @@
               <a:pPr>
                 <a:defRPr/>
               </a:pPr>
-              <a:t>7/17/11</a:t>
+              <a:t>7/22/11</a:t>
             </a:fld>
             <a:endParaRPr lang="en-US"/>
           </a:p>
@@ -5436,7 +5391,7 @@
               <a:pPr>
                 <a:defRPr/>
               </a:pPr>
-              <a:t>7/17/11</a:t>
+              <a:t>7/22/11</a:t>
             </a:fld>
             <a:endParaRPr lang="en-US"/>
           </a:p>
@@ -5671,7 +5626,7 @@
               <a:pPr>
                 <a:defRPr/>
               </a:pPr>
-              <a:t>7/17/11</a:t>
+              <a:t>7/22/11</a:t>
             </a:fld>
             <a:endParaRPr lang="en-US"/>
           </a:p>
@@ -5963,7 +5918,7 @@
               <a:pPr>
                 <a:defRPr/>
               </a:pPr>
-              <a:t>7/17/11</a:t>
+              <a:t>7/22/11</a:t>
             </a:fld>
             <a:endParaRPr lang="en-US"/>
           </a:p>
@@ -7179,7 +7134,7 @@
                 <a:ea typeface="ヒラギノ角ゴ ProN W6" charset="0"/>
                 <a:cs typeface="ヒラギノ角ゴ ProN W6" charset="0"/>
               </a:rPr>
-              <a:t>SMS (iOS)</a:t>
+              <a:t>TV Out (iOS)</a:t>
             </a:r>
             <a:endParaRPr lang="en-US" dirty="0">
               <a:latin typeface="Trebuchet MS Bold" charset="0"/>
@@ -7201,8 +7156,8 @@
         </p:nvSpPr>
         <p:spPr>
           <a:xfrm>
-            <a:off x="457200" y="1346200"/>
-            <a:ext cx="4267200" cy="4826000"/>
+            <a:off x="457200" y="4876800"/>
+            <a:ext cx="8229600" cy="1524000"/>
           </a:xfrm>
         </p:spPr>
         <p:txBody>
@@ -7216,7 +7171,7 @@
                 <a:ea typeface="ヒラギノ角ゴ ProN W3" charset="0"/>
                 <a:cs typeface="ヒラギノ角ゴ ProN W3" charset="0"/>
               </a:rPr>
-              <a:t>Prepare SMS text messages in app</a:t>
+              <a:t>Display app contents on TV screen with additional cable</a:t>
             </a:r>
           </a:p>
           <a:p>
@@ -7235,7 +7190,7 @@
                 <a:ea typeface="ヒラギノ角ゴ ProN W3" charset="0"/>
                 <a:cs typeface="ヒラギノ角ゴ ProN W3" charset="0"/>
               </a:rPr>
-              <a:t>Cannot send via code</a:t>
+              <a:t>Test scaling on TV screen, will vary in quality</a:t>
             </a:r>
           </a:p>
           <a:p>
@@ -7246,38 +7201,11 @@
               <a:cs typeface="ヒラギノ角ゴ ProN W3" charset="0"/>
             </a:endParaRPr>
           </a:p>
-          <a:p>
-            <a:pPr eaLnBrk="1" hangingPunct="1"/>
-            <a:r>
-              <a:rPr lang="en-US" dirty="0" smtClean="0">
-                <a:latin typeface="Trebuchet MS" charset="0"/>
-                <a:ea typeface="ヒラギノ角ゴ ProN W3" charset="0"/>
-                <a:cs typeface="ヒラギノ角ゴ ProN W3" charset="0"/>
-              </a:rPr>
-              <a:t>Enhanced functionality over launching the SMS app</a:t>
-            </a:r>
-          </a:p>
-          <a:p>
-            <a:pPr eaLnBrk="1" hangingPunct="1"/>
-            <a:endParaRPr lang="en-US" dirty="0">
-              <a:latin typeface="Trebuchet MS" charset="0"/>
-              <a:ea typeface="ヒラギノ角ゴ ProN W3" charset="0"/>
-              <a:cs typeface="ヒラギノ角ゴ ProN W3" charset="0"/>
-            </a:endParaRPr>
-          </a:p>
-          <a:p>
-            <a:pPr eaLnBrk="1" hangingPunct="1"/>
-            <a:endParaRPr lang="en-US" dirty="0">
-              <a:latin typeface="Trebuchet MS" charset="0"/>
-              <a:ea typeface="ヒラギノ角ゴ ProN W3" charset="0"/>
-              <a:cs typeface="ヒラギノ角ゴ ProN W3" charset="0"/>
-            </a:endParaRPr>
-          </a:p>
         </p:txBody>
       </p:sp>
       <p:pic>
         <p:nvPicPr>
-          <p:cNvPr id="3" name="Picture 2"/>
+          <p:cNvPr id="2" name="Picture 1"/>
           <p:cNvPicPr>
             <a:picLocks noChangeAspect="1"/>
           </p:cNvPicPr>
@@ -7291,8 +7219,8 @@
         </p:blipFill>
         <p:spPr>
           <a:xfrm>
-            <a:off x="5029200" y="1524000"/>
-            <a:ext cx="3810000" cy="3835400"/>
+            <a:off x="1295400" y="1295400"/>
+            <a:ext cx="6350000" cy="3429000"/>
           </a:xfrm>
           <a:prstGeom prst="rect">
             <a:avLst/>
@@ -7302,7 +7230,7 @@
     </p:spTree>
     <p:extLst>
       <p:ext uri="{BB962C8B-B14F-4D97-AF65-F5344CB8AC3E}">
-        <p14:creationId xmlns:p14="http://schemas.microsoft.com/office/powerpoint/2010/main" val="1397028238"/>
+        <p14:creationId xmlns:p14="http://schemas.microsoft.com/office/powerpoint/2010/main" val="1783555795"/>
       </p:ext>
     </p:extLst>
   </p:cSld>
@@ -7526,7 +7454,7 @@
                 <a:ea typeface="ヒラギノ角ゴ ProN W6" charset="0"/>
                 <a:cs typeface="ヒラギノ角ゴ ProN W6" charset="0"/>
               </a:rPr>
-              <a:t>TV Out (iOS)</a:t>
+              <a:t>StoreKit (iOS)</a:t>
             </a:r>
             <a:endParaRPr lang="en-US" dirty="0">
               <a:latin typeface="Trebuchet MS Bold" charset="0"/>
@@ -7548,8 +7476,8 @@
         </p:nvSpPr>
         <p:spPr>
           <a:xfrm>
-            <a:off x="457200" y="4876800"/>
-            <a:ext cx="8229600" cy="1524000"/>
+            <a:off x="457200" y="1346200"/>
+            <a:ext cx="4267200" cy="4826000"/>
           </a:xfrm>
         </p:spPr>
         <p:txBody>
@@ -7563,7 +7491,7 @@
                 <a:ea typeface="ヒラギノ角ゴ ProN W3" charset="0"/>
                 <a:cs typeface="ヒラギノ角ゴ ProN W3" charset="0"/>
               </a:rPr>
-              <a:t>Display app contents on TV screen with additional cable</a:t>
+              <a:t>In App Purchase API</a:t>
             </a:r>
           </a:p>
           <a:p>
@@ -7582,8 +7510,54 @@
                 <a:ea typeface="ヒラギノ角ゴ ProN W3" charset="0"/>
                 <a:cs typeface="ヒラギノ角ゴ ProN W3" charset="0"/>
               </a:rPr>
-              <a:t>Test scaling on TV screen, will vary in quality</a:t>
-            </a:r>
+              <a:t>Requires set up through iTunes Connect portal</a:t>
+            </a:r>
+          </a:p>
+          <a:p>
+            <a:pPr eaLnBrk="1" hangingPunct="1"/>
+            <a:endParaRPr lang="en-US" dirty="0">
+              <a:latin typeface="Trebuchet MS" charset="0"/>
+              <a:ea typeface="ヒラギノ角ゴ ProN W3" charset="0"/>
+              <a:cs typeface="ヒラギノ角ゴ ProN W3" charset="0"/>
+            </a:endParaRPr>
+          </a:p>
+          <a:p>
+            <a:pPr eaLnBrk="1" hangingPunct="1"/>
+            <a:r>
+              <a:rPr lang="en-US" dirty="0" smtClean="0">
+                <a:latin typeface="Trebuchet MS" charset="0"/>
+                <a:ea typeface="ヒラギノ角ゴ ProN W3" charset="0"/>
+                <a:cs typeface="ヒラギノ角ゴ ProN W3" charset="0"/>
+              </a:rPr>
+              <a:t>Can only be tested on device</a:t>
+            </a:r>
+          </a:p>
+          <a:p>
+            <a:pPr eaLnBrk="1" hangingPunct="1"/>
+            <a:endParaRPr lang="en-US" dirty="0">
+              <a:latin typeface="Trebuchet MS" charset="0"/>
+              <a:ea typeface="ヒラギノ角ゴ ProN W3" charset="0"/>
+              <a:cs typeface="ヒラギノ角ゴ ProN W3" charset="0"/>
+            </a:endParaRPr>
+          </a:p>
+          <a:p>
+            <a:pPr eaLnBrk="1" hangingPunct="1"/>
+            <a:r>
+              <a:rPr lang="en-US" dirty="0" smtClean="0">
+                <a:latin typeface="Trebuchet MS" charset="0"/>
+                <a:ea typeface="ヒラギノ角ゴ ProN W3" charset="0"/>
+                <a:cs typeface="ヒラギノ角ゴ ProN W3" charset="0"/>
+              </a:rPr>
+              <a:t>Will need to follow Apple docs for user and item creation</a:t>
+            </a:r>
+          </a:p>
+          <a:p>
+            <a:pPr eaLnBrk="1" hangingPunct="1"/>
+            <a:endParaRPr lang="en-US" dirty="0">
+              <a:latin typeface="Trebuchet MS" charset="0"/>
+              <a:ea typeface="ヒラギノ角ゴ ProN W3" charset="0"/>
+              <a:cs typeface="ヒラギノ角ゴ ProN W3" charset="0"/>
+            </a:endParaRPr>
           </a:p>
           <a:p>
             <a:pPr eaLnBrk="1" hangingPunct="1"/>
@@ -7611,8 +7585,8 @@
         </p:blipFill>
         <p:spPr>
           <a:xfrm>
-            <a:off x="1295400" y="1295400"/>
-            <a:ext cx="6350000" cy="3429000"/>
+            <a:off x="5029200" y="1524000"/>
+            <a:ext cx="3810000" cy="3810000"/>
           </a:xfrm>
           <a:prstGeom prst="rect">
             <a:avLst/>
@@ -7622,7 +7596,7 @@
     </p:spTree>
     <p:extLst>
       <p:ext uri="{BB962C8B-B14F-4D97-AF65-F5344CB8AC3E}">
-        <p14:creationId xmlns:p14="http://schemas.microsoft.com/office/powerpoint/2010/main" val="1783555795"/>
+        <p14:creationId xmlns:p14="http://schemas.microsoft.com/office/powerpoint/2010/main" val="3330094525"/>
       </p:ext>
     </p:extLst>
   </p:cSld>
@@ -7846,7 +7820,7 @@
                 <a:ea typeface="ヒラギノ角ゴ ProN W6" charset="0"/>
                 <a:cs typeface="ヒラギノ角ゴ ProN W6" charset="0"/>
               </a:rPr>
-              <a:t>StoreKit (iOS)</a:t>
+              <a:t>Magtek Credit Card Reader (iOS)</a:t>
             </a:r>
             <a:endParaRPr lang="en-US" dirty="0">
               <a:latin typeface="Trebuchet MS Bold" charset="0"/>
@@ -7883,7 +7857,7 @@
                 <a:ea typeface="ヒラギノ角ゴ ProN W3" charset="0"/>
                 <a:cs typeface="ヒラギノ角ゴ ProN W3" charset="0"/>
               </a:rPr>
-              <a:t>In App Purchase API</a:t>
+              <a:t>Interface to Magtek hardware</a:t>
             </a:r>
           </a:p>
           <a:p>
@@ -7902,7 +7876,7 @@
                 <a:ea typeface="ヒラギノ角ゴ ProN W3" charset="0"/>
                 <a:cs typeface="ヒラギノ角ゴ ProN W3" charset="0"/>
               </a:rPr>
-              <a:t>Requires set up through iTunes Connect portal</a:t>
+              <a:t>Can process card payments</a:t>
             </a:r>
           </a:p>
           <a:p>
@@ -7921,7 +7895,7 @@
                 <a:ea typeface="ヒラギノ角ゴ ProN W3" charset="0"/>
                 <a:cs typeface="ヒラギノ角ゴ ProN W3" charset="0"/>
               </a:rPr>
-              <a:t>Can only be tested on device</a:t>
+              <a:t>Requires additional account setup for payments</a:t>
             </a:r>
           </a:p>
           <a:p>
@@ -7940,7 +7914,7 @@
                 <a:ea typeface="ヒラギノ角ゴ ProN W3" charset="0"/>
                 <a:cs typeface="ヒラギノ角ゴ ProN W3" charset="0"/>
               </a:rPr>
-              <a:t>Will need to follow Apple docs for user and item creation</a:t>
+              <a:t>Can only be tested on device with peripheral</a:t>
             </a:r>
           </a:p>
           <a:p>
@@ -7963,7 +7937,7 @@
       </p:sp>
       <p:pic>
         <p:nvPicPr>
-          <p:cNvPr id="2" name="Picture 1"/>
+          <p:cNvPr id="3" name="Picture 2"/>
           <p:cNvPicPr>
             <a:picLocks noChangeAspect="1"/>
           </p:cNvPicPr>
@@ -7977,8 +7951,8 @@
         </p:blipFill>
         <p:spPr>
           <a:xfrm>
-            <a:off x="5029200" y="1524000"/>
-            <a:ext cx="3810000" cy="3810000"/>
+            <a:off x="5334000" y="2133600"/>
+            <a:ext cx="2794000" cy="2794000"/>
           </a:xfrm>
           <a:prstGeom prst="rect">
             <a:avLst/>
@@ -7988,7 +7962,7 @@
     </p:spTree>
     <p:extLst>
       <p:ext uri="{BB962C8B-B14F-4D97-AF65-F5344CB8AC3E}">
-        <p14:creationId xmlns:p14="http://schemas.microsoft.com/office/powerpoint/2010/main" val="3330094525"/>
+        <p14:creationId xmlns:p14="http://schemas.microsoft.com/office/powerpoint/2010/main" val="1660327340"/>
       </p:ext>
     </p:extLst>
   </p:cSld>
@@ -8007,6 +7981,143 @@
 </file>
 
 <file path=ppt/slides/slide13.xml><?xml version="1.0" encoding="utf-8"?>
+<p:sld xmlns:a="http://schemas.openxmlformats.org/drawingml/2006/main" xmlns:r="http://schemas.openxmlformats.org/officeDocument/2006/relationships" xmlns:p="http://schemas.openxmlformats.org/presentationml/2006/main">
+  <p:cSld>
+    <p:spTree>
+      <p:nvGrpSpPr>
+        <p:cNvPr id="1" name=""/>
+        <p:cNvGrpSpPr/>
+        <p:nvPr/>
+      </p:nvGrpSpPr>
+      <p:grpSpPr>
+        <a:xfrm>
+          <a:off x="0" y="0"/>
+          <a:ext cx="0" cy="0"/>
+          <a:chOff x="0" y="0"/>
+          <a:chExt cx="0" cy="0"/>
+        </a:xfrm>
+      </p:grpSpPr>
+      <p:pic>
+        <p:nvPicPr>
+          <p:cNvPr id="16385" name="Picture 1"/>
+          <p:cNvPicPr>
+            <a:picLocks noChangeArrowheads="1"/>
+          </p:cNvPicPr>
+          <p:nvPr/>
+        </p:nvPicPr>
+        <p:blipFill>
+          <a:blip r:embed="rId3">
+            <a:extLst>
+              <a:ext uri="{28A0092B-C50C-407E-A947-70E740481C1C}">
+                <a14:useLocalDpi xmlns:a14="http://schemas.microsoft.com/office/drawing/2010/main" val="0"/>
+              </a:ext>
+            </a:extLst>
+          </a:blip>
+          <a:srcRect/>
+          <a:stretch>
+            <a:fillRect/>
+          </a:stretch>
+        </p:blipFill>
+        <p:spPr bwMode="auto">
+          <a:xfrm>
+            <a:off x="8505825" y="6311900"/>
+            <a:ext cx="442913" cy="357188"/>
+          </a:xfrm>
+          <a:prstGeom prst="rect">
+            <a:avLst/>
+          </a:prstGeom>
+          <a:noFill/>
+          <a:ln>
+            <a:noFill/>
+          </a:ln>
+          <a:extLst>
+            <a:ext uri="{909E8E84-426E-40dd-AFC4-6F175D3DCCD1}">
+              <a14:hiddenFill xmlns:a14="http://schemas.microsoft.com/office/drawing/2010/main">
+                <a:solidFill>
+                  <a:srgbClr val="FFFFFF"/>
+                </a:solidFill>
+              </a14:hiddenFill>
+            </a:ext>
+            <a:ext uri="{91240B29-F687-4f45-9708-019B960494DF}">
+              <a14:hiddenLine xmlns:a14="http://schemas.microsoft.com/office/drawing/2010/main" w="9525">
+                <a:solidFill>
+                  <a:srgbClr val="000000"/>
+                </a:solidFill>
+                <a:miter lim="800000"/>
+                <a:headEnd/>
+                <a:tailEnd/>
+              </a14:hiddenLine>
+            </a:ext>
+          </a:extLst>
+        </p:spPr>
+      </p:pic>
+      <p:sp>
+        <p:nvSpPr>
+          <p:cNvPr id="16386" name="Rectangle 5"/>
+          <p:cNvSpPr>
+            <a:spLocks noGrp="1" noChangeArrowheads="1"/>
+          </p:cNvSpPr>
+          <p:nvPr>
+            <p:ph type="ctrTitle" idx="4294967295"/>
+          </p:nvPr>
+        </p:nvSpPr>
+        <p:spPr>
+          <a:xfrm>
+            <a:off x="685800" y="2317750"/>
+            <a:ext cx="7772400" cy="1470025"/>
+          </a:xfrm>
+        </p:spPr>
+        <p:txBody>
+          <a:bodyPr rIns="81279"/>
+          <a:lstStyle/>
+          <a:p>
+            <a:pPr algn="ctr" eaLnBrk="1" hangingPunct="1"/>
+            <a:r>
+              <a:rPr lang="en-US" sz="3600" dirty="0" smtClean="0">
+                <a:solidFill>
+                  <a:srgbClr val="122956"/>
+                </a:solidFill>
+                <a:latin typeface="Trebuchet MS Bold Italic" charset="0"/>
+                <a:ea typeface="ヒラギノ角ゴ ProN W6" charset="0"/>
+                <a:cs typeface="ヒラギノ角ゴ ProN W6" charset="0"/>
+                <a:sym typeface="Trebuchet MS Bold Italic" charset="0"/>
+              </a:rPr>
+              <a:t>More To Come!</a:t>
+            </a:r>
+            <a:endParaRPr lang="en-US" sz="1400" dirty="0">
+              <a:solidFill>
+                <a:srgbClr val="122956"/>
+              </a:solidFill>
+              <a:latin typeface="Trebuchet MS Bold Italic" charset="0"/>
+              <a:ea typeface="ヒラギノ角ゴ ProN W6" charset="0"/>
+              <a:cs typeface="ヒラギノ角ゴ ProN W6" charset="0"/>
+              <a:sym typeface="Trebuchet MS Bold Italic" charset="0"/>
+            </a:endParaRPr>
+          </a:p>
+        </p:txBody>
+      </p:sp>
+    </p:spTree>
+    <p:extLst>
+      <p:ext uri="{BB962C8B-B14F-4D97-AF65-F5344CB8AC3E}">
+        <p14:creationId xmlns:p14="http://schemas.microsoft.com/office/powerpoint/2010/main" val="3310131187"/>
+      </p:ext>
+    </p:extLst>
+  </p:cSld>
+  <p:clrMapOvr>
+    <a:masterClrMapping/>
+  </p:clrMapOvr>
+  <p:transition xmlns:p14="http://schemas.microsoft.com/office/powerpoint/2010/main" spd="slow"/>
+  <p:timing>
+    <p:tnLst>
+      <p:par>
+        <p:cTn xmlns:p14="http://schemas.microsoft.com/office/powerpoint/2010/main" id="1" dur="indefinite" restart="never" nodeType="tmRoot"/>
+      </p:par>
+    </p:tnLst>
+  </p:timing>
+</p:sld>
+</file>
+
+<file path=ppt/slides/slide14.xml><?xml version="1.0" encoding="utf-8"?>
 <p:sld xmlns:a="http://schemas.openxmlformats.org/drawingml/2006/main" xmlns:r="http://schemas.openxmlformats.org/officeDocument/2006/relationships" xmlns:p="http://schemas.openxmlformats.org/presentationml/2006/main">
   <p:cSld>
     <p:spTree>
@@ -8212,7 +8323,7 @@
                 <a:ea typeface="ヒラギノ角ゴ ProN W6" charset="0"/>
                 <a:cs typeface="ヒラギノ角ゴ ProN W6" charset="0"/>
               </a:rPr>
-              <a:t>Magtek Credit Card Reader (iOS)</a:t>
+              <a:t>Installing Modules</a:t>
             </a:r>
             <a:endParaRPr lang="en-US" dirty="0">
               <a:latin typeface="Trebuchet MS Bold" charset="0"/>
@@ -8235,7 +8346,7 @@
         <p:spPr>
           <a:xfrm>
             <a:off x="457200" y="1346200"/>
-            <a:ext cx="4267200" cy="4826000"/>
+            <a:ext cx="8229600" cy="4826000"/>
           </a:xfrm>
         </p:spPr>
         <p:txBody>
@@ -8249,7 +8360,7 @@
                 <a:ea typeface="ヒラギノ角ゴ ProN W3" charset="0"/>
                 <a:cs typeface="ヒラギノ角ゴ ProN W3" charset="0"/>
               </a:rPr>
-              <a:t>Interface to Magtek hardware</a:t>
+              <a:t>Download and Unzip from Helpdesk</a:t>
             </a:r>
           </a:p>
           <a:p>
@@ -8268,7 +8379,7 @@
                 <a:ea typeface="ヒラギノ角ゴ ProN W3" charset="0"/>
                 <a:cs typeface="ヒラギノ角ゴ ProN W3" charset="0"/>
               </a:rPr>
-              <a:t>Can process card payments</a:t>
+              <a:t>Copy into modules directory in project root</a:t>
             </a:r>
           </a:p>
           <a:p>
@@ -8287,8 +8398,21 @@
                 <a:ea typeface="ヒラギノ角ゴ ProN W3" charset="0"/>
                 <a:cs typeface="ヒラギノ角ゴ ProN W3" charset="0"/>
               </a:rPr>
-              <a:t>Requires additional account setup for payments</a:t>
-            </a:r>
+              <a:t>Declare module dependency in </a:t>
+            </a:r>
+            <a:r>
+              <a:rPr lang="en-US" dirty="0" err="1" smtClean="0">
+                <a:latin typeface="Trebuchet MS" charset="0"/>
+                <a:ea typeface="ヒラギノ角ゴ ProN W3" charset="0"/>
+                <a:cs typeface="ヒラギノ角ゴ ProN W3" charset="0"/>
+              </a:rPr>
+              <a:t>tiapp.xml</a:t>
+            </a:r>
+            <a:endParaRPr lang="en-US" dirty="0" smtClean="0">
+              <a:latin typeface="Trebuchet MS" charset="0"/>
+              <a:ea typeface="ヒラギノ角ゴ ProN W3" charset="0"/>
+              <a:cs typeface="ヒラギノ角ゴ ProN W3" charset="0"/>
+            </a:endParaRPr>
           </a:p>
           <a:p>
             <a:pPr eaLnBrk="1" hangingPunct="1"/>
@@ -8306,7 +8430,7 @@
                 <a:ea typeface="ヒラギノ角ゴ ProN W3" charset="0"/>
                 <a:cs typeface="ヒラギノ角ゴ ProN W3" charset="0"/>
               </a:rPr>
-              <a:t>Can only be tested on device with peripheral</a:t>
+              <a:t>require the module in JavaScript</a:t>
             </a:r>
           </a:p>
           <a:p>
@@ -8319,42 +8443,48 @@
           </a:p>
           <a:p>
             <a:pPr eaLnBrk="1" hangingPunct="1"/>
+            <a:r>
+              <a:rPr lang="en-US" dirty="0" smtClean="0">
+                <a:latin typeface="Trebuchet MS" charset="0"/>
+                <a:ea typeface="ヒラギノ角ゴ ProN W3" charset="0"/>
+                <a:cs typeface="ヒラギノ角ゴ ProN W3" charset="0"/>
+              </a:rPr>
+              <a:t>Use module – every one comes with example and doc</a:t>
+            </a:r>
+          </a:p>
+          <a:p>
+            <a:pPr eaLnBrk="1" hangingPunct="1"/>
             <a:endParaRPr lang="en-US" dirty="0">
               <a:latin typeface="Trebuchet MS" charset="0"/>
               <a:ea typeface="ヒラギノ角ゴ ProN W3" charset="0"/>
               <a:cs typeface="ヒラギノ角ゴ ProN W3" charset="0"/>
             </a:endParaRPr>
           </a:p>
+          <a:p>
+            <a:pPr eaLnBrk="1" hangingPunct="1"/>
+            <a:r>
+              <a:rPr lang="en-US" dirty="0">
+                <a:latin typeface="Trebuchet MS" charset="0"/>
+                <a:ea typeface="ヒラギノ角ゴ ProN W3" charset="0"/>
+                <a:cs typeface="ヒラギノ角ゴ ProN W3" charset="0"/>
+              </a:rPr>
+              <a:t>Demo: Install and run Ti+ Module</a:t>
+            </a:r>
+          </a:p>
+          <a:p>
+            <a:pPr eaLnBrk="1" hangingPunct="1"/>
+            <a:endParaRPr lang="en-US" dirty="0">
+              <a:latin typeface="Trebuchet MS" charset="0"/>
+              <a:ea typeface="ヒラギノ角ゴ ProN W3" charset="0"/>
+              <a:cs typeface="ヒラギノ角ゴ ProN W3" charset="0"/>
+            </a:endParaRPr>
+          </a:p>
         </p:txBody>
       </p:sp>
-      <p:pic>
-        <p:nvPicPr>
-          <p:cNvPr id="3" name="Picture 2"/>
-          <p:cNvPicPr>
-            <a:picLocks noChangeAspect="1"/>
-          </p:cNvPicPr>
-          <p:nvPr/>
-        </p:nvPicPr>
-        <p:blipFill>
-          <a:blip r:embed="rId5"/>
-          <a:stretch>
-            <a:fillRect/>
-          </a:stretch>
-        </p:blipFill>
-        <p:spPr>
-          <a:xfrm>
-            <a:off x="5334000" y="2133600"/>
-            <a:ext cx="2794000" cy="2794000"/>
-          </a:xfrm>
-          <a:prstGeom prst="rect">
-            <a:avLst/>
-          </a:prstGeom>
-        </p:spPr>
-      </p:pic>
     </p:spTree>
     <p:extLst>
       <p:ext uri="{BB962C8B-B14F-4D97-AF65-F5344CB8AC3E}">
-        <p14:creationId xmlns:p14="http://schemas.microsoft.com/office/powerpoint/2010/main" val="1660327340"/>
+        <p14:creationId xmlns:p14="http://schemas.microsoft.com/office/powerpoint/2010/main" val="2019251805"/>
       </p:ext>
     </p:extLst>
   </p:cSld>
@@ -8372,7 +8502,7 @@
 </p:sld>
 </file>
 
-<file path=ppt/slides/slide14.xml><?xml version="1.0" encoding="utf-8"?>
+<file path=ppt/slides/slide15.xml><?xml version="1.0" encoding="utf-8"?>
 <p:sld xmlns:a="http://schemas.openxmlformats.org/drawingml/2006/main" xmlns:r="http://schemas.openxmlformats.org/officeDocument/2006/relationships" xmlns:p="http://schemas.openxmlformats.org/presentationml/2006/main">
   <p:cSld>
     <p:spTree>
@@ -8465,7 +8595,7 @@
           <a:p>
             <a:pPr algn="ctr" eaLnBrk="1" hangingPunct="1"/>
             <a:r>
-              <a:rPr lang="en-US" sz="3600" dirty="0" smtClean="0">
+              <a:rPr lang="en-US" sz="3600" i="1" dirty="0" smtClean="0">
                 <a:solidFill>
                   <a:srgbClr val="122956"/>
                 </a:solidFill>
@@ -8474,9 +8604,9 @@
                 <a:cs typeface="ヒラギノ角ゴ ProN W6" charset="0"/>
                 <a:sym typeface="Trebuchet MS Bold Italic" charset="0"/>
               </a:rPr>
-              <a:t>More To Come!</a:t>
-            </a:r>
-            <a:endParaRPr lang="en-US" sz="1400" dirty="0">
+              <a:t>Q&amp;A</a:t>
+            </a:r>
+            <a:endParaRPr lang="en-US" sz="1400" i="1" dirty="0">
               <a:solidFill>
                 <a:srgbClr val="122956"/>
               </a:solidFill>
@@ -8491,7 +8621,7 @@
     </p:spTree>
     <p:extLst>
       <p:ext uri="{BB962C8B-B14F-4D97-AF65-F5344CB8AC3E}">
-        <p14:creationId xmlns:p14="http://schemas.microsoft.com/office/powerpoint/2010/main" val="3310131187"/>
+        <p14:creationId xmlns:p14="http://schemas.microsoft.com/office/powerpoint/2010/main" val="343380571"/>
       </p:ext>
     </p:extLst>
   </p:cSld>
@@ -8509,7 +8639,7 @@
 </p:sld>
 </file>
 
-<file path=ppt/slides/slide15.xml><?xml version="1.0" encoding="utf-8"?>
+<file path=ppt/slides/slide16.xml><?xml version="1.0" encoding="utf-8"?>
 <p:sld xmlns:a="http://schemas.openxmlformats.org/drawingml/2006/main" xmlns:r="http://schemas.openxmlformats.org/officeDocument/2006/relationships" xmlns:p="http://schemas.openxmlformats.org/presentationml/2006/main">
   <p:cSld>
     <p:spTree>
@@ -8715,7 +8845,7 @@
                 <a:ea typeface="ヒラギノ角ゴ ProN W6" charset="0"/>
                 <a:cs typeface="ヒラギノ角ゴ ProN W6" charset="0"/>
               </a:rPr>
-              <a:t>Installing Modules</a:t>
+              <a:t>Lab Goals</a:t>
             </a:r>
             <a:endParaRPr lang="en-US" dirty="0">
               <a:latin typeface="Trebuchet MS Bold" charset="0"/>
@@ -8746,14 +8876,11 @@
           <a:lstStyle/>
           <a:p>
             <a:pPr eaLnBrk="1" hangingPunct="1"/>
-            <a:r>
-              <a:rPr lang="en-US" dirty="0" smtClean="0">
-                <a:latin typeface="Trebuchet MS" charset="0"/>
-                <a:ea typeface="ヒラギノ角ゴ ProN W3" charset="0"/>
-                <a:cs typeface="ヒラギノ角ゴ ProN W3" charset="0"/>
-              </a:rPr>
-              <a:t>Download and Unzip from Helpdesk</a:t>
-            </a:r>
+            <a:endParaRPr lang="en-US" dirty="0">
+              <a:latin typeface="Trebuchet MS" charset="0"/>
+              <a:ea typeface="ヒラギノ角ゴ ProN W3" charset="0"/>
+              <a:cs typeface="ヒラギノ角ゴ ProN W3" charset="0"/>
+            </a:endParaRPr>
           </a:p>
           <a:p>
             <a:pPr eaLnBrk="1" hangingPunct="1"/>
@@ -8763,187 +8890,20 @@
               <a:cs typeface="ヒラギノ角ゴ ProN W3" charset="0"/>
             </a:endParaRPr>
           </a:p>
-          <a:p>
-            <a:pPr eaLnBrk="1" hangingPunct="1"/>
-            <a:r>
-              <a:rPr lang="en-US" dirty="0" smtClean="0">
-                <a:latin typeface="Trebuchet MS" charset="0"/>
-                <a:ea typeface="ヒラギノ角ゴ ProN W3" charset="0"/>
-                <a:cs typeface="ヒラギノ角ゴ ProN W3" charset="0"/>
-              </a:rPr>
-              <a:t>Copy into modules directory in project root</a:t>
-            </a:r>
-          </a:p>
-          <a:p>
-            <a:pPr eaLnBrk="1" hangingPunct="1"/>
-            <a:endParaRPr lang="en-US" dirty="0">
-              <a:latin typeface="Trebuchet MS" charset="0"/>
-              <a:ea typeface="ヒラギノ角ゴ ProN W3" charset="0"/>
-              <a:cs typeface="ヒラギノ角ゴ ProN W3" charset="0"/>
-            </a:endParaRPr>
-          </a:p>
-          <a:p>
-            <a:pPr eaLnBrk="1" hangingPunct="1"/>
-            <a:r>
-              <a:rPr lang="en-US" dirty="0" smtClean="0">
-                <a:latin typeface="Trebuchet MS" charset="0"/>
-                <a:ea typeface="ヒラギノ角ゴ ProN W3" charset="0"/>
-                <a:cs typeface="ヒラギノ角ゴ ProN W3" charset="0"/>
-              </a:rPr>
-              <a:t>Declare module dependency in </a:t>
-            </a:r>
-            <a:r>
-              <a:rPr lang="en-US" dirty="0" err="1" smtClean="0">
-                <a:latin typeface="Trebuchet MS" charset="0"/>
-                <a:ea typeface="ヒラギノ角ゴ ProN W3" charset="0"/>
-                <a:cs typeface="ヒラギノ角ゴ ProN W3" charset="0"/>
-              </a:rPr>
-              <a:t>tiapp.xml</a:t>
-            </a:r>
-            <a:endParaRPr lang="en-US" dirty="0" smtClean="0">
-              <a:latin typeface="Trebuchet MS" charset="0"/>
-              <a:ea typeface="ヒラギノ角ゴ ProN W3" charset="0"/>
-              <a:cs typeface="ヒラギノ角ゴ ProN W3" charset="0"/>
-            </a:endParaRPr>
-          </a:p>
-          <a:p>
-            <a:pPr eaLnBrk="1" hangingPunct="1"/>
-            <a:endParaRPr lang="en-US" dirty="0">
-              <a:latin typeface="Trebuchet MS" charset="0"/>
-              <a:ea typeface="ヒラギノ角ゴ ProN W3" charset="0"/>
-              <a:cs typeface="ヒラギノ角ゴ ProN W3" charset="0"/>
-            </a:endParaRPr>
-          </a:p>
-          <a:p>
-            <a:pPr eaLnBrk="1" hangingPunct="1"/>
-            <a:r>
-              <a:rPr lang="en-US" dirty="0" smtClean="0">
-                <a:latin typeface="Trebuchet MS" charset="0"/>
-                <a:ea typeface="ヒラギノ角ゴ ProN W3" charset="0"/>
-                <a:cs typeface="ヒラギノ角ゴ ProN W3" charset="0"/>
-              </a:rPr>
-              <a:t>require the module in JavaScript</a:t>
-            </a:r>
-          </a:p>
-          <a:p>
-            <a:pPr eaLnBrk="1" hangingPunct="1"/>
-            <a:endParaRPr lang="en-US" dirty="0">
-              <a:latin typeface="Trebuchet MS" charset="0"/>
-              <a:ea typeface="ヒラギノ角ゴ ProN W3" charset="0"/>
-              <a:cs typeface="ヒラギノ角ゴ ProN W3" charset="0"/>
-            </a:endParaRPr>
-          </a:p>
-          <a:p>
-            <a:pPr eaLnBrk="1" hangingPunct="1"/>
-            <a:r>
-              <a:rPr lang="en-US" dirty="0" smtClean="0">
-                <a:latin typeface="Trebuchet MS" charset="0"/>
-                <a:ea typeface="ヒラギノ角ゴ ProN W3" charset="0"/>
-                <a:cs typeface="ヒラギノ角ゴ ProN W3" charset="0"/>
-              </a:rPr>
-              <a:t>Use module – every one comes with example and doc</a:t>
-            </a:r>
-          </a:p>
-          <a:p>
-            <a:pPr eaLnBrk="1" hangingPunct="1"/>
-            <a:endParaRPr lang="en-US" dirty="0">
-              <a:latin typeface="Trebuchet MS" charset="0"/>
-              <a:ea typeface="ヒラギノ角ゴ ProN W3" charset="0"/>
-              <a:cs typeface="ヒラギノ角ゴ ProN W3" charset="0"/>
-            </a:endParaRPr>
-          </a:p>
-          <a:p>
-            <a:pPr eaLnBrk="1" hangingPunct="1"/>
-            <a:r>
-              <a:rPr lang="en-US" dirty="0" smtClean="0">
-                <a:latin typeface="Trebuchet MS" charset="0"/>
-                <a:ea typeface="ヒラギノ角ゴ ProN W3" charset="0"/>
-                <a:cs typeface="ヒラギノ角ゴ ProN W3" charset="0"/>
-              </a:rPr>
-              <a:t>Demo: Install and run Ti+ Module</a:t>
-            </a:r>
-          </a:p>
-          <a:p>
-            <a:pPr eaLnBrk="1" hangingPunct="1"/>
-            <a:endParaRPr lang="en-US" dirty="0">
-              <a:latin typeface="Trebuchet MS" charset="0"/>
-              <a:ea typeface="ヒラギノ角ゴ ProN W3" charset="0"/>
-              <a:cs typeface="ヒラギノ角ゴ ProN W3" charset="0"/>
-            </a:endParaRPr>
-          </a:p>
-          <a:p>
-            <a:pPr eaLnBrk="1" hangingPunct="1"/>
-            <a:endParaRPr lang="en-US" dirty="0">
-              <a:latin typeface="Trebuchet MS" charset="0"/>
-              <a:ea typeface="ヒラギノ角ゴ ProN W3" charset="0"/>
-              <a:cs typeface="ヒラギノ角ゴ ProN W3" charset="0"/>
-            </a:endParaRPr>
-          </a:p>
         </p:txBody>
       </p:sp>
-    </p:spTree>
-    <p:extLst>
-      <p:ext uri="{BB962C8B-B14F-4D97-AF65-F5344CB8AC3E}">
-        <p14:creationId xmlns:p14="http://schemas.microsoft.com/office/powerpoint/2010/main" val="2019251805"/>
-      </p:ext>
-    </p:extLst>
-  </p:cSld>
-  <p:clrMapOvr>
-    <a:masterClrMapping/>
-  </p:clrMapOvr>
-  <p:transition xmlns:p14="http://schemas.microsoft.com/office/powerpoint/2010/main" spd="slow"/>
-  <p:timing>
-    <p:tnLst>
-      <p:par>
-        <p:cTn xmlns:p14="http://schemas.microsoft.com/office/powerpoint/2010/main" id="1" dur="indefinite" restart="never" nodeType="tmRoot"/>
-      </p:par>
-    </p:tnLst>
-  </p:timing>
-</p:sld>
-</file>
-
-<file path=ppt/slides/slide16.xml><?xml version="1.0" encoding="utf-8"?>
-<p:sld xmlns:a="http://schemas.openxmlformats.org/drawingml/2006/main" xmlns:r="http://schemas.openxmlformats.org/officeDocument/2006/relationships" xmlns:p="http://schemas.openxmlformats.org/presentationml/2006/main">
-  <p:cSld>
-    <p:spTree>
-      <p:nvGrpSpPr>
-        <p:cNvPr id="1" name=""/>
-        <p:cNvGrpSpPr/>
-        <p:nvPr/>
-      </p:nvGrpSpPr>
-      <p:grpSpPr>
-        <a:xfrm>
-          <a:off x="0" y="0"/>
-          <a:ext cx="0" cy="0"/>
-          <a:chOff x="0" y="0"/>
-          <a:chExt cx="0" cy="0"/>
-        </a:xfrm>
-      </p:grpSpPr>
-      <p:pic>
-        <p:nvPicPr>
-          <p:cNvPr id="16385" name="Picture 1"/>
-          <p:cNvPicPr>
-            <a:picLocks noChangeArrowheads="1"/>
-          </p:cNvPicPr>
+      <p:sp>
+        <p:nvSpPr>
+          <p:cNvPr id="7" name="Rectangle 7"/>
+          <p:cNvSpPr txBox="1">
+            <a:spLocks noChangeArrowheads="1"/>
+          </p:cNvSpPr>
           <p:nvPr/>
-        </p:nvPicPr>
-        <p:blipFill>
-          <a:blip r:embed="rId3">
-            <a:extLst>
-              <a:ext uri="{28A0092B-C50C-407E-A947-70E740481C1C}">
-                <a14:useLocalDpi xmlns:a14="http://schemas.microsoft.com/office/drawing/2010/main" val="0"/>
-              </a:ext>
-            </a:extLst>
-          </a:blip>
-          <a:srcRect/>
-          <a:stretch>
-            <a:fillRect/>
-          </a:stretch>
-        </p:blipFill>
+        </p:nvSpPr>
         <p:spPr bwMode="auto">
           <a:xfrm>
-            <a:off x="8505825" y="6311900"/>
-            <a:ext cx="442913" cy="357188"/>
+            <a:off x="609600" y="1498600"/>
+            <a:ext cx="8229600" cy="4826000"/>
           </a:xfrm>
           <a:prstGeom prst="rect">
             <a:avLst/>
@@ -8970,50 +8930,239 @@
                 <a:tailEnd/>
               </a14:hiddenLine>
             </a:ext>
+            <a:ext uri="{FAA26D3D-D897-4be2-8F04-BA451C77F1D7}">
+              <ma14:placeholderFlag xmlns:ma14="http://schemas.microsoft.com/office/mac/drawingml/2011/main" val="1"/>
+            </a:ext>
           </a:extLst>
         </p:spPr>
-      </p:pic>
-      <p:sp>
-        <p:nvSpPr>
-          <p:cNvPr id="16386" name="Rectangle 5"/>
-          <p:cNvSpPr>
-            <a:spLocks noGrp="1" noChangeArrowheads="1"/>
-          </p:cNvSpPr>
-          <p:nvPr>
-            <p:ph type="ctrTitle" idx="4294967295"/>
-          </p:nvPr>
-        </p:nvSpPr>
-        <p:spPr>
-          <a:xfrm>
-            <a:off x="685800" y="2317750"/>
-            <a:ext cx="7772400" cy="1470025"/>
-          </a:xfrm>
-        </p:spPr>
         <p:txBody>
-          <a:bodyPr rIns="81279"/>
-          <a:lstStyle/>
-          <a:p>
-            <a:pPr algn="ctr" eaLnBrk="1" hangingPunct="1"/>
-            <a:r>
-              <a:rPr lang="en-US" sz="3600" dirty="0" smtClean="0">
+          <a:bodyPr vert="horz" wrap="square" lIns="91440" tIns="45720" rIns="81279" bIns="45720" numCol="1" anchor="t" anchorCtr="0" compatLnSpc="1">
+            <a:prstTxWarp prst="textNoShape">
+              <a:avLst/>
+            </a:prstTxWarp>
+          </a:bodyPr>
+          <a:lstStyle>
+            <a:lvl1pPr marL="342900" indent="-342900" algn="l" defTabSz="457200" rtl="0" eaLnBrk="0" fontAlgn="base" hangingPunct="0">
+              <a:spcBef>
+                <a:spcPct val="20000"/>
+              </a:spcBef>
+              <a:spcAft>
+                <a:spcPct val="0"/>
+              </a:spcAft>
+              <a:buFont typeface="Arial" charset="0"/>
+              <a:defRPr sz="2400" kern="1200">
                 <a:solidFill>
                   <a:srgbClr val="122956"/>
                 </a:solidFill>
-                <a:latin typeface="Trebuchet MS Bold Italic" charset="0"/>
-                <a:ea typeface="ヒラギノ角ゴ ProN W6" charset="0"/>
-                <a:cs typeface="ヒラギノ角ゴ ProN W6" charset="0"/>
-                <a:sym typeface="Trebuchet MS Bold Italic" charset="0"/>
+                <a:latin typeface="+mn-lt"/>
+                <a:ea typeface="ＭＳ Ｐゴシック" charset="0"/>
+                <a:cs typeface="ＭＳ Ｐゴシック" charset="0"/>
+              </a:defRPr>
+            </a:lvl1pPr>
+            <a:lvl2pPr marL="457200" algn="l" defTabSz="457200" rtl="0" eaLnBrk="0" fontAlgn="base" hangingPunct="0">
+              <a:spcBef>
+                <a:spcPct val="20000"/>
+              </a:spcBef>
+              <a:spcAft>
+                <a:spcPct val="0"/>
+              </a:spcAft>
+              <a:buFont typeface="Arial" charset="0"/>
+              <a:defRPr sz="2000" kern="1200">
+                <a:solidFill>
+                  <a:srgbClr val="122956"/>
+                </a:solidFill>
+                <a:latin typeface="+mn-lt"/>
+                <a:ea typeface="ＭＳ Ｐゴシック" charset="0"/>
+                <a:cs typeface="ＭＳ Ｐゴシック" charset="0"/>
+              </a:defRPr>
+            </a:lvl2pPr>
+            <a:lvl3pPr marL="914400" algn="l" defTabSz="457200" rtl="0" eaLnBrk="0" fontAlgn="base" hangingPunct="0">
+              <a:spcBef>
+                <a:spcPct val="20000"/>
+              </a:spcBef>
+              <a:spcAft>
+                <a:spcPct val="0"/>
+              </a:spcAft>
+              <a:buFont typeface="Arial" charset="0"/>
+              <a:defRPr kern="1200">
+                <a:solidFill>
+                  <a:srgbClr val="122956"/>
+                </a:solidFill>
+                <a:latin typeface="+mn-lt"/>
+                <a:ea typeface="ＭＳ Ｐゴシック" charset="0"/>
+                <a:cs typeface="ＭＳ Ｐゴシック" charset="0"/>
+              </a:defRPr>
+            </a:lvl3pPr>
+            <a:lvl4pPr marL="1371600" algn="l" defTabSz="457200" rtl="0" eaLnBrk="0" fontAlgn="base" hangingPunct="0">
+              <a:spcBef>
+                <a:spcPct val="20000"/>
+              </a:spcBef>
+              <a:spcAft>
+                <a:spcPct val="0"/>
+              </a:spcAft>
+              <a:buFont typeface="Arial" charset="0"/>
+              <a:defRPr sz="2000" kern="1200">
+                <a:solidFill>
+                  <a:schemeClr val="tx1"/>
+                </a:solidFill>
+                <a:latin typeface="+mn-lt"/>
+                <a:ea typeface="ＭＳ Ｐゴシック" charset="0"/>
+                <a:cs typeface="ＭＳ Ｐゴシック" charset="0"/>
+              </a:defRPr>
+            </a:lvl4pPr>
+            <a:lvl5pPr marL="2057400" indent="-228600" algn="l" defTabSz="457200" rtl="0" eaLnBrk="0" fontAlgn="base" hangingPunct="0">
+              <a:spcBef>
+                <a:spcPct val="20000"/>
+              </a:spcBef>
+              <a:spcAft>
+                <a:spcPct val="0"/>
+              </a:spcAft>
+              <a:buFont typeface="Arial" charset="0"/>
+              <a:buChar char="»"/>
+              <a:defRPr sz="2000" kern="1200">
+                <a:solidFill>
+                  <a:schemeClr val="tx1"/>
+                </a:solidFill>
+                <a:latin typeface="+mn-lt"/>
+                <a:ea typeface="ＭＳ Ｐゴシック" charset="0"/>
+                <a:cs typeface="ＭＳ Ｐゴシック" charset="0"/>
+              </a:defRPr>
+            </a:lvl5pPr>
+            <a:lvl6pPr marL="2514600" indent="-228600" algn="l" defTabSz="457200" rtl="0" eaLnBrk="1" latinLnBrk="0" hangingPunct="1">
+              <a:spcBef>
+                <a:spcPct val="20000"/>
+              </a:spcBef>
+              <a:buFont typeface="Arial"/>
+              <a:buChar char="•"/>
+              <a:defRPr sz="2000" kern="1200">
+                <a:solidFill>
+                  <a:schemeClr val="tx1"/>
+                </a:solidFill>
+                <a:latin typeface="+mn-lt"/>
+                <a:ea typeface="+mn-ea"/>
+                <a:cs typeface="+mn-cs"/>
+              </a:defRPr>
+            </a:lvl6pPr>
+            <a:lvl7pPr marL="2971800" indent="-228600" algn="l" defTabSz="457200" rtl="0" eaLnBrk="1" latinLnBrk="0" hangingPunct="1">
+              <a:spcBef>
+                <a:spcPct val="20000"/>
+              </a:spcBef>
+              <a:buFont typeface="Arial"/>
+              <a:buChar char="•"/>
+              <a:defRPr sz="2000" kern="1200">
+                <a:solidFill>
+                  <a:schemeClr val="tx1"/>
+                </a:solidFill>
+                <a:latin typeface="+mn-lt"/>
+                <a:ea typeface="+mn-ea"/>
+                <a:cs typeface="+mn-cs"/>
+              </a:defRPr>
+            </a:lvl7pPr>
+            <a:lvl8pPr marL="3429000" indent="-228600" algn="l" defTabSz="457200" rtl="0" eaLnBrk="1" latinLnBrk="0" hangingPunct="1">
+              <a:spcBef>
+                <a:spcPct val="20000"/>
+              </a:spcBef>
+              <a:buFont typeface="Arial"/>
+              <a:buChar char="•"/>
+              <a:defRPr sz="2000" kern="1200">
+                <a:solidFill>
+                  <a:schemeClr val="tx1"/>
+                </a:solidFill>
+                <a:latin typeface="+mn-lt"/>
+                <a:ea typeface="+mn-ea"/>
+                <a:cs typeface="+mn-cs"/>
+              </a:defRPr>
+            </a:lvl8pPr>
+            <a:lvl9pPr marL="3886200" indent="-228600" algn="l" defTabSz="457200" rtl="0" eaLnBrk="1" latinLnBrk="0" hangingPunct="1">
+              <a:spcBef>
+                <a:spcPct val="20000"/>
+              </a:spcBef>
+              <a:buFont typeface="Arial"/>
+              <a:buChar char="•"/>
+              <a:defRPr sz="2000" kern="1200">
+                <a:solidFill>
+                  <a:schemeClr val="tx1"/>
+                </a:solidFill>
+                <a:latin typeface="+mn-lt"/>
+                <a:ea typeface="+mn-ea"/>
+                <a:cs typeface="+mn-cs"/>
+              </a:defRPr>
+            </a:lvl9pPr>
+          </a:lstStyle>
+          <a:p>
+            <a:pPr eaLnBrk="1" hangingPunct="1"/>
+            <a:r>
+              <a:rPr lang="en-US" dirty="0" smtClean="0">
+                <a:latin typeface="Trebuchet MS" charset="0"/>
+                <a:ea typeface="ヒラギノ角ゴ ProN W3" charset="0"/>
+                <a:cs typeface="ヒラギノ角ゴ ProN W3" charset="0"/>
               </a:rPr>
-              <a:t>Q&amp;A</a:t>
-            </a:r>
-            <a:endParaRPr lang="en-US" sz="1400" dirty="0">
-              <a:solidFill>
-                <a:srgbClr val="122956"/>
-              </a:solidFill>
-              <a:latin typeface="Trebuchet MS Bold Italic" charset="0"/>
-              <a:ea typeface="ヒラギノ角ゴ ProN W6" charset="0"/>
-              <a:cs typeface="ヒラギノ角ゴ ProN W6" charset="0"/>
-              <a:sym typeface="Trebuchet MS Bold Italic" charset="0"/>
+              <a:t>Download and install the PayPal module</a:t>
+            </a:r>
+          </a:p>
+          <a:p>
+            <a:pPr eaLnBrk="1" hangingPunct="1"/>
+            <a:endParaRPr lang="en-US" dirty="0">
+              <a:latin typeface="Trebuchet MS" charset="0"/>
+              <a:ea typeface="ヒラギノ角ゴ ProN W3" charset="0"/>
+              <a:cs typeface="ヒラギノ角ゴ ProN W3" charset="0"/>
+            </a:endParaRPr>
+          </a:p>
+          <a:p>
+            <a:pPr eaLnBrk="1" hangingPunct="1"/>
+            <a:r>
+              <a:rPr lang="en-US" dirty="0" smtClean="0">
+                <a:latin typeface="Trebuchet MS" charset="0"/>
+                <a:ea typeface="ヒラギノ角ゴ ProN W3" charset="0"/>
+                <a:cs typeface="ヒラギノ角ゴ ProN W3" charset="0"/>
+              </a:rPr>
+              <a:t>Include it within an app</a:t>
+            </a:r>
+          </a:p>
+          <a:p>
+            <a:pPr eaLnBrk="1" hangingPunct="1"/>
+            <a:endParaRPr lang="en-US" dirty="0">
+              <a:latin typeface="Trebuchet MS" charset="0"/>
+              <a:ea typeface="ヒラギノ角ゴ ProN W3" charset="0"/>
+              <a:cs typeface="ヒラギノ角ゴ ProN W3" charset="0"/>
+            </a:endParaRPr>
+          </a:p>
+          <a:p>
+            <a:pPr eaLnBrk="1" hangingPunct="1"/>
+            <a:r>
+              <a:rPr lang="en-US" dirty="0" smtClean="0">
+                <a:latin typeface="Trebuchet MS" charset="0"/>
+                <a:ea typeface="ヒラギノ角ゴ ProN W3" charset="0"/>
+                <a:cs typeface="ヒラギノ角ゴ ProN W3" charset="0"/>
+              </a:rPr>
+              <a:t>Enable sandbox-mode PayPal functionality in your app</a:t>
+            </a:r>
+          </a:p>
+          <a:p>
+            <a:pPr eaLnBrk="1" hangingPunct="1"/>
+            <a:endParaRPr lang="en-US" dirty="0">
+              <a:latin typeface="Trebuchet MS" charset="0"/>
+              <a:ea typeface="ヒラギノ角ゴ ProN W3" charset="0"/>
+              <a:cs typeface="ヒラギノ角ゴ ProN W3" charset="0"/>
+            </a:endParaRPr>
+          </a:p>
+          <a:p>
+            <a:pPr eaLnBrk="1" hangingPunct="1"/>
+            <a:r>
+              <a:rPr lang="en-US" dirty="0" smtClean="0">
+                <a:latin typeface="Trebuchet MS" charset="0"/>
+                <a:ea typeface="ヒラギノ角ゴ ProN W3" charset="0"/>
+                <a:cs typeface="ヒラギノ角ゴ ProN W3" charset="0"/>
+              </a:rPr>
+              <a:t>Wiki URL</a:t>
+            </a:r>
+          </a:p>
+          <a:p>
+            <a:pPr eaLnBrk="1" hangingPunct="1"/>
+            <a:endParaRPr lang="en-US" dirty="0">
+              <a:latin typeface="Trebuchet MS" charset="0"/>
+              <a:ea typeface="ヒラギノ角ゴ ProN W3" charset="0"/>
+              <a:cs typeface="ヒラギノ角ゴ ProN W3" charset="0"/>
             </a:endParaRPr>
           </a:p>
         </p:txBody>
@@ -9021,7 +9170,7 @@
     </p:spTree>
     <p:extLst>
       <p:ext uri="{BB962C8B-B14F-4D97-AF65-F5344CB8AC3E}">
-        <p14:creationId xmlns:p14="http://schemas.microsoft.com/office/powerpoint/2010/main" val="343380571"/>
+        <p14:creationId xmlns:p14="http://schemas.microsoft.com/office/powerpoint/2010/main" val="425187756"/>
       </p:ext>
     </p:extLst>
   </p:cSld>
@@ -9132,7 +9281,7 @@
           <a:p>
             <a:pPr algn="ctr" eaLnBrk="1" hangingPunct="1"/>
             <a:r>
-              <a:rPr lang="en-US" sz="3600" dirty="0" smtClean="0">
+              <a:rPr lang="en-US" sz="3600" i="1" dirty="0" smtClean="0">
                 <a:solidFill>
                   <a:srgbClr val="122956"/>
                 </a:solidFill>
@@ -9143,7 +9292,7 @@
               </a:rPr>
               <a:t>Lab</a:t>
             </a:r>
-            <a:endParaRPr lang="en-US" sz="1400" dirty="0">
+            <a:endParaRPr lang="en-US" sz="1400" i="1" dirty="0">
               <a:solidFill>
                 <a:srgbClr val="122956"/>
               </a:solidFill>
@@ -10164,6 +10313,143 @@
       </p:grpSpPr>
       <p:pic>
         <p:nvPicPr>
+          <p:cNvPr id="16385" name="Picture 1"/>
+          <p:cNvPicPr>
+            <a:picLocks noChangeArrowheads="1"/>
+          </p:cNvPicPr>
+          <p:nvPr/>
+        </p:nvPicPr>
+        <p:blipFill>
+          <a:blip r:embed="rId3">
+            <a:extLst>
+              <a:ext uri="{28A0092B-C50C-407E-A947-70E740481C1C}">
+                <a14:useLocalDpi xmlns:a14="http://schemas.microsoft.com/office/drawing/2010/main" val="0"/>
+              </a:ext>
+            </a:extLst>
+          </a:blip>
+          <a:srcRect/>
+          <a:stretch>
+            <a:fillRect/>
+          </a:stretch>
+        </p:blipFill>
+        <p:spPr bwMode="auto">
+          <a:xfrm>
+            <a:off x="8505825" y="6311900"/>
+            <a:ext cx="442913" cy="357188"/>
+          </a:xfrm>
+          <a:prstGeom prst="rect">
+            <a:avLst/>
+          </a:prstGeom>
+          <a:noFill/>
+          <a:ln>
+            <a:noFill/>
+          </a:ln>
+          <a:extLst>
+            <a:ext uri="{909E8E84-426E-40dd-AFC4-6F175D3DCCD1}">
+              <a14:hiddenFill xmlns:a14="http://schemas.microsoft.com/office/drawing/2010/main">
+                <a:solidFill>
+                  <a:srgbClr val="FFFFFF"/>
+                </a:solidFill>
+              </a14:hiddenFill>
+            </a:ext>
+            <a:ext uri="{91240B29-F687-4f45-9708-019B960494DF}">
+              <a14:hiddenLine xmlns:a14="http://schemas.microsoft.com/office/drawing/2010/main" w="9525">
+                <a:solidFill>
+                  <a:srgbClr val="000000"/>
+                </a:solidFill>
+                <a:miter lim="800000"/>
+                <a:headEnd/>
+                <a:tailEnd/>
+              </a14:hiddenLine>
+            </a:ext>
+          </a:extLst>
+        </p:spPr>
+      </p:pic>
+      <p:sp>
+        <p:nvSpPr>
+          <p:cNvPr id="16386" name="Rectangle 5"/>
+          <p:cNvSpPr>
+            <a:spLocks noGrp="1" noChangeArrowheads="1"/>
+          </p:cNvSpPr>
+          <p:nvPr>
+            <p:ph type="ctrTitle" idx="4294967295"/>
+          </p:nvPr>
+        </p:nvSpPr>
+        <p:spPr>
+          <a:xfrm>
+            <a:off x="685800" y="2317750"/>
+            <a:ext cx="7772400" cy="1470025"/>
+          </a:xfrm>
+        </p:spPr>
+        <p:txBody>
+          <a:bodyPr rIns="81279"/>
+          <a:lstStyle/>
+          <a:p>
+            <a:pPr algn="ctr" eaLnBrk="1" hangingPunct="1"/>
+            <a:r>
+              <a:rPr lang="en-US" sz="3600" dirty="0" smtClean="0">
+                <a:solidFill>
+                  <a:srgbClr val="122956"/>
+                </a:solidFill>
+                <a:latin typeface="Trebuchet MS Bold Italic" charset="0"/>
+                <a:ea typeface="ヒラギノ角ゴ ProN W6" charset="0"/>
+                <a:cs typeface="ヒラギノ角ゴ ProN W6" charset="0"/>
+                <a:sym typeface="Trebuchet MS Bold Italic" charset="0"/>
+              </a:rPr>
+              <a:t>Module Overview</a:t>
+            </a:r>
+            <a:endParaRPr lang="en-US" sz="1400" dirty="0">
+              <a:solidFill>
+                <a:srgbClr val="122956"/>
+              </a:solidFill>
+              <a:latin typeface="Trebuchet MS Bold Italic" charset="0"/>
+              <a:ea typeface="ヒラギノ角ゴ ProN W6" charset="0"/>
+              <a:cs typeface="ヒラギノ角ゴ ProN W6" charset="0"/>
+              <a:sym typeface="Trebuchet MS Bold Italic" charset="0"/>
+            </a:endParaRPr>
+          </a:p>
+        </p:txBody>
+      </p:sp>
+    </p:spTree>
+    <p:extLst>
+      <p:ext uri="{BB962C8B-B14F-4D97-AF65-F5344CB8AC3E}">
+        <p14:creationId xmlns:p14="http://schemas.microsoft.com/office/powerpoint/2010/main" val="1575128271"/>
+      </p:ext>
+    </p:extLst>
+  </p:cSld>
+  <p:clrMapOvr>
+    <a:masterClrMapping/>
+  </p:clrMapOvr>
+  <p:transition xmlns:p14="http://schemas.microsoft.com/office/powerpoint/2010/main" spd="slow"/>
+  <p:timing>
+    <p:tnLst>
+      <p:par>
+        <p:cTn xmlns:p14="http://schemas.microsoft.com/office/powerpoint/2010/main" id="1" dur="indefinite" restart="never" nodeType="tmRoot"/>
+      </p:par>
+    </p:tnLst>
+  </p:timing>
+</p:sld>
+</file>
+
+<file path=ppt/slides/slide6.xml><?xml version="1.0" encoding="utf-8"?>
+<p:sld xmlns:a="http://schemas.openxmlformats.org/drawingml/2006/main" xmlns:r="http://schemas.openxmlformats.org/officeDocument/2006/relationships" xmlns:p="http://schemas.openxmlformats.org/presentationml/2006/main">
+  <p:cSld>
+    <p:spTree>
+      <p:nvGrpSpPr>
+        <p:cNvPr id="1" name=""/>
+        <p:cNvGrpSpPr/>
+        <p:nvPr/>
+      </p:nvGrpSpPr>
+      <p:grpSpPr>
+        <a:xfrm>
+          <a:off x="0" y="0"/>
+          <a:ext cx="0" cy="0"/>
+          <a:chOff x="0" y="0"/>
+          <a:chExt cx="0" cy="0"/>
+        </a:xfrm>
+      </p:grpSpPr>
+      <p:pic>
+        <p:nvPicPr>
           <p:cNvPr id="12289" name="Picture 1"/>
           <p:cNvPicPr>
             <a:picLocks noChangeArrowheads="1"/>
@@ -10351,7 +10637,7 @@
                 <a:ea typeface="ヒラギノ角ゴ ProN W6" charset="0"/>
                 <a:cs typeface="ヒラギノ角ゴ ProN W6" charset="0"/>
               </a:rPr>
-              <a:t>Titanium Plus Access</a:t>
+              <a:t>Urban Airship (iOS and Android)</a:t>
             </a:r>
             <a:endParaRPr lang="en-US" dirty="0">
               <a:latin typeface="Trebuchet MS Bold" charset="0"/>
@@ -10374,7 +10660,7 @@
         <p:spPr>
           <a:xfrm>
             <a:off x="457200" y="1346200"/>
-            <a:ext cx="8229600" cy="4826000"/>
+            <a:ext cx="3886200" cy="4826000"/>
           </a:xfrm>
         </p:spPr>
         <p:txBody>
@@ -10388,7 +10674,7 @@
                 <a:ea typeface="ヒラギノ角ゴ ProN W3" charset="0"/>
                 <a:cs typeface="ヒラギノ角ゴ ProN W3" charset="0"/>
               </a:rPr>
-              <a:t>Titanium Plus available to all subscribers</a:t>
+              <a:t>Push notifications service</a:t>
             </a:r>
           </a:p>
           <a:p>
@@ -10407,7 +10693,7 @@
                 <a:ea typeface="ヒラギノ角ゴ ProN W3" charset="0"/>
                 <a:cs typeface="ヒラギノ角ゴ ProN W3" charset="0"/>
               </a:rPr>
-              <a:t>Currently distributed through Helpdesk</a:t>
+              <a:t>Titanium deals with the client side only</a:t>
             </a:r>
           </a:p>
           <a:p>
@@ -10426,15 +10712,7 @@
                 <a:ea typeface="ヒラギノ角ゴ ProN W3" charset="0"/>
                 <a:cs typeface="ヒラギノ角ゴ ProN W3" charset="0"/>
               </a:rPr>
-              <a:t>In the future, will be done </a:t>
-            </a:r>
-            <a:r>
-              <a:rPr lang="en-US" smtClean="0">
-                <a:latin typeface="Trebuchet MS" charset="0"/>
-                <a:ea typeface="ヒラギノ角ゴ ProN W3" charset="0"/>
-                <a:cs typeface="ヒラギノ角ゴ ProN W3" charset="0"/>
-              </a:rPr>
-              <a:t>through tooling</a:t>
+              <a:t>Urban Airship provides help for the server side, but much of that work is up to you</a:t>
             </a:r>
             <a:endParaRPr lang="en-US" dirty="0">
               <a:latin typeface="Trebuchet MS" charset="0"/>
@@ -10444,147 +10722,34 @@
           </a:p>
         </p:txBody>
       </p:sp>
-    </p:spTree>
-    <p:extLst>
-      <p:ext uri="{BB962C8B-B14F-4D97-AF65-F5344CB8AC3E}">
-        <p14:creationId xmlns:p14="http://schemas.microsoft.com/office/powerpoint/2010/main" val="4132156172"/>
-      </p:ext>
-    </p:extLst>
-  </p:cSld>
-  <p:clrMapOvr>
-    <a:masterClrMapping/>
-  </p:clrMapOvr>
-  <p:transition xmlns:p14="http://schemas.microsoft.com/office/powerpoint/2010/main" spd="slow"/>
-  <p:timing>
-    <p:tnLst>
-      <p:par>
-        <p:cTn xmlns:p14="http://schemas.microsoft.com/office/powerpoint/2010/main" id="1" dur="indefinite" restart="never" nodeType="tmRoot"/>
-      </p:par>
-    </p:tnLst>
-  </p:timing>
-</p:sld>
-</file>
-
-<file path=ppt/slides/slide6.xml><?xml version="1.0" encoding="utf-8"?>
-<p:sld xmlns:a="http://schemas.openxmlformats.org/drawingml/2006/main" xmlns:r="http://schemas.openxmlformats.org/officeDocument/2006/relationships" xmlns:p="http://schemas.openxmlformats.org/presentationml/2006/main">
-  <p:cSld>
-    <p:spTree>
-      <p:nvGrpSpPr>
-        <p:cNvPr id="1" name=""/>
-        <p:cNvGrpSpPr/>
-        <p:nvPr/>
-      </p:nvGrpSpPr>
-      <p:grpSpPr>
-        <a:xfrm>
-          <a:off x="0" y="0"/>
-          <a:ext cx="0" cy="0"/>
-          <a:chOff x="0" y="0"/>
-          <a:chExt cx="0" cy="0"/>
-        </a:xfrm>
-      </p:grpSpPr>
       <p:pic>
         <p:nvPicPr>
-          <p:cNvPr id="16385" name="Picture 1"/>
+          <p:cNvPr id="2" name="Picture 1"/>
           <p:cNvPicPr>
-            <a:picLocks noChangeArrowheads="1"/>
+            <a:picLocks noChangeAspect="1"/>
           </p:cNvPicPr>
           <p:nvPr/>
         </p:nvPicPr>
         <p:blipFill>
-          <a:blip r:embed="rId3">
-            <a:extLst>
-              <a:ext uri="{28A0092B-C50C-407E-A947-70E740481C1C}">
-                <a14:useLocalDpi xmlns:a14="http://schemas.microsoft.com/office/drawing/2010/main" val="0"/>
-              </a:ext>
-            </a:extLst>
-          </a:blip>
-          <a:srcRect/>
+          <a:blip r:embed="rId5"/>
           <a:stretch>
             <a:fillRect/>
           </a:stretch>
         </p:blipFill>
-        <p:spPr bwMode="auto">
+        <p:spPr>
           <a:xfrm>
-            <a:off x="8505825" y="6311900"/>
-            <a:ext cx="442913" cy="357188"/>
+            <a:off x="5257800" y="1905000"/>
+            <a:ext cx="3175000" cy="3175000"/>
           </a:xfrm>
           <a:prstGeom prst="rect">
             <a:avLst/>
           </a:prstGeom>
-          <a:noFill/>
-          <a:ln>
-            <a:noFill/>
-          </a:ln>
-          <a:extLst>
-            <a:ext uri="{909E8E84-426E-40dd-AFC4-6F175D3DCCD1}">
-              <a14:hiddenFill xmlns:a14="http://schemas.microsoft.com/office/drawing/2010/main">
-                <a:solidFill>
-                  <a:srgbClr val="FFFFFF"/>
-                </a:solidFill>
-              </a14:hiddenFill>
-            </a:ext>
-            <a:ext uri="{91240B29-F687-4f45-9708-019B960494DF}">
-              <a14:hiddenLine xmlns:a14="http://schemas.microsoft.com/office/drawing/2010/main" w="9525">
-                <a:solidFill>
-                  <a:srgbClr val="000000"/>
-                </a:solidFill>
-                <a:miter lim="800000"/>
-                <a:headEnd/>
-                <a:tailEnd/>
-              </a14:hiddenLine>
-            </a:ext>
-          </a:extLst>
         </p:spPr>
       </p:pic>
-      <p:sp>
-        <p:nvSpPr>
-          <p:cNvPr id="16386" name="Rectangle 5"/>
-          <p:cNvSpPr>
-            <a:spLocks noGrp="1" noChangeArrowheads="1"/>
-          </p:cNvSpPr>
-          <p:nvPr>
-            <p:ph type="ctrTitle" idx="4294967295"/>
-          </p:nvPr>
-        </p:nvSpPr>
-        <p:spPr>
-          <a:xfrm>
-            <a:off x="685800" y="2317750"/>
-            <a:ext cx="7772400" cy="1470025"/>
-          </a:xfrm>
-        </p:spPr>
-        <p:txBody>
-          <a:bodyPr rIns="81279"/>
-          <a:lstStyle/>
-          <a:p>
-            <a:pPr algn="ctr" eaLnBrk="1" hangingPunct="1"/>
-            <a:r>
-              <a:rPr lang="en-US" sz="3600" dirty="0" smtClean="0">
-                <a:solidFill>
-                  <a:srgbClr val="122956"/>
-                </a:solidFill>
-                <a:latin typeface="Trebuchet MS Bold Italic" charset="0"/>
-                <a:ea typeface="ヒラギノ角ゴ ProN W6" charset="0"/>
-                <a:cs typeface="ヒラギノ角ゴ ProN W6" charset="0"/>
-                <a:sym typeface="Trebuchet MS Bold Italic" charset="0"/>
-              </a:rPr>
-              <a:t>Module Overview</a:t>
-            </a:r>
-            <a:endParaRPr lang="en-US" sz="1400" dirty="0">
-              <a:solidFill>
-                <a:srgbClr val="122956"/>
-              </a:solidFill>
-              <a:latin typeface="Trebuchet MS Bold Italic" charset="0"/>
-              <a:ea typeface="ヒラギノ角ゴ ProN W6" charset="0"/>
-              <a:cs typeface="ヒラギノ角ゴ ProN W6" charset="0"/>
-              <a:sym typeface="Trebuchet MS Bold Italic" charset="0"/>
-            </a:endParaRPr>
-          </a:p>
-        </p:txBody>
-      </p:sp>
     </p:spTree>
     <p:extLst>
       <p:ext uri="{BB962C8B-B14F-4D97-AF65-F5344CB8AC3E}">
-        <p14:creationId xmlns:p14="http://schemas.microsoft.com/office/powerpoint/2010/main" val="1575128271"/>
+        <p14:creationId xmlns:p14="http://schemas.microsoft.com/office/powerpoint/2010/main" val="876853039"/>
       </p:ext>
     </p:extLst>
   </p:cSld>
@@ -10808,7 +10973,7 @@
                 <a:ea typeface="ヒラギノ角ゴ ProN W6" charset="0"/>
                 <a:cs typeface="ヒラギノ角ゴ ProN W6" charset="0"/>
               </a:rPr>
-              <a:t>Urban Airship (iOS and Android)</a:t>
+              <a:t>PayPal (iOS and Android)</a:t>
             </a:r>
             <a:endParaRPr lang="en-US" dirty="0">
               <a:latin typeface="Trebuchet MS Bold" charset="0"/>
@@ -10845,7 +11010,7 @@
                 <a:ea typeface="ヒラギノ角ゴ ProN W3" charset="0"/>
                 <a:cs typeface="ヒラギノ角ゴ ProN W3" charset="0"/>
               </a:rPr>
-              <a:t>Push notifications service</a:t>
+              <a:t>Mobile Payments Library</a:t>
             </a:r>
           </a:p>
           <a:p>
@@ -10864,7 +11029,7 @@
                 <a:ea typeface="ヒラギノ角ゴ ProN W3" charset="0"/>
                 <a:cs typeface="ヒラギノ角ゴ ProN W3" charset="0"/>
               </a:rPr>
-              <a:t>Titanium deals with the client side only</a:t>
+              <a:t>Requires PayPal merchant account</a:t>
             </a:r>
           </a:p>
           <a:p>
@@ -10883,7 +11048,7 @@
                 <a:ea typeface="ヒラギノ角ゴ ProN W3" charset="0"/>
                 <a:cs typeface="ヒラギノ角ゴ ProN W3" charset="0"/>
               </a:rPr>
-              <a:t>Urban Airship provides help for the server side, but much of that work is up to you</a:t>
+              <a:t>In development, uses sandbox environment, in production uses live servers</a:t>
             </a:r>
             <a:endParaRPr lang="en-US" dirty="0">
               <a:latin typeface="Trebuchet MS" charset="0"/>
@@ -10895,7 +11060,7 @@
       </p:sp>
       <p:pic>
         <p:nvPicPr>
-          <p:cNvPr id="2" name="Picture 1"/>
+          <p:cNvPr id="3" name="Picture 2"/>
           <p:cNvPicPr>
             <a:picLocks noChangeAspect="1"/>
           </p:cNvPicPr>
@@ -10909,8 +11074,8 @@
         </p:blipFill>
         <p:spPr>
           <a:xfrm>
-            <a:off x="5257800" y="1905000"/>
-            <a:ext cx="3175000" cy="3175000"/>
+            <a:off x="4127787" y="2362200"/>
+            <a:ext cx="5016213" cy="2578100"/>
           </a:xfrm>
           <a:prstGeom prst="rect">
             <a:avLst/>
@@ -10920,7 +11085,7 @@
     </p:spTree>
     <p:extLst>
       <p:ext uri="{BB962C8B-B14F-4D97-AF65-F5344CB8AC3E}">
-        <p14:creationId xmlns:p14="http://schemas.microsoft.com/office/powerpoint/2010/main" val="876853039"/>
+        <p14:creationId xmlns:p14="http://schemas.microsoft.com/office/powerpoint/2010/main" val="1394905365"/>
       </p:ext>
     </p:extLst>
   </p:cSld>
@@ -11144,7 +11309,7 @@
                 <a:ea typeface="ヒラギノ角ゴ ProN W6" charset="0"/>
                 <a:cs typeface="ヒラギノ角ゴ ProN W6" charset="0"/>
               </a:rPr>
-              <a:t>PayPal (iOS and Android)</a:t>
+              <a:t>Bump (iOS and Android)</a:t>
             </a:r>
             <a:endParaRPr lang="en-US" dirty="0">
               <a:latin typeface="Trebuchet MS Bold" charset="0"/>
@@ -11167,7 +11332,7 @@
         <p:spPr>
           <a:xfrm>
             <a:off x="457200" y="1346200"/>
-            <a:ext cx="3886200" cy="4826000"/>
+            <a:ext cx="3124200" cy="4826000"/>
           </a:xfrm>
         </p:spPr>
         <p:txBody>
@@ -11181,7 +11346,7 @@
                 <a:ea typeface="ヒラギノ角ゴ ProN W3" charset="0"/>
                 <a:cs typeface="ヒラギノ角ゴ ProN W3" charset="0"/>
               </a:rPr>
-              <a:t>Mobile Payments Library</a:t>
+              <a:t>Device to device communication</a:t>
             </a:r>
           </a:p>
           <a:p>
@@ -11200,7 +11365,7 @@
                 <a:ea typeface="ヒラギノ角ゴ ProN W3" charset="0"/>
                 <a:cs typeface="ヒラギノ角ゴ ProN W3" charset="0"/>
               </a:rPr>
-              <a:t>Requires PayPal merchant account</a:t>
+              <a:t>Works over wifi</a:t>
             </a:r>
           </a:p>
           <a:p>
@@ -11219,19 +11384,38 @@
                 <a:ea typeface="ヒラギノ角ゴ ProN W3" charset="0"/>
                 <a:cs typeface="ヒラギノ角ゴ ProN W3" charset="0"/>
               </a:rPr>
-              <a:t>In development, uses sandbox environment, in production uses live servers</a:t>
-            </a:r>
+              <a:t>Uses geolocation and requires close proximity</a:t>
+            </a:r>
+          </a:p>
+          <a:p>
+            <a:pPr eaLnBrk="1" hangingPunct="1"/>
             <a:endParaRPr lang="en-US" dirty="0">
               <a:latin typeface="Trebuchet MS" charset="0"/>
               <a:ea typeface="ヒラギノ角ゴ ProN W3" charset="0"/>
               <a:cs typeface="ヒラギノ角ゴ ProN W3" charset="0"/>
             </a:endParaRPr>
           </a:p>
+          <a:p>
+            <a:pPr eaLnBrk="1" hangingPunct="1"/>
+            <a:r>
+              <a:rPr lang="en-US" dirty="0" smtClean="0">
+                <a:latin typeface="Trebuchet MS" charset="0"/>
+                <a:ea typeface="ヒラギノ角ゴ ProN W3" charset="0"/>
+                <a:cs typeface="ヒラギノ角ゴ ProN W3" charset="0"/>
+              </a:rPr>
+              <a:t>Requires Bump API key set</a:t>
+            </a:r>
+            <a:endParaRPr lang="en-US" dirty="0">
+              <a:latin typeface="Trebuchet MS" charset="0"/>
+              <a:ea typeface="ヒラギノ角ゴ ProN W3" charset="0"/>
+              <a:cs typeface="ヒラギノ角ゴ ProN W3" charset="0"/>
+            </a:endParaRPr>
+          </a:p>
         </p:txBody>
       </p:sp>
       <p:pic>
         <p:nvPicPr>
-          <p:cNvPr id="3" name="Picture 2"/>
+          <p:cNvPr id="2" name="Picture 1"/>
           <p:cNvPicPr>
             <a:picLocks noChangeAspect="1"/>
           </p:cNvPicPr>
@@ -11245,8 +11429,8 @@
         </p:blipFill>
         <p:spPr>
           <a:xfrm>
-            <a:off x="4127787" y="2362200"/>
-            <a:ext cx="5016213" cy="2578100"/>
+            <a:off x="3657600" y="1447800"/>
+            <a:ext cx="5334000" cy="4191000"/>
           </a:xfrm>
           <a:prstGeom prst="rect">
             <a:avLst/>
@@ -11256,7 +11440,7 @@
     </p:spTree>
     <p:extLst>
       <p:ext uri="{BB962C8B-B14F-4D97-AF65-F5344CB8AC3E}">
-        <p14:creationId xmlns:p14="http://schemas.microsoft.com/office/powerpoint/2010/main" val="1394905365"/>
+        <p14:creationId xmlns:p14="http://schemas.microsoft.com/office/powerpoint/2010/main" val="2964219434"/>
       </p:ext>
     </p:extLst>
   </p:cSld>
@@ -11480,7 +11664,7 @@
                 <a:ea typeface="ヒラギノ角ゴ ProN W6" charset="0"/>
                 <a:cs typeface="ヒラギノ角ゴ ProN W6" charset="0"/>
               </a:rPr>
-              <a:t>Bump (iOS and Android)</a:t>
+              <a:t>SMS (iOS)</a:t>
             </a:r>
             <a:endParaRPr lang="en-US" dirty="0">
               <a:latin typeface="Trebuchet MS Bold" charset="0"/>
@@ -11503,7 +11687,7 @@
         <p:spPr>
           <a:xfrm>
             <a:off x="457200" y="1346200"/>
-            <a:ext cx="3124200" cy="4826000"/>
+            <a:ext cx="4267200" cy="4826000"/>
           </a:xfrm>
         </p:spPr>
         <p:txBody>
@@ -11517,7 +11701,7 @@
                 <a:ea typeface="ヒラギノ角ゴ ProN W3" charset="0"/>
                 <a:cs typeface="ヒラギノ角ゴ ProN W3" charset="0"/>
               </a:rPr>
-              <a:t>Device to device communication</a:t>
+              <a:t>Prepare SMS text messages in app</a:t>
             </a:r>
           </a:p>
           <a:p>
@@ -11536,7 +11720,7 @@
                 <a:ea typeface="ヒラギノ角ゴ ProN W3" charset="0"/>
                 <a:cs typeface="ヒラギノ角ゴ ProN W3" charset="0"/>
               </a:rPr>
-              <a:t>Works over wifi</a:t>
+              <a:t>Cannot send via code</a:t>
             </a:r>
           </a:p>
           <a:p>
@@ -11555,7 +11739,7 @@
                 <a:ea typeface="ヒラギノ角ゴ ProN W3" charset="0"/>
                 <a:cs typeface="ヒラギノ角ゴ ProN W3" charset="0"/>
               </a:rPr>
-              <a:t>Uses geolocation and requires close proximity</a:t>
+              <a:t>Enhanced functionality over launching the SMS app</a:t>
             </a:r>
           </a:p>
           <a:p>
@@ -11568,14 +11752,6 @@
           </a:p>
           <a:p>
             <a:pPr eaLnBrk="1" hangingPunct="1"/>
-            <a:r>
-              <a:rPr lang="en-US" dirty="0" smtClean="0">
-                <a:latin typeface="Trebuchet MS" charset="0"/>
-                <a:ea typeface="ヒラギノ角ゴ ProN W3" charset="0"/>
-                <a:cs typeface="ヒラギノ角ゴ ProN W3" charset="0"/>
-              </a:rPr>
-              <a:t>Requires Bump API key set</a:t>
-            </a:r>
             <a:endParaRPr lang="en-US" dirty="0">
               <a:latin typeface="Trebuchet MS" charset="0"/>
               <a:ea typeface="ヒラギノ角ゴ ProN W3" charset="0"/>
@@ -11586,7 +11762,7 @@
       </p:sp>
       <p:pic>
         <p:nvPicPr>
-          <p:cNvPr id="2" name="Picture 1"/>
+          <p:cNvPr id="3" name="Picture 2"/>
           <p:cNvPicPr>
             <a:picLocks noChangeAspect="1"/>
           </p:cNvPicPr>
@@ -11600,8 +11776,8 @@
         </p:blipFill>
         <p:spPr>
           <a:xfrm>
-            <a:off x="3657600" y="1447800"/>
-            <a:ext cx="5334000" cy="4191000"/>
+            <a:off x="5029200" y="1524000"/>
+            <a:ext cx="3810000" cy="3835400"/>
           </a:xfrm>
           <a:prstGeom prst="rect">
             <a:avLst/>
@@ -11611,7 +11787,7 @@
     </p:spTree>
     <p:extLst>
       <p:ext uri="{BB962C8B-B14F-4D97-AF65-F5344CB8AC3E}">
-        <p14:creationId xmlns:p14="http://schemas.microsoft.com/office/powerpoint/2010/main" val="2964219434"/>
+        <p14:creationId xmlns:p14="http://schemas.microsoft.com/office/powerpoint/2010/main" val="1397028238"/>
       </p:ext>
     </p:extLst>
   </p:cSld>

--- a/375.pptx
+++ b/375.pptx
@@ -1173,19 +1173,7 @@
                 <a:cs typeface="Lucida Grande" charset="0"/>
                 <a:sym typeface="Lucida Grande" charset="0"/>
               </a:rPr>
-              <a:t>PayPal </a:t>
-            </a:r>
-            <a:r>
-              <a:rPr lang="en-US" b="0" baseline="0" dirty="0" smtClean="0">
-                <a:solidFill>
-                  <a:srgbClr val="000000"/>
-                </a:solidFill>
-                <a:latin typeface="Lucida Grande" charset="0"/>
-                <a:ea typeface="ＭＳ Ｐゴシック" charset="0"/>
-                <a:cs typeface="Lucida Grande" charset="0"/>
-                <a:sym typeface="Lucida Grande" charset="0"/>
-              </a:rPr>
-              <a:t>works well for demo since you can do it cross platform and it works on Simulator</a:t>
+              <a:t>PayPal works well for demo since you can do it cross platform and it works on Simulator</a:t>
             </a:r>
             <a:endParaRPr lang="en-US" b="0" dirty="0">
               <a:solidFill>
@@ -1498,6 +1486,54 @@
                 <a:spcPts val="450"/>
               </a:spcBef>
             </a:pPr>
+            <a:r>
+              <a:rPr lang="en-US" dirty="0" smtClean="0">
+                <a:solidFill>
+                  <a:srgbClr val="000000"/>
+                </a:solidFill>
+                <a:latin typeface="Times New Roman" charset="0"/>
+                <a:ea typeface="ＭＳ Ｐゴシック" charset="0"/>
+                <a:cs typeface="Times New Roman" charset="0"/>
+                <a:sym typeface="Times New Roman" charset="0"/>
+              </a:rPr>
+              <a:t>no </a:t>
+            </a:r>
+            <a:r>
+              <a:rPr lang="en-US" dirty="0" err="1" smtClean="0">
+                <a:solidFill>
+                  <a:srgbClr val="000000"/>
+                </a:solidFill>
+                <a:latin typeface="Times New Roman" charset="0"/>
+                <a:ea typeface="ＭＳ Ｐゴシック" charset="0"/>
+                <a:cs typeface="Times New Roman" charset="0"/>
+                <a:sym typeface="Times New Roman" charset="0"/>
+              </a:rPr>
+              <a:t>TiBountyHunter</a:t>
+            </a:r>
+            <a:r>
+              <a:rPr lang="en-US" dirty="0" smtClean="0">
+                <a:solidFill>
+                  <a:srgbClr val="000000"/>
+                </a:solidFill>
+                <a:latin typeface="Times New Roman" charset="0"/>
+                <a:ea typeface="ＭＳ Ｐゴシック" charset="0"/>
+                <a:cs typeface="Times New Roman" charset="0"/>
+                <a:sym typeface="Times New Roman" charset="0"/>
+              </a:rPr>
+              <a:t> plug in here – going through the </a:t>
+            </a:r>
+            <a:r>
+              <a:rPr lang="en-US" smtClean="0">
+                <a:solidFill>
+                  <a:srgbClr val="000000"/>
+                </a:solidFill>
+                <a:latin typeface="Times New Roman" charset="0"/>
+                <a:ea typeface="ＭＳ Ｐゴシック" charset="0"/>
+                <a:cs typeface="Times New Roman" charset="0"/>
+                <a:sym typeface="Times New Roman" charset="0"/>
+              </a:rPr>
+              <a:t>PayPal module.</a:t>
+            </a:r>
             <a:endParaRPr lang="en-US" dirty="0">
               <a:solidFill>
                 <a:srgbClr val="000000"/>
@@ -2983,7 +3019,7 @@
               <a:pPr>
                 <a:defRPr/>
               </a:pPr>
-              <a:t>7/22/11</a:t>
+              <a:t>7/26/11</a:t>
             </a:fld>
             <a:endParaRPr lang="en-US"/>
           </a:p>
@@ -3404,7 +3440,7 @@
               <a:pPr>
                 <a:defRPr/>
               </a:pPr>
-              <a:t>7/22/11</a:t>
+              <a:t>7/26/11</a:t>
             </a:fld>
             <a:endParaRPr lang="en-US"/>
           </a:p>
@@ -4129,7 +4165,7 @@
               <a:pPr>
                 <a:defRPr/>
               </a:pPr>
-              <a:t>7/22/11</a:t>
+              <a:t>7/26/11</a:t>
             </a:fld>
             <a:endParaRPr lang="en-US"/>
           </a:p>
@@ -4682,7 +4718,7 @@
               <a:pPr>
                 <a:defRPr/>
               </a:pPr>
-              <a:t>7/22/11</a:t>
+              <a:t>7/26/11</a:t>
             </a:fld>
             <a:endParaRPr lang="en-US"/>
           </a:p>
@@ -5033,7 +5069,7 @@
               <a:pPr>
                 <a:defRPr/>
               </a:pPr>
-              <a:t>7/22/11</a:t>
+              <a:t>7/26/11</a:t>
             </a:fld>
             <a:endParaRPr lang="en-US"/>
           </a:p>
@@ -5391,7 +5427,7 @@
               <a:pPr>
                 <a:defRPr/>
               </a:pPr>
-              <a:t>7/22/11</a:t>
+              <a:t>7/26/11</a:t>
             </a:fld>
             <a:endParaRPr lang="en-US"/>
           </a:p>
@@ -5626,7 +5662,7 @@
               <a:pPr>
                 <a:defRPr/>
               </a:pPr>
-              <a:t>7/22/11</a:t>
+              <a:t>7/26/11</a:t>
             </a:fld>
             <a:endParaRPr lang="en-US"/>
           </a:p>
@@ -5918,7 +5954,7 @@
               <a:pPr>
                 <a:defRPr/>
               </a:pPr>
-              <a:t>7/22/11</a:t>
+              <a:t>7/26/11</a:t>
             </a:fld>
             <a:endParaRPr lang="en-US"/>
           </a:p>

--- a/375.pptx
+++ b/375.pptx
@@ -3019,7 +3019,7 @@
               <a:pPr>
                 <a:defRPr/>
               </a:pPr>
-              <a:t>7/26/11</a:t>
+              <a:t>8/19/11</a:t>
             </a:fld>
             <a:endParaRPr lang="en-US"/>
           </a:p>
@@ -3440,7 +3440,7 @@
               <a:pPr>
                 <a:defRPr/>
               </a:pPr>
-              <a:t>7/26/11</a:t>
+              <a:t>8/19/11</a:t>
             </a:fld>
             <a:endParaRPr lang="en-US"/>
           </a:p>
@@ -4165,7 +4165,7 @@
               <a:pPr>
                 <a:defRPr/>
               </a:pPr>
-              <a:t>7/26/11</a:t>
+              <a:t>8/19/11</a:t>
             </a:fld>
             <a:endParaRPr lang="en-US"/>
           </a:p>
@@ -4718,7 +4718,7 @@
               <a:pPr>
                 <a:defRPr/>
               </a:pPr>
-              <a:t>7/26/11</a:t>
+              <a:t>8/19/11</a:t>
             </a:fld>
             <a:endParaRPr lang="en-US"/>
           </a:p>
@@ -5069,7 +5069,7 @@
               <a:pPr>
                 <a:defRPr/>
               </a:pPr>
-              <a:t>7/26/11</a:t>
+              <a:t>8/19/11</a:t>
             </a:fld>
             <a:endParaRPr lang="en-US"/>
           </a:p>
@@ -5427,7 +5427,7 @@
               <a:pPr>
                 <a:defRPr/>
               </a:pPr>
-              <a:t>7/26/11</a:t>
+              <a:t>8/19/11</a:t>
             </a:fld>
             <a:endParaRPr lang="en-US"/>
           </a:p>
@@ -5662,7 +5662,7 @@
               <a:pPr>
                 <a:defRPr/>
               </a:pPr>
-              <a:t>7/26/11</a:t>
+              <a:t>8/19/11</a:t>
             </a:fld>
             <a:endParaRPr lang="en-US"/>
           </a:p>
@@ -5954,7 +5954,7 @@
               <a:pPr>
                 <a:defRPr/>
               </a:pPr>
-              <a:t>7/26/11</a:t>
+              <a:t>8/19/11</a:t>
             </a:fld>
             <a:endParaRPr lang="en-US"/>
           </a:p>
@@ -6859,7 +6859,7 @@
               <a:defRPr/>
             </a:pPr>
             <a:r>
-              <a:rPr lang="en-US" sz="4400" dirty="0" smtClean="0">
+              <a:rPr lang="en-US" sz="4400" i="1" dirty="0" smtClean="0">
                 <a:solidFill>
                   <a:schemeClr val="accent6"/>
                 </a:solidFill>
@@ -6876,7 +6876,40 @@
               </a:rPr>
               <a:t>Titanium Plus Integration</a:t>
             </a:r>
-            <a:endParaRPr lang="en-US" sz="4400" dirty="0">
+            <a:br>
+              <a:rPr lang="en-US" sz="4400" i="1" dirty="0" smtClean="0">
+                <a:solidFill>
+                  <a:schemeClr val="accent6"/>
+                </a:solidFill>
+                <a:effectLst>
+                  <a:innerShdw blurRad="63500" dist="50800" dir="13500000">
+                    <a:prstClr val="black">
+                      <a:alpha val="50000"/>
+                    </a:prstClr>
+                  </a:innerShdw>
+                </a:effectLst>
+                <a:latin typeface="Trebuchet MS Bold" charset="0"/>
+                <a:cs typeface="Trebuchet MS Bold" charset="0"/>
+                <a:sym typeface="Trebuchet MS Bold" charset="0"/>
+              </a:rPr>
+            </a:br>
+            <a:r>
+              <a:rPr lang="en-US" sz="2800" b="0" i="1" dirty="0">
+                <a:solidFill>
+                  <a:srgbClr val="122956"/>
+                </a:solidFill>
+                <a:effectLst>
+                  <a:innerShdw blurRad="63500" dist="50800" dir="13500000">
+                    <a:prstClr val="black">
+                      <a:alpha val="50000"/>
+                    </a:prstClr>
+                  </a:innerShdw>
+                </a:effectLst>
+                <a:ea typeface="Hiragino Sans GB W6" charset="0"/>
+              </a:rPr>
+              <a:t>Advanced Titanium Mobile Development</a:t>
+            </a:r>
+            <a:endParaRPr lang="en-US" sz="4400" i="1" dirty="0">
               <a:solidFill>
                 <a:schemeClr val="accent6"/>
               </a:solidFill>
@@ -6948,6 +6981,186 @@
           </a:extLst>
         </p:spPr>
       </p:pic>
+      <p:sp>
+        <p:nvSpPr>
+          <p:cNvPr id="7" name="Slide Number Placeholder 5"/>
+          <p:cNvSpPr>
+            <a:spLocks noGrp="1"/>
+          </p:cNvSpPr>
+          <p:nvPr>
+            <p:ph type="sldNum" sz="quarter" idx="12"/>
+          </p:nvPr>
+        </p:nvSpPr>
+        <p:spPr bwMode="auto">
+          <a:xfrm>
+            <a:off x="203200" y="6400800"/>
+            <a:ext cx="2133600" cy="365125"/>
+          </a:xfrm>
+          <a:noFill/>
+          <a:extLst>
+            <a:ext uri="{909E8E84-426E-40dd-AFC4-6F175D3DCCD1}">
+              <a14:hiddenFill xmlns:a14="http://schemas.microsoft.com/office/drawing/2010/main">
+                <a:solidFill>
+                  <a:srgbClr val="FFFFFF"/>
+                </a:solidFill>
+              </a14:hiddenFill>
+            </a:ext>
+            <a:ext uri="{91240B29-F687-4f45-9708-019B960494DF}">
+              <a14:hiddenLine xmlns:a14="http://schemas.microsoft.com/office/drawing/2010/main" w="9525">
+                <a:solidFill>
+                  <a:srgbClr val="000000"/>
+                </a:solidFill>
+                <a:miter lim="800000"/>
+                <a:headEnd/>
+                <a:tailEnd/>
+              </a14:hiddenLine>
+            </a:ext>
+          </a:extLst>
+        </p:spPr>
+        <p:txBody>
+          <a:bodyPr vert="horz" wrap="square" lIns="91440" tIns="45720" rIns="91440" bIns="45720" numCol="1" anchor="ctr" anchorCtr="0" compatLnSpc="1">
+            <a:prstTxWarp prst="textNoShape">
+              <a:avLst/>
+            </a:prstTxWarp>
+          </a:bodyPr>
+          <a:lstStyle>
+            <a:lvl1pPr eaLnBrk="0" hangingPunct="0">
+              <a:defRPr sz="2400">
+                <a:solidFill>
+                  <a:schemeClr val="tx1"/>
+                </a:solidFill>
+                <a:latin typeface="Trebuchet MS" charset="0"/>
+                <a:ea typeface="ＭＳ Ｐゴシック" charset="0"/>
+                <a:cs typeface="ＭＳ Ｐゴシック" charset="0"/>
+              </a:defRPr>
+            </a:lvl1pPr>
+            <a:lvl2pPr marL="742950" indent="-285750" eaLnBrk="0" hangingPunct="0">
+              <a:defRPr sz="2400">
+                <a:solidFill>
+                  <a:schemeClr val="tx1"/>
+                </a:solidFill>
+                <a:latin typeface="Trebuchet MS" charset="0"/>
+                <a:ea typeface="ＭＳ Ｐゴシック" charset="0"/>
+              </a:defRPr>
+            </a:lvl2pPr>
+            <a:lvl3pPr marL="1143000" indent="-228600" eaLnBrk="0" hangingPunct="0">
+              <a:defRPr sz="2400">
+                <a:solidFill>
+                  <a:schemeClr val="tx1"/>
+                </a:solidFill>
+                <a:latin typeface="Trebuchet MS" charset="0"/>
+                <a:ea typeface="ＭＳ Ｐゴシック" charset="0"/>
+              </a:defRPr>
+            </a:lvl3pPr>
+            <a:lvl4pPr marL="1600200" indent="-228600" eaLnBrk="0" hangingPunct="0">
+              <a:defRPr sz="2400">
+                <a:solidFill>
+                  <a:schemeClr val="tx1"/>
+                </a:solidFill>
+                <a:latin typeface="Trebuchet MS" charset="0"/>
+                <a:ea typeface="ＭＳ Ｐゴシック" charset="0"/>
+              </a:defRPr>
+            </a:lvl4pPr>
+            <a:lvl5pPr marL="2057400" indent="-228600" eaLnBrk="0" hangingPunct="0">
+              <a:defRPr sz="2400">
+                <a:solidFill>
+                  <a:schemeClr val="tx1"/>
+                </a:solidFill>
+                <a:latin typeface="Trebuchet MS" charset="0"/>
+                <a:ea typeface="ＭＳ Ｐゴシック" charset="0"/>
+              </a:defRPr>
+            </a:lvl5pPr>
+            <a:lvl6pPr marL="2514600" indent="-228600" eaLnBrk="0" fontAlgn="base" hangingPunct="0">
+              <a:spcBef>
+                <a:spcPct val="0"/>
+              </a:spcBef>
+              <a:spcAft>
+                <a:spcPct val="0"/>
+              </a:spcAft>
+              <a:defRPr sz="2400">
+                <a:solidFill>
+                  <a:schemeClr val="tx1"/>
+                </a:solidFill>
+                <a:latin typeface="Trebuchet MS" charset="0"/>
+                <a:ea typeface="ＭＳ Ｐゴシック" charset="0"/>
+              </a:defRPr>
+            </a:lvl6pPr>
+            <a:lvl7pPr marL="2971800" indent="-228600" eaLnBrk="0" fontAlgn="base" hangingPunct="0">
+              <a:spcBef>
+                <a:spcPct val="0"/>
+              </a:spcBef>
+              <a:spcAft>
+                <a:spcPct val="0"/>
+              </a:spcAft>
+              <a:defRPr sz="2400">
+                <a:solidFill>
+                  <a:schemeClr val="tx1"/>
+                </a:solidFill>
+                <a:latin typeface="Trebuchet MS" charset="0"/>
+                <a:ea typeface="ＭＳ Ｐゴシック" charset="0"/>
+              </a:defRPr>
+            </a:lvl7pPr>
+            <a:lvl8pPr marL="3429000" indent="-228600" eaLnBrk="0" fontAlgn="base" hangingPunct="0">
+              <a:spcBef>
+                <a:spcPct val="0"/>
+              </a:spcBef>
+              <a:spcAft>
+                <a:spcPct val="0"/>
+              </a:spcAft>
+              <a:defRPr sz="2400">
+                <a:solidFill>
+                  <a:schemeClr val="tx1"/>
+                </a:solidFill>
+                <a:latin typeface="Trebuchet MS" charset="0"/>
+                <a:ea typeface="ＭＳ Ｐゴシック" charset="0"/>
+              </a:defRPr>
+            </a:lvl8pPr>
+            <a:lvl9pPr marL="3886200" indent="-228600" eaLnBrk="0" fontAlgn="base" hangingPunct="0">
+              <a:spcBef>
+                <a:spcPct val="0"/>
+              </a:spcBef>
+              <a:spcAft>
+                <a:spcPct val="0"/>
+              </a:spcAft>
+              <a:defRPr sz="2400">
+                <a:solidFill>
+                  <a:schemeClr val="tx1"/>
+                </a:solidFill>
+                <a:latin typeface="Trebuchet MS" charset="0"/>
+                <a:ea typeface="ＭＳ Ｐゴシック" charset="0"/>
+              </a:defRPr>
+            </a:lvl9pPr>
+          </a:lstStyle>
+          <a:p>
+            <a:pPr algn="l" eaLnBrk="1" hangingPunct="1"/>
+            <a:r>
+              <a:rPr lang="en-US" sz="1200" b="1" dirty="0" smtClean="0">
+                <a:solidFill>
+                  <a:srgbClr val="122956"/>
+                </a:solidFill>
+                <a:cs typeface="Trebuchet MS" charset="0"/>
+              </a:rPr>
+              <a:t>12-</a:t>
+            </a:r>
+            <a:fld id="{31B56995-E14C-B64F-86C9-12D6DB74A41E}" type="slidenum">
+              <a:rPr lang="en-US" sz="1200" b="1">
+                <a:solidFill>
+                  <a:srgbClr val="122956"/>
+                </a:solidFill>
+                <a:cs typeface="Trebuchet MS" charset="0"/>
+              </a:rPr>
+              <a:pPr algn="l" eaLnBrk="1" hangingPunct="1"/>
+              <a:t>1</a:t>
+            </a:fld>
+            <a:endParaRPr lang="en-US" sz="1200" b="1" dirty="0">
+              <a:solidFill>
+                <a:srgbClr val="122956"/>
+              </a:solidFill>
+              <a:cs typeface="Trebuchet MS" charset="0"/>
+            </a:endParaRPr>
+          </a:p>
+        </p:txBody>
+      </p:sp>
     </p:spTree>
   </p:cSld>
   <p:clrMapOvr>
@@ -7263,6 +7476,186 @@
           </a:prstGeom>
         </p:spPr>
       </p:pic>
+      <p:sp>
+        <p:nvSpPr>
+          <p:cNvPr id="8" name="Slide Number Placeholder 5"/>
+          <p:cNvSpPr>
+            <a:spLocks noGrp="1"/>
+          </p:cNvSpPr>
+          <p:nvPr>
+            <p:ph type="sldNum" sz="quarter" idx="12"/>
+          </p:nvPr>
+        </p:nvSpPr>
+        <p:spPr bwMode="auto">
+          <a:xfrm>
+            <a:off x="203200" y="6400800"/>
+            <a:ext cx="2133600" cy="365125"/>
+          </a:xfrm>
+          <a:noFill/>
+          <a:extLst>
+            <a:ext uri="{909E8E84-426E-40dd-AFC4-6F175D3DCCD1}">
+              <a14:hiddenFill xmlns:a14="http://schemas.microsoft.com/office/drawing/2010/main">
+                <a:solidFill>
+                  <a:srgbClr val="FFFFFF"/>
+                </a:solidFill>
+              </a14:hiddenFill>
+            </a:ext>
+            <a:ext uri="{91240B29-F687-4f45-9708-019B960494DF}">
+              <a14:hiddenLine xmlns:a14="http://schemas.microsoft.com/office/drawing/2010/main" w="9525">
+                <a:solidFill>
+                  <a:srgbClr val="000000"/>
+                </a:solidFill>
+                <a:miter lim="800000"/>
+                <a:headEnd/>
+                <a:tailEnd/>
+              </a14:hiddenLine>
+            </a:ext>
+          </a:extLst>
+        </p:spPr>
+        <p:txBody>
+          <a:bodyPr vert="horz" wrap="square" lIns="91440" tIns="45720" rIns="91440" bIns="45720" numCol="1" anchor="ctr" anchorCtr="0" compatLnSpc="1">
+            <a:prstTxWarp prst="textNoShape">
+              <a:avLst/>
+            </a:prstTxWarp>
+          </a:bodyPr>
+          <a:lstStyle>
+            <a:lvl1pPr eaLnBrk="0" hangingPunct="0">
+              <a:defRPr sz="2400">
+                <a:solidFill>
+                  <a:schemeClr val="tx1"/>
+                </a:solidFill>
+                <a:latin typeface="Trebuchet MS" charset="0"/>
+                <a:ea typeface="ＭＳ Ｐゴシック" charset="0"/>
+                <a:cs typeface="ＭＳ Ｐゴシック" charset="0"/>
+              </a:defRPr>
+            </a:lvl1pPr>
+            <a:lvl2pPr marL="742950" indent="-285750" eaLnBrk="0" hangingPunct="0">
+              <a:defRPr sz="2400">
+                <a:solidFill>
+                  <a:schemeClr val="tx1"/>
+                </a:solidFill>
+                <a:latin typeface="Trebuchet MS" charset="0"/>
+                <a:ea typeface="ＭＳ Ｐゴシック" charset="0"/>
+              </a:defRPr>
+            </a:lvl2pPr>
+            <a:lvl3pPr marL="1143000" indent="-228600" eaLnBrk="0" hangingPunct="0">
+              <a:defRPr sz="2400">
+                <a:solidFill>
+                  <a:schemeClr val="tx1"/>
+                </a:solidFill>
+                <a:latin typeface="Trebuchet MS" charset="0"/>
+                <a:ea typeface="ＭＳ Ｐゴシック" charset="0"/>
+              </a:defRPr>
+            </a:lvl3pPr>
+            <a:lvl4pPr marL="1600200" indent="-228600" eaLnBrk="0" hangingPunct="0">
+              <a:defRPr sz="2400">
+                <a:solidFill>
+                  <a:schemeClr val="tx1"/>
+                </a:solidFill>
+                <a:latin typeface="Trebuchet MS" charset="0"/>
+                <a:ea typeface="ＭＳ Ｐゴシック" charset="0"/>
+              </a:defRPr>
+            </a:lvl4pPr>
+            <a:lvl5pPr marL="2057400" indent="-228600" eaLnBrk="0" hangingPunct="0">
+              <a:defRPr sz="2400">
+                <a:solidFill>
+                  <a:schemeClr val="tx1"/>
+                </a:solidFill>
+                <a:latin typeface="Trebuchet MS" charset="0"/>
+                <a:ea typeface="ＭＳ Ｐゴシック" charset="0"/>
+              </a:defRPr>
+            </a:lvl5pPr>
+            <a:lvl6pPr marL="2514600" indent="-228600" eaLnBrk="0" fontAlgn="base" hangingPunct="0">
+              <a:spcBef>
+                <a:spcPct val="0"/>
+              </a:spcBef>
+              <a:spcAft>
+                <a:spcPct val="0"/>
+              </a:spcAft>
+              <a:defRPr sz="2400">
+                <a:solidFill>
+                  <a:schemeClr val="tx1"/>
+                </a:solidFill>
+                <a:latin typeface="Trebuchet MS" charset="0"/>
+                <a:ea typeface="ＭＳ Ｐゴシック" charset="0"/>
+              </a:defRPr>
+            </a:lvl6pPr>
+            <a:lvl7pPr marL="2971800" indent="-228600" eaLnBrk="0" fontAlgn="base" hangingPunct="0">
+              <a:spcBef>
+                <a:spcPct val="0"/>
+              </a:spcBef>
+              <a:spcAft>
+                <a:spcPct val="0"/>
+              </a:spcAft>
+              <a:defRPr sz="2400">
+                <a:solidFill>
+                  <a:schemeClr val="tx1"/>
+                </a:solidFill>
+                <a:latin typeface="Trebuchet MS" charset="0"/>
+                <a:ea typeface="ＭＳ Ｐゴシック" charset="0"/>
+              </a:defRPr>
+            </a:lvl7pPr>
+            <a:lvl8pPr marL="3429000" indent="-228600" eaLnBrk="0" fontAlgn="base" hangingPunct="0">
+              <a:spcBef>
+                <a:spcPct val="0"/>
+              </a:spcBef>
+              <a:spcAft>
+                <a:spcPct val="0"/>
+              </a:spcAft>
+              <a:defRPr sz="2400">
+                <a:solidFill>
+                  <a:schemeClr val="tx1"/>
+                </a:solidFill>
+                <a:latin typeface="Trebuchet MS" charset="0"/>
+                <a:ea typeface="ＭＳ Ｐゴシック" charset="0"/>
+              </a:defRPr>
+            </a:lvl8pPr>
+            <a:lvl9pPr marL="3886200" indent="-228600" eaLnBrk="0" fontAlgn="base" hangingPunct="0">
+              <a:spcBef>
+                <a:spcPct val="0"/>
+              </a:spcBef>
+              <a:spcAft>
+                <a:spcPct val="0"/>
+              </a:spcAft>
+              <a:defRPr sz="2400">
+                <a:solidFill>
+                  <a:schemeClr val="tx1"/>
+                </a:solidFill>
+                <a:latin typeface="Trebuchet MS" charset="0"/>
+                <a:ea typeface="ＭＳ Ｐゴシック" charset="0"/>
+              </a:defRPr>
+            </a:lvl9pPr>
+          </a:lstStyle>
+          <a:p>
+            <a:pPr algn="l" eaLnBrk="1" hangingPunct="1"/>
+            <a:r>
+              <a:rPr lang="en-US" sz="1200" b="1" dirty="0" smtClean="0">
+                <a:solidFill>
+                  <a:srgbClr val="122956"/>
+                </a:solidFill>
+                <a:cs typeface="Trebuchet MS" charset="0"/>
+              </a:rPr>
+              <a:t>12-</a:t>
+            </a:r>
+            <a:fld id="{31B56995-E14C-B64F-86C9-12D6DB74A41E}" type="slidenum">
+              <a:rPr lang="en-US" sz="1200" b="1">
+                <a:solidFill>
+                  <a:srgbClr val="122956"/>
+                </a:solidFill>
+                <a:cs typeface="Trebuchet MS" charset="0"/>
+              </a:rPr>
+              <a:pPr algn="l" eaLnBrk="1" hangingPunct="1"/>
+              <a:t>10</a:t>
+            </a:fld>
+            <a:endParaRPr lang="en-US" sz="1200" b="1" dirty="0">
+              <a:solidFill>
+                <a:srgbClr val="122956"/>
+              </a:solidFill>
+              <a:cs typeface="Trebuchet MS" charset="0"/>
+            </a:endParaRPr>
+          </a:p>
+        </p:txBody>
+      </p:sp>
     </p:spTree>
     <p:extLst>
       <p:ext uri="{BB962C8B-B14F-4D97-AF65-F5344CB8AC3E}">
@@ -7629,6 +8022,186 @@
           </a:prstGeom>
         </p:spPr>
       </p:pic>
+      <p:sp>
+        <p:nvSpPr>
+          <p:cNvPr id="8" name="Slide Number Placeholder 5"/>
+          <p:cNvSpPr>
+            <a:spLocks noGrp="1"/>
+          </p:cNvSpPr>
+          <p:nvPr>
+            <p:ph type="sldNum" sz="quarter" idx="12"/>
+          </p:nvPr>
+        </p:nvSpPr>
+        <p:spPr bwMode="auto">
+          <a:xfrm>
+            <a:off x="203200" y="6400800"/>
+            <a:ext cx="2133600" cy="365125"/>
+          </a:xfrm>
+          <a:noFill/>
+          <a:extLst>
+            <a:ext uri="{909E8E84-426E-40dd-AFC4-6F175D3DCCD1}">
+              <a14:hiddenFill xmlns:a14="http://schemas.microsoft.com/office/drawing/2010/main">
+                <a:solidFill>
+                  <a:srgbClr val="FFFFFF"/>
+                </a:solidFill>
+              </a14:hiddenFill>
+            </a:ext>
+            <a:ext uri="{91240B29-F687-4f45-9708-019B960494DF}">
+              <a14:hiddenLine xmlns:a14="http://schemas.microsoft.com/office/drawing/2010/main" w="9525">
+                <a:solidFill>
+                  <a:srgbClr val="000000"/>
+                </a:solidFill>
+                <a:miter lim="800000"/>
+                <a:headEnd/>
+                <a:tailEnd/>
+              </a14:hiddenLine>
+            </a:ext>
+          </a:extLst>
+        </p:spPr>
+        <p:txBody>
+          <a:bodyPr vert="horz" wrap="square" lIns="91440" tIns="45720" rIns="91440" bIns="45720" numCol="1" anchor="ctr" anchorCtr="0" compatLnSpc="1">
+            <a:prstTxWarp prst="textNoShape">
+              <a:avLst/>
+            </a:prstTxWarp>
+          </a:bodyPr>
+          <a:lstStyle>
+            <a:lvl1pPr eaLnBrk="0" hangingPunct="0">
+              <a:defRPr sz="2400">
+                <a:solidFill>
+                  <a:schemeClr val="tx1"/>
+                </a:solidFill>
+                <a:latin typeface="Trebuchet MS" charset="0"/>
+                <a:ea typeface="ＭＳ Ｐゴシック" charset="0"/>
+                <a:cs typeface="ＭＳ Ｐゴシック" charset="0"/>
+              </a:defRPr>
+            </a:lvl1pPr>
+            <a:lvl2pPr marL="742950" indent="-285750" eaLnBrk="0" hangingPunct="0">
+              <a:defRPr sz="2400">
+                <a:solidFill>
+                  <a:schemeClr val="tx1"/>
+                </a:solidFill>
+                <a:latin typeface="Trebuchet MS" charset="0"/>
+                <a:ea typeface="ＭＳ Ｐゴシック" charset="0"/>
+              </a:defRPr>
+            </a:lvl2pPr>
+            <a:lvl3pPr marL="1143000" indent="-228600" eaLnBrk="0" hangingPunct="0">
+              <a:defRPr sz="2400">
+                <a:solidFill>
+                  <a:schemeClr val="tx1"/>
+                </a:solidFill>
+                <a:latin typeface="Trebuchet MS" charset="0"/>
+                <a:ea typeface="ＭＳ Ｐゴシック" charset="0"/>
+              </a:defRPr>
+            </a:lvl3pPr>
+            <a:lvl4pPr marL="1600200" indent="-228600" eaLnBrk="0" hangingPunct="0">
+              <a:defRPr sz="2400">
+                <a:solidFill>
+                  <a:schemeClr val="tx1"/>
+                </a:solidFill>
+                <a:latin typeface="Trebuchet MS" charset="0"/>
+                <a:ea typeface="ＭＳ Ｐゴシック" charset="0"/>
+              </a:defRPr>
+            </a:lvl4pPr>
+            <a:lvl5pPr marL="2057400" indent="-228600" eaLnBrk="0" hangingPunct="0">
+              <a:defRPr sz="2400">
+                <a:solidFill>
+                  <a:schemeClr val="tx1"/>
+                </a:solidFill>
+                <a:latin typeface="Trebuchet MS" charset="0"/>
+                <a:ea typeface="ＭＳ Ｐゴシック" charset="0"/>
+              </a:defRPr>
+            </a:lvl5pPr>
+            <a:lvl6pPr marL="2514600" indent="-228600" eaLnBrk="0" fontAlgn="base" hangingPunct="0">
+              <a:spcBef>
+                <a:spcPct val="0"/>
+              </a:spcBef>
+              <a:spcAft>
+                <a:spcPct val="0"/>
+              </a:spcAft>
+              <a:defRPr sz="2400">
+                <a:solidFill>
+                  <a:schemeClr val="tx1"/>
+                </a:solidFill>
+                <a:latin typeface="Trebuchet MS" charset="0"/>
+                <a:ea typeface="ＭＳ Ｐゴシック" charset="0"/>
+              </a:defRPr>
+            </a:lvl6pPr>
+            <a:lvl7pPr marL="2971800" indent="-228600" eaLnBrk="0" fontAlgn="base" hangingPunct="0">
+              <a:spcBef>
+                <a:spcPct val="0"/>
+              </a:spcBef>
+              <a:spcAft>
+                <a:spcPct val="0"/>
+              </a:spcAft>
+              <a:defRPr sz="2400">
+                <a:solidFill>
+                  <a:schemeClr val="tx1"/>
+                </a:solidFill>
+                <a:latin typeface="Trebuchet MS" charset="0"/>
+                <a:ea typeface="ＭＳ Ｐゴシック" charset="0"/>
+              </a:defRPr>
+            </a:lvl7pPr>
+            <a:lvl8pPr marL="3429000" indent="-228600" eaLnBrk="0" fontAlgn="base" hangingPunct="0">
+              <a:spcBef>
+                <a:spcPct val="0"/>
+              </a:spcBef>
+              <a:spcAft>
+                <a:spcPct val="0"/>
+              </a:spcAft>
+              <a:defRPr sz="2400">
+                <a:solidFill>
+                  <a:schemeClr val="tx1"/>
+                </a:solidFill>
+                <a:latin typeface="Trebuchet MS" charset="0"/>
+                <a:ea typeface="ＭＳ Ｐゴシック" charset="0"/>
+              </a:defRPr>
+            </a:lvl8pPr>
+            <a:lvl9pPr marL="3886200" indent="-228600" eaLnBrk="0" fontAlgn="base" hangingPunct="0">
+              <a:spcBef>
+                <a:spcPct val="0"/>
+              </a:spcBef>
+              <a:spcAft>
+                <a:spcPct val="0"/>
+              </a:spcAft>
+              <a:defRPr sz="2400">
+                <a:solidFill>
+                  <a:schemeClr val="tx1"/>
+                </a:solidFill>
+                <a:latin typeface="Trebuchet MS" charset="0"/>
+                <a:ea typeface="ＭＳ Ｐゴシック" charset="0"/>
+              </a:defRPr>
+            </a:lvl9pPr>
+          </a:lstStyle>
+          <a:p>
+            <a:pPr algn="l" eaLnBrk="1" hangingPunct="1"/>
+            <a:r>
+              <a:rPr lang="en-US" sz="1200" b="1" dirty="0" smtClean="0">
+                <a:solidFill>
+                  <a:srgbClr val="122956"/>
+                </a:solidFill>
+                <a:cs typeface="Trebuchet MS" charset="0"/>
+              </a:rPr>
+              <a:t>12-</a:t>
+            </a:r>
+            <a:fld id="{31B56995-E14C-B64F-86C9-12D6DB74A41E}" type="slidenum">
+              <a:rPr lang="en-US" sz="1200" b="1">
+                <a:solidFill>
+                  <a:srgbClr val="122956"/>
+                </a:solidFill>
+                <a:cs typeface="Trebuchet MS" charset="0"/>
+              </a:rPr>
+              <a:pPr algn="l" eaLnBrk="1" hangingPunct="1"/>
+              <a:t>11</a:t>
+            </a:fld>
+            <a:endParaRPr lang="en-US" sz="1200" b="1" dirty="0">
+              <a:solidFill>
+                <a:srgbClr val="122956"/>
+              </a:solidFill>
+              <a:cs typeface="Trebuchet MS" charset="0"/>
+            </a:endParaRPr>
+          </a:p>
+        </p:txBody>
+      </p:sp>
     </p:spTree>
     <p:extLst>
       <p:ext uri="{BB962C8B-B14F-4D97-AF65-F5344CB8AC3E}">
@@ -7995,6 +8568,186 @@
           </a:prstGeom>
         </p:spPr>
       </p:pic>
+      <p:sp>
+        <p:nvSpPr>
+          <p:cNvPr id="8" name="Slide Number Placeholder 5"/>
+          <p:cNvSpPr>
+            <a:spLocks noGrp="1"/>
+          </p:cNvSpPr>
+          <p:nvPr>
+            <p:ph type="sldNum" sz="quarter" idx="12"/>
+          </p:nvPr>
+        </p:nvSpPr>
+        <p:spPr bwMode="auto">
+          <a:xfrm>
+            <a:off x="203200" y="6400800"/>
+            <a:ext cx="2133600" cy="365125"/>
+          </a:xfrm>
+          <a:noFill/>
+          <a:extLst>
+            <a:ext uri="{909E8E84-426E-40dd-AFC4-6F175D3DCCD1}">
+              <a14:hiddenFill xmlns:a14="http://schemas.microsoft.com/office/drawing/2010/main">
+                <a:solidFill>
+                  <a:srgbClr val="FFFFFF"/>
+                </a:solidFill>
+              </a14:hiddenFill>
+            </a:ext>
+            <a:ext uri="{91240B29-F687-4f45-9708-019B960494DF}">
+              <a14:hiddenLine xmlns:a14="http://schemas.microsoft.com/office/drawing/2010/main" w="9525">
+                <a:solidFill>
+                  <a:srgbClr val="000000"/>
+                </a:solidFill>
+                <a:miter lim="800000"/>
+                <a:headEnd/>
+                <a:tailEnd/>
+              </a14:hiddenLine>
+            </a:ext>
+          </a:extLst>
+        </p:spPr>
+        <p:txBody>
+          <a:bodyPr vert="horz" wrap="square" lIns="91440" tIns="45720" rIns="91440" bIns="45720" numCol="1" anchor="ctr" anchorCtr="0" compatLnSpc="1">
+            <a:prstTxWarp prst="textNoShape">
+              <a:avLst/>
+            </a:prstTxWarp>
+          </a:bodyPr>
+          <a:lstStyle>
+            <a:lvl1pPr eaLnBrk="0" hangingPunct="0">
+              <a:defRPr sz="2400">
+                <a:solidFill>
+                  <a:schemeClr val="tx1"/>
+                </a:solidFill>
+                <a:latin typeface="Trebuchet MS" charset="0"/>
+                <a:ea typeface="ＭＳ Ｐゴシック" charset="0"/>
+                <a:cs typeface="ＭＳ Ｐゴシック" charset="0"/>
+              </a:defRPr>
+            </a:lvl1pPr>
+            <a:lvl2pPr marL="742950" indent="-285750" eaLnBrk="0" hangingPunct="0">
+              <a:defRPr sz="2400">
+                <a:solidFill>
+                  <a:schemeClr val="tx1"/>
+                </a:solidFill>
+                <a:latin typeface="Trebuchet MS" charset="0"/>
+                <a:ea typeface="ＭＳ Ｐゴシック" charset="0"/>
+              </a:defRPr>
+            </a:lvl2pPr>
+            <a:lvl3pPr marL="1143000" indent="-228600" eaLnBrk="0" hangingPunct="0">
+              <a:defRPr sz="2400">
+                <a:solidFill>
+                  <a:schemeClr val="tx1"/>
+                </a:solidFill>
+                <a:latin typeface="Trebuchet MS" charset="0"/>
+                <a:ea typeface="ＭＳ Ｐゴシック" charset="0"/>
+              </a:defRPr>
+            </a:lvl3pPr>
+            <a:lvl4pPr marL="1600200" indent="-228600" eaLnBrk="0" hangingPunct="0">
+              <a:defRPr sz="2400">
+                <a:solidFill>
+                  <a:schemeClr val="tx1"/>
+                </a:solidFill>
+                <a:latin typeface="Trebuchet MS" charset="0"/>
+                <a:ea typeface="ＭＳ Ｐゴシック" charset="0"/>
+              </a:defRPr>
+            </a:lvl4pPr>
+            <a:lvl5pPr marL="2057400" indent="-228600" eaLnBrk="0" hangingPunct="0">
+              <a:defRPr sz="2400">
+                <a:solidFill>
+                  <a:schemeClr val="tx1"/>
+                </a:solidFill>
+                <a:latin typeface="Trebuchet MS" charset="0"/>
+                <a:ea typeface="ＭＳ Ｐゴシック" charset="0"/>
+              </a:defRPr>
+            </a:lvl5pPr>
+            <a:lvl6pPr marL="2514600" indent="-228600" eaLnBrk="0" fontAlgn="base" hangingPunct="0">
+              <a:spcBef>
+                <a:spcPct val="0"/>
+              </a:spcBef>
+              <a:spcAft>
+                <a:spcPct val="0"/>
+              </a:spcAft>
+              <a:defRPr sz="2400">
+                <a:solidFill>
+                  <a:schemeClr val="tx1"/>
+                </a:solidFill>
+                <a:latin typeface="Trebuchet MS" charset="0"/>
+                <a:ea typeface="ＭＳ Ｐゴシック" charset="0"/>
+              </a:defRPr>
+            </a:lvl6pPr>
+            <a:lvl7pPr marL="2971800" indent="-228600" eaLnBrk="0" fontAlgn="base" hangingPunct="0">
+              <a:spcBef>
+                <a:spcPct val="0"/>
+              </a:spcBef>
+              <a:spcAft>
+                <a:spcPct val="0"/>
+              </a:spcAft>
+              <a:defRPr sz="2400">
+                <a:solidFill>
+                  <a:schemeClr val="tx1"/>
+                </a:solidFill>
+                <a:latin typeface="Trebuchet MS" charset="0"/>
+                <a:ea typeface="ＭＳ Ｐゴシック" charset="0"/>
+              </a:defRPr>
+            </a:lvl7pPr>
+            <a:lvl8pPr marL="3429000" indent="-228600" eaLnBrk="0" fontAlgn="base" hangingPunct="0">
+              <a:spcBef>
+                <a:spcPct val="0"/>
+              </a:spcBef>
+              <a:spcAft>
+                <a:spcPct val="0"/>
+              </a:spcAft>
+              <a:defRPr sz="2400">
+                <a:solidFill>
+                  <a:schemeClr val="tx1"/>
+                </a:solidFill>
+                <a:latin typeface="Trebuchet MS" charset="0"/>
+                <a:ea typeface="ＭＳ Ｐゴシック" charset="0"/>
+              </a:defRPr>
+            </a:lvl8pPr>
+            <a:lvl9pPr marL="3886200" indent="-228600" eaLnBrk="0" fontAlgn="base" hangingPunct="0">
+              <a:spcBef>
+                <a:spcPct val="0"/>
+              </a:spcBef>
+              <a:spcAft>
+                <a:spcPct val="0"/>
+              </a:spcAft>
+              <a:defRPr sz="2400">
+                <a:solidFill>
+                  <a:schemeClr val="tx1"/>
+                </a:solidFill>
+                <a:latin typeface="Trebuchet MS" charset="0"/>
+                <a:ea typeface="ＭＳ Ｐゴシック" charset="0"/>
+              </a:defRPr>
+            </a:lvl9pPr>
+          </a:lstStyle>
+          <a:p>
+            <a:pPr algn="l" eaLnBrk="1" hangingPunct="1"/>
+            <a:r>
+              <a:rPr lang="en-US" sz="1200" b="1" dirty="0" smtClean="0">
+                <a:solidFill>
+                  <a:srgbClr val="122956"/>
+                </a:solidFill>
+                <a:cs typeface="Trebuchet MS" charset="0"/>
+              </a:rPr>
+              <a:t>12-</a:t>
+            </a:r>
+            <a:fld id="{31B56995-E14C-B64F-86C9-12D6DB74A41E}" type="slidenum">
+              <a:rPr lang="en-US" sz="1200" b="1">
+                <a:solidFill>
+                  <a:srgbClr val="122956"/>
+                </a:solidFill>
+                <a:cs typeface="Trebuchet MS" charset="0"/>
+              </a:rPr>
+              <a:pPr algn="l" eaLnBrk="1" hangingPunct="1"/>
+              <a:t>12</a:t>
+            </a:fld>
+            <a:endParaRPr lang="en-US" sz="1200" b="1" dirty="0">
+              <a:solidFill>
+                <a:srgbClr val="122956"/>
+              </a:solidFill>
+              <a:cs typeface="Trebuchet MS" charset="0"/>
+            </a:endParaRPr>
+          </a:p>
+        </p:txBody>
+      </p:sp>
     </p:spTree>
     <p:extLst>
       <p:ext uri="{BB962C8B-B14F-4D97-AF65-F5344CB8AC3E}">
@@ -8128,6 +8881,186 @@
               <a:ea typeface="ヒラギノ角ゴ ProN W6" charset="0"/>
               <a:cs typeface="ヒラギノ角ゴ ProN W6" charset="0"/>
               <a:sym typeface="Trebuchet MS Bold Italic" charset="0"/>
+            </a:endParaRPr>
+          </a:p>
+        </p:txBody>
+      </p:sp>
+      <p:sp>
+        <p:nvSpPr>
+          <p:cNvPr id="4" name="Slide Number Placeholder 5"/>
+          <p:cNvSpPr>
+            <a:spLocks noGrp="1"/>
+          </p:cNvSpPr>
+          <p:nvPr>
+            <p:ph type="sldNum" sz="quarter" idx="12"/>
+          </p:nvPr>
+        </p:nvSpPr>
+        <p:spPr bwMode="auto">
+          <a:xfrm>
+            <a:off x="203200" y="6400800"/>
+            <a:ext cx="2133600" cy="365125"/>
+          </a:xfrm>
+          <a:noFill/>
+          <a:extLst>
+            <a:ext uri="{909E8E84-426E-40dd-AFC4-6F175D3DCCD1}">
+              <a14:hiddenFill xmlns:a14="http://schemas.microsoft.com/office/drawing/2010/main">
+                <a:solidFill>
+                  <a:srgbClr val="FFFFFF"/>
+                </a:solidFill>
+              </a14:hiddenFill>
+            </a:ext>
+            <a:ext uri="{91240B29-F687-4f45-9708-019B960494DF}">
+              <a14:hiddenLine xmlns:a14="http://schemas.microsoft.com/office/drawing/2010/main" w="9525">
+                <a:solidFill>
+                  <a:srgbClr val="000000"/>
+                </a:solidFill>
+                <a:miter lim="800000"/>
+                <a:headEnd/>
+                <a:tailEnd/>
+              </a14:hiddenLine>
+            </a:ext>
+          </a:extLst>
+        </p:spPr>
+        <p:txBody>
+          <a:bodyPr vert="horz" wrap="square" lIns="91440" tIns="45720" rIns="91440" bIns="45720" numCol="1" anchor="ctr" anchorCtr="0" compatLnSpc="1">
+            <a:prstTxWarp prst="textNoShape">
+              <a:avLst/>
+            </a:prstTxWarp>
+          </a:bodyPr>
+          <a:lstStyle>
+            <a:lvl1pPr eaLnBrk="0" hangingPunct="0">
+              <a:defRPr sz="2400">
+                <a:solidFill>
+                  <a:schemeClr val="tx1"/>
+                </a:solidFill>
+                <a:latin typeface="Trebuchet MS" charset="0"/>
+                <a:ea typeface="ＭＳ Ｐゴシック" charset="0"/>
+                <a:cs typeface="ＭＳ Ｐゴシック" charset="0"/>
+              </a:defRPr>
+            </a:lvl1pPr>
+            <a:lvl2pPr marL="742950" indent="-285750" eaLnBrk="0" hangingPunct="0">
+              <a:defRPr sz="2400">
+                <a:solidFill>
+                  <a:schemeClr val="tx1"/>
+                </a:solidFill>
+                <a:latin typeface="Trebuchet MS" charset="0"/>
+                <a:ea typeface="ＭＳ Ｐゴシック" charset="0"/>
+              </a:defRPr>
+            </a:lvl2pPr>
+            <a:lvl3pPr marL="1143000" indent="-228600" eaLnBrk="0" hangingPunct="0">
+              <a:defRPr sz="2400">
+                <a:solidFill>
+                  <a:schemeClr val="tx1"/>
+                </a:solidFill>
+                <a:latin typeface="Trebuchet MS" charset="0"/>
+                <a:ea typeface="ＭＳ Ｐゴシック" charset="0"/>
+              </a:defRPr>
+            </a:lvl3pPr>
+            <a:lvl4pPr marL="1600200" indent="-228600" eaLnBrk="0" hangingPunct="0">
+              <a:defRPr sz="2400">
+                <a:solidFill>
+                  <a:schemeClr val="tx1"/>
+                </a:solidFill>
+                <a:latin typeface="Trebuchet MS" charset="0"/>
+                <a:ea typeface="ＭＳ Ｐゴシック" charset="0"/>
+              </a:defRPr>
+            </a:lvl4pPr>
+            <a:lvl5pPr marL="2057400" indent="-228600" eaLnBrk="0" hangingPunct="0">
+              <a:defRPr sz="2400">
+                <a:solidFill>
+                  <a:schemeClr val="tx1"/>
+                </a:solidFill>
+                <a:latin typeface="Trebuchet MS" charset="0"/>
+                <a:ea typeface="ＭＳ Ｐゴシック" charset="0"/>
+              </a:defRPr>
+            </a:lvl5pPr>
+            <a:lvl6pPr marL="2514600" indent="-228600" eaLnBrk="0" fontAlgn="base" hangingPunct="0">
+              <a:spcBef>
+                <a:spcPct val="0"/>
+              </a:spcBef>
+              <a:spcAft>
+                <a:spcPct val="0"/>
+              </a:spcAft>
+              <a:defRPr sz="2400">
+                <a:solidFill>
+                  <a:schemeClr val="tx1"/>
+                </a:solidFill>
+                <a:latin typeface="Trebuchet MS" charset="0"/>
+                <a:ea typeface="ＭＳ Ｐゴシック" charset="0"/>
+              </a:defRPr>
+            </a:lvl6pPr>
+            <a:lvl7pPr marL="2971800" indent="-228600" eaLnBrk="0" fontAlgn="base" hangingPunct="0">
+              <a:spcBef>
+                <a:spcPct val="0"/>
+              </a:spcBef>
+              <a:spcAft>
+                <a:spcPct val="0"/>
+              </a:spcAft>
+              <a:defRPr sz="2400">
+                <a:solidFill>
+                  <a:schemeClr val="tx1"/>
+                </a:solidFill>
+                <a:latin typeface="Trebuchet MS" charset="0"/>
+                <a:ea typeface="ＭＳ Ｐゴシック" charset="0"/>
+              </a:defRPr>
+            </a:lvl7pPr>
+            <a:lvl8pPr marL="3429000" indent="-228600" eaLnBrk="0" fontAlgn="base" hangingPunct="0">
+              <a:spcBef>
+                <a:spcPct val="0"/>
+              </a:spcBef>
+              <a:spcAft>
+                <a:spcPct val="0"/>
+              </a:spcAft>
+              <a:defRPr sz="2400">
+                <a:solidFill>
+                  <a:schemeClr val="tx1"/>
+                </a:solidFill>
+                <a:latin typeface="Trebuchet MS" charset="0"/>
+                <a:ea typeface="ＭＳ Ｐゴシック" charset="0"/>
+              </a:defRPr>
+            </a:lvl8pPr>
+            <a:lvl9pPr marL="3886200" indent="-228600" eaLnBrk="0" fontAlgn="base" hangingPunct="0">
+              <a:spcBef>
+                <a:spcPct val="0"/>
+              </a:spcBef>
+              <a:spcAft>
+                <a:spcPct val="0"/>
+              </a:spcAft>
+              <a:defRPr sz="2400">
+                <a:solidFill>
+                  <a:schemeClr val="tx1"/>
+                </a:solidFill>
+                <a:latin typeface="Trebuchet MS" charset="0"/>
+                <a:ea typeface="ＭＳ Ｐゴシック" charset="0"/>
+              </a:defRPr>
+            </a:lvl9pPr>
+          </a:lstStyle>
+          <a:p>
+            <a:pPr algn="l" eaLnBrk="1" hangingPunct="1"/>
+            <a:r>
+              <a:rPr lang="en-US" sz="1200" b="1" dirty="0" smtClean="0">
+                <a:solidFill>
+                  <a:srgbClr val="122956"/>
+                </a:solidFill>
+                <a:cs typeface="Trebuchet MS" charset="0"/>
+              </a:rPr>
+              <a:t>12-</a:t>
+            </a:r>
+            <a:fld id="{31B56995-E14C-B64F-86C9-12D6DB74A41E}" type="slidenum">
+              <a:rPr lang="en-US" sz="1200" b="1">
+                <a:solidFill>
+                  <a:srgbClr val="122956"/>
+                </a:solidFill>
+                <a:cs typeface="Trebuchet MS" charset="0"/>
+              </a:rPr>
+              <a:pPr algn="l" eaLnBrk="1" hangingPunct="1"/>
+              <a:t>13</a:t>
+            </a:fld>
+            <a:endParaRPr lang="en-US" sz="1200" b="1" dirty="0">
+              <a:solidFill>
+                <a:srgbClr val="122956"/>
+              </a:solidFill>
+              <a:cs typeface="Trebuchet MS" charset="0"/>
             </a:endParaRPr>
           </a:p>
         </p:txBody>
@@ -8517,6 +9450,186 @@
           </a:p>
         </p:txBody>
       </p:sp>
+      <p:sp>
+        <p:nvSpPr>
+          <p:cNvPr id="7" name="Slide Number Placeholder 5"/>
+          <p:cNvSpPr>
+            <a:spLocks noGrp="1"/>
+          </p:cNvSpPr>
+          <p:nvPr>
+            <p:ph type="sldNum" sz="quarter" idx="12"/>
+          </p:nvPr>
+        </p:nvSpPr>
+        <p:spPr bwMode="auto">
+          <a:xfrm>
+            <a:off x="203200" y="6400800"/>
+            <a:ext cx="2133600" cy="365125"/>
+          </a:xfrm>
+          <a:noFill/>
+          <a:extLst>
+            <a:ext uri="{909E8E84-426E-40dd-AFC4-6F175D3DCCD1}">
+              <a14:hiddenFill xmlns:a14="http://schemas.microsoft.com/office/drawing/2010/main">
+                <a:solidFill>
+                  <a:srgbClr val="FFFFFF"/>
+                </a:solidFill>
+              </a14:hiddenFill>
+            </a:ext>
+            <a:ext uri="{91240B29-F687-4f45-9708-019B960494DF}">
+              <a14:hiddenLine xmlns:a14="http://schemas.microsoft.com/office/drawing/2010/main" w="9525">
+                <a:solidFill>
+                  <a:srgbClr val="000000"/>
+                </a:solidFill>
+                <a:miter lim="800000"/>
+                <a:headEnd/>
+                <a:tailEnd/>
+              </a14:hiddenLine>
+            </a:ext>
+          </a:extLst>
+        </p:spPr>
+        <p:txBody>
+          <a:bodyPr vert="horz" wrap="square" lIns="91440" tIns="45720" rIns="91440" bIns="45720" numCol="1" anchor="ctr" anchorCtr="0" compatLnSpc="1">
+            <a:prstTxWarp prst="textNoShape">
+              <a:avLst/>
+            </a:prstTxWarp>
+          </a:bodyPr>
+          <a:lstStyle>
+            <a:lvl1pPr eaLnBrk="0" hangingPunct="0">
+              <a:defRPr sz="2400">
+                <a:solidFill>
+                  <a:schemeClr val="tx1"/>
+                </a:solidFill>
+                <a:latin typeface="Trebuchet MS" charset="0"/>
+                <a:ea typeface="ＭＳ Ｐゴシック" charset="0"/>
+                <a:cs typeface="ＭＳ Ｐゴシック" charset="0"/>
+              </a:defRPr>
+            </a:lvl1pPr>
+            <a:lvl2pPr marL="742950" indent="-285750" eaLnBrk="0" hangingPunct="0">
+              <a:defRPr sz="2400">
+                <a:solidFill>
+                  <a:schemeClr val="tx1"/>
+                </a:solidFill>
+                <a:latin typeface="Trebuchet MS" charset="0"/>
+                <a:ea typeface="ＭＳ Ｐゴシック" charset="0"/>
+              </a:defRPr>
+            </a:lvl2pPr>
+            <a:lvl3pPr marL="1143000" indent="-228600" eaLnBrk="0" hangingPunct="0">
+              <a:defRPr sz="2400">
+                <a:solidFill>
+                  <a:schemeClr val="tx1"/>
+                </a:solidFill>
+                <a:latin typeface="Trebuchet MS" charset="0"/>
+                <a:ea typeface="ＭＳ Ｐゴシック" charset="0"/>
+              </a:defRPr>
+            </a:lvl3pPr>
+            <a:lvl4pPr marL="1600200" indent="-228600" eaLnBrk="0" hangingPunct="0">
+              <a:defRPr sz="2400">
+                <a:solidFill>
+                  <a:schemeClr val="tx1"/>
+                </a:solidFill>
+                <a:latin typeface="Trebuchet MS" charset="0"/>
+                <a:ea typeface="ＭＳ Ｐゴシック" charset="0"/>
+              </a:defRPr>
+            </a:lvl4pPr>
+            <a:lvl5pPr marL="2057400" indent="-228600" eaLnBrk="0" hangingPunct="0">
+              <a:defRPr sz="2400">
+                <a:solidFill>
+                  <a:schemeClr val="tx1"/>
+                </a:solidFill>
+                <a:latin typeface="Trebuchet MS" charset="0"/>
+                <a:ea typeface="ＭＳ Ｐゴシック" charset="0"/>
+              </a:defRPr>
+            </a:lvl5pPr>
+            <a:lvl6pPr marL="2514600" indent="-228600" eaLnBrk="0" fontAlgn="base" hangingPunct="0">
+              <a:spcBef>
+                <a:spcPct val="0"/>
+              </a:spcBef>
+              <a:spcAft>
+                <a:spcPct val="0"/>
+              </a:spcAft>
+              <a:defRPr sz="2400">
+                <a:solidFill>
+                  <a:schemeClr val="tx1"/>
+                </a:solidFill>
+                <a:latin typeface="Trebuchet MS" charset="0"/>
+                <a:ea typeface="ＭＳ Ｐゴシック" charset="0"/>
+              </a:defRPr>
+            </a:lvl6pPr>
+            <a:lvl7pPr marL="2971800" indent="-228600" eaLnBrk="0" fontAlgn="base" hangingPunct="0">
+              <a:spcBef>
+                <a:spcPct val="0"/>
+              </a:spcBef>
+              <a:spcAft>
+                <a:spcPct val="0"/>
+              </a:spcAft>
+              <a:defRPr sz="2400">
+                <a:solidFill>
+                  <a:schemeClr val="tx1"/>
+                </a:solidFill>
+                <a:latin typeface="Trebuchet MS" charset="0"/>
+                <a:ea typeface="ＭＳ Ｐゴシック" charset="0"/>
+              </a:defRPr>
+            </a:lvl7pPr>
+            <a:lvl8pPr marL="3429000" indent="-228600" eaLnBrk="0" fontAlgn="base" hangingPunct="0">
+              <a:spcBef>
+                <a:spcPct val="0"/>
+              </a:spcBef>
+              <a:spcAft>
+                <a:spcPct val="0"/>
+              </a:spcAft>
+              <a:defRPr sz="2400">
+                <a:solidFill>
+                  <a:schemeClr val="tx1"/>
+                </a:solidFill>
+                <a:latin typeface="Trebuchet MS" charset="0"/>
+                <a:ea typeface="ＭＳ Ｐゴシック" charset="0"/>
+              </a:defRPr>
+            </a:lvl8pPr>
+            <a:lvl9pPr marL="3886200" indent="-228600" eaLnBrk="0" fontAlgn="base" hangingPunct="0">
+              <a:spcBef>
+                <a:spcPct val="0"/>
+              </a:spcBef>
+              <a:spcAft>
+                <a:spcPct val="0"/>
+              </a:spcAft>
+              <a:defRPr sz="2400">
+                <a:solidFill>
+                  <a:schemeClr val="tx1"/>
+                </a:solidFill>
+                <a:latin typeface="Trebuchet MS" charset="0"/>
+                <a:ea typeface="ＭＳ Ｐゴシック" charset="0"/>
+              </a:defRPr>
+            </a:lvl9pPr>
+          </a:lstStyle>
+          <a:p>
+            <a:pPr algn="l" eaLnBrk="1" hangingPunct="1"/>
+            <a:r>
+              <a:rPr lang="en-US" sz="1200" b="1" dirty="0" smtClean="0">
+                <a:solidFill>
+                  <a:srgbClr val="122956"/>
+                </a:solidFill>
+                <a:cs typeface="Trebuchet MS" charset="0"/>
+              </a:rPr>
+              <a:t>12-</a:t>
+            </a:r>
+            <a:fld id="{31B56995-E14C-B64F-86C9-12D6DB74A41E}" type="slidenum">
+              <a:rPr lang="en-US" sz="1200" b="1">
+                <a:solidFill>
+                  <a:srgbClr val="122956"/>
+                </a:solidFill>
+                <a:cs typeface="Trebuchet MS" charset="0"/>
+              </a:rPr>
+              <a:pPr algn="l" eaLnBrk="1" hangingPunct="1"/>
+              <a:t>14</a:t>
+            </a:fld>
+            <a:endParaRPr lang="en-US" sz="1200" b="1" dirty="0">
+              <a:solidFill>
+                <a:srgbClr val="122956"/>
+              </a:solidFill>
+              <a:cs typeface="Trebuchet MS" charset="0"/>
+            </a:endParaRPr>
+          </a:p>
+        </p:txBody>
+      </p:sp>
     </p:spTree>
     <p:extLst>
       <p:ext uri="{BB962C8B-B14F-4D97-AF65-F5344CB8AC3E}">
@@ -8650,6 +9763,186 @@
               <a:ea typeface="ヒラギノ角ゴ ProN W6" charset="0"/>
               <a:cs typeface="ヒラギノ角ゴ ProN W6" charset="0"/>
               <a:sym typeface="Trebuchet MS Bold Italic" charset="0"/>
+            </a:endParaRPr>
+          </a:p>
+        </p:txBody>
+      </p:sp>
+      <p:sp>
+        <p:nvSpPr>
+          <p:cNvPr id="4" name="Slide Number Placeholder 5"/>
+          <p:cNvSpPr>
+            <a:spLocks noGrp="1"/>
+          </p:cNvSpPr>
+          <p:nvPr>
+            <p:ph type="sldNum" sz="quarter" idx="12"/>
+          </p:nvPr>
+        </p:nvSpPr>
+        <p:spPr bwMode="auto">
+          <a:xfrm>
+            <a:off x="203200" y="6400800"/>
+            <a:ext cx="2133600" cy="365125"/>
+          </a:xfrm>
+          <a:noFill/>
+          <a:extLst>
+            <a:ext uri="{909E8E84-426E-40dd-AFC4-6F175D3DCCD1}">
+              <a14:hiddenFill xmlns:a14="http://schemas.microsoft.com/office/drawing/2010/main">
+                <a:solidFill>
+                  <a:srgbClr val="FFFFFF"/>
+                </a:solidFill>
+              </a14:hiddenFill>
+            </a:ext>
+            <a:ext uri="{91240B29-F687-4f45-9708-019B960494DF}">
+              <a14:hiddenLine xmlns:a14="http://schemas.microsoft.com/office/drawing/2010/main" w="9525">
+                <a:solidFill>
+                  <a:srgbClr val="000000"/>
+                </a:solidFill>
+                <a:miter lim="800000"/>
+                <a:headEnd/>
+                <a:tailEnd/>
+              </a14:hiddenLine>
+            </a:ext>
+          </a:extLst>
+        </p:spPr>
+        <p:txBody>
+          <a:bodyPr vert="horz" wrap="square" lIns="91440" tIns="45720" rIns="91440" bIns="45720" numCol="1" anchor="ctr" anchorCtr="0" compatLnSpc="1">
+            <a:prstTxWarp prst="textNoShape">
+              <a:avLst/>
+            </a:prstTxWarp>
+          </a:bodyPr>
+          <a:lstStyle>
+            <a:lvl1pPr eaLnBrk="0" hangingPunct="0">
+              <a:defRPr sz="2400">
+                <a:solidFill>
+                  <a:schemeClr val="tx1"/>
+                </a:solidFill>
+                <a:latin typeface="Trebuchet MS" charset="0"/>
+                <a:ea typeface="ＭＳ Ｐゴシック" charset="0"/>
+                <a:cs typeface="ＭＳ Ｐゴシック" charset="0"/>
+              </a:defRPr>
+            </a:lvl1pPr>
+            <a:lvl2pPr marL="742950" indent="-285750" eaLnBrk="0" hangingPunct="0">
+              <a:defRPr sz="2400">
+                <a:solidFill>
+                  <a:schemeClr val="tx1"/>
+                </a:solidFill>
+                <a:latin typeface="Trebuchet MS" charset="0"/>
+                <a:ea typeface="ＭＳ Ｐゴシック" charset="0"/>
+              </a:defRPr>
+            </a:lvl2pPr>
+            <a:lvl3pPr marL="1143000" indent="-228600" eaLnBrk="0" hangingPunct="0">
+              <a:defRPr sz="2400">
+                <a:solidFill>
+                  <a:schemeClr val="tx1"/>
+                </a:solidFill>
+                <a:latin typeface="Trebuchet MS" charset="0"/>
+                <a:ea typeface="ＭＳ Ｐゴシック" charset="0"/>
+              </a:defRPr>
+            </a:lvl3pPr>
+            <a:lvl4pPr marL="1600200" indent="-228600" eaLnBrk="0" hangingPunct="0">
+              <a:defRPr sz="2400">
+                <a:solidFill>
+                  <a:schemeClr val="tx1"/>
+                </a:solidFill>
+                <a:latin typeface="Trebuchet MS" charset="0"/>
+                <a:ea typeface="ＭＳ Ｐゴシック" charset="0"/>
+              </a:defRPr>
+            </a:lvl4pPr>
+            <a:lvl5pPr marL="2057400" indent="-228600" eaLnBrk="0" hangingPunct="0">
+              <a:defRPr sz="2400">
+                <a:solidFill>
+                  <a:schemeClr val="tx1"/>
+                </a:solidFill>
+                <a:latin typeface="Trebuchet MS" charset="0"/>
+                <a:ea typeface="ＭＳ Ｐゴシック" charset="0"/>
+              </a:defRPr>
+            </a:lvl5pPr>
+            <a:lvl6pPr marL="2514600" indent="-228600" eaLnBrk="0" fontAlgn="base" hangingPunct="0">
+              <a:spcBef>
+                <a:spcPct val="0"/>
+              </a:spcBef>
+              <a:spcAft>
+                <a:spcPct val="0"/>
+              </a:spcAft>
+              <a:defRPr sz="2400">
+                <a:solidFill>
+                  <a:schemeClr val="tx1"/>
+                </a:solidFill>
+                <a:latin typeface="Trebuchet MS" charset="0"/>
+                <a:ea typeface="ＭＳ Ｐゴシック" charset="0"/>
+              </a:defRPr>
+            </a:lvl6pPr>
+            <a:lvl7pPr marL="2971800" indent="-228600" eaLnBrk="0" fontAlgn="base" hangingPunct="0">
+              <a:spcBef>
+                <a:spcPct val="0"/>
+              </a:spcBef>
+              <a:spcAft>
+                <a:spcPct val="0"/>
+              </a:spcAft>
+              <a:defRPr sz="2400">
+                <a:solidFill>
+                  <a:schemeClr val="tx1"/>
+                </a:solidFill>
+                <a:latin typeface="Trebuchet MS" charset="0"/>
+                <a:ea typeface="ＭＳ Ｐゴシック" charset="0"/>
+              </a:defRPr>
+            </a:lvl7pPr>
+            <a:lvl8pPr marL="3429000" indent="-228600" eaLnBrk="0" fontAlgn="base" hangingPunct="0">
+              <a:spcBef>
+                <a:spcPct val="0"/>
+              </a:spcBef>
+              <a:spcAft>
+                <a:spcPct val="0"/>
+              </a:spcAft>
+              <a:defRPr sz="2400">
+                <a:solidFill>
+                  <a:schemeClr val="tx1"/>
+                </a:solidFill>
+                <a:latin typeface="Trebuchet MS" charset="0"/>
+                <a:ea typeface="ＭＳ Ｐゴシック" charset="0"/>
+              </a:defRPr>
+            </a:lvl8pPr>
+            <a:lvl9pPr marL="3886200" indent="-228600" eaLnBrk="0" fontAlgn="base" hangingPunct="0">
+              <a:spcBef>
+                <a:spcPct val="0"/>
+              </a:spcBef>
+              <a:spcAft>
+                <a:spcPct val="0"/>
+              </a:spcAft>
+              <a:defRPr sz="2400">
+                <a:solidFill>
+                  <a:schemeClr val="tx1"/>
+                </a:solidFill>
+                <a:latin typeface="Trebuchet MS" charset="0"/>
+                <a:ea typeface="ＭＳ Ｐゴシック" charset="0"/>
+              </a:defRPr>
+            </a:lvl9pPr>
+          </a:lstStyle>
+          <a:p>
+            <a:pPr algn="l" eaLnBrk="1" hangingPunct="1"/>
+            <a:r>
+              <a:rPr lang="en-US" sz="1200" b="1" dirty="0" smtClean="0">
+                <a:solidFill>
+                  <a:srgbClr val="122956"/>
+                </a:solidFill>
+                <a:cs typeface="Trebuchet MS" charset="0"/>
+              </a:rPr>
+              <a:t>12-</a:t>
+            </a:r>
+            <a:fld id="{31B56995-E14C-B64F-86C9-12D6DB74A41E}" type="slidenum">
+              <a:rPr lang="en-US" sz="1200" b="1">
+                <a:solidFill>
+                  <a:srgbClr val="122956"/>
+                </a:solidFill>
+                <a:cs typeface="Trebuchet MS" charset="0"/>
+              </a:rPr>
+              <a:pPr algn="l" eaLnBrk="1" hangingPunct="1"/>
+              <a:t>15</a:t>
+            </a:fld>
+            <a:endParaRPr lang="en-US" sz="1200" b="1" dirty="0">
+              <a:solidFill>
+                <a:srgbClr val="122956"/>
+              </a:solidFill>
+              <a:cs typeface="Trebuchet MS" charset="0"/>
             </a:endParaRPr>
           </a:p>
         </p:txBody>
@@ -9203,6 +10496,186 @@
           </a:p>
         </p:txBody>
       </p:sp>
+      <p:sp>
+        <p:nvSpPr>
+          <p:cNvPr id="8" name="Slide Number Placeholder 5"/>
+          <p:cNvSpPr>
+            <a:spLocks noGrp="1"/>
+          </p:cNvSpPr>
+          <p:nvPr>
+            <p:ph type="sldNum" sz="quarter" idx="12"/>
+          </p:nvPr>
+        </p:nvSpPr>
+        <p:spPr bwMode="auto">
+          <a:xfrm>
+            <a:off x="203200" y="6400800"/>
+            <a:ext cx="2133600" cy="365125"/>
+          </a:xfrm>
+          <a:noFill/>
+          <a:extLst>
+            <a:ext uri="{909E8E84-426E-40dd-AFC4-6F175D3DCCD1}">
+              <a14:hiddenFill xmlns:a14="http://schemas.microsoft.com/office/drawing/2010/main">
+                <a:solidFill>
+                  <a:srgbClr val="FFFFFF"/>
+                </a:solidFill>
+              </a14:hiddenFill>
+            </a:ext>
+            <a:ext uri="{91240B29-F687-4f45-9708-019B960494DF}">
+              <a14:hiddenLine xmlns:a14="http://schemas.microsoft.com/office/drawing/2010/main" w="9525">
+                <a:solidFill>
+                  <a:srgbClr val="000000"/>
+                </a:solidFill>
+                <a:miter lim="800000"/>
+                <a:headEnd/>
+                <a:tailEnd/>
+              </a14:hiddenLine>
+            </a:ext>
+          </a:extLst>
+        </p:spPr>
+        <p:txBody>
+          <a:bodyPr vert="horz" wrap="square" lIns="91440" tIns="45720" rIns="91440" bIns="45720" numCol="1" anchor="ctr" anchorCtr="0" compatLnSpc="1">
+            <a:prstTxWarp prst="textNoShape">
+              <a:avLst/>
+            </a:prstTxWarp>
+          </a:bodyPr>
+          <a:lstStyle>
+            <a:lvl1pPr eaLnBrk="0" hangingPunct="0">
+              <a:defRPr sz="2400">
+                <a:solidFill>
+                  <a:schemeClr val="tx1"/>
+                </a:solidFill>
+                <a:latin typeface="Trebuchet MS" charset="0"/>
+                <a:ea typeface="ＭＳ Ｐゴシック" charset="0"/>
+                <a:cs typeface="ＭＳ Ｐゴシック" charset="0"/>
+              </a:defRPr>
+            </a:lvl1pPr>
+            <a:lvl2pPr marL="742950" indent="-285750" eaLnBrk="0" hangingPunct="0">
+              <a:defRPr sz="2400">
+                <a:solidFill>
+                  <a:schemeClr val="tx1"/>
+                </a:solidFill>
+                <a:latin typeface="Trebuchet MS" charset="0"/>
+                <a:ea typeface="ＭＳ Ｐゴシック" charset="0"/>
+              </a:defRPr>
+            </a:lvl2pPr>
+            <a:lvl3pPr marL="1143000" indent="-228600" eaLnBrk="0" hangingPunct="0">
+              <a:defRPr sz="2400">
+                <a:solidFill>
+                  <a:schemeClr val="tx1"/>
+                </a:solidFill>
+                <a:latin typeface="Trebuchet MS" charset="0"/>
+                <a:ea typeface="ＭＳ Ｐゴシック" charset="0"/>
+              </a:defRPr>
+            </a:lvl3pPr>
+            <a:lvl4pPr marL="1600200" indent="-228600" eaLnBrk="0" hangingPunct="0">
+              <a:defRPr sz="2400">
+                <a:solidFill>
+                  <a:schemeClr val="tx1"/>
+                </a:solidFill>
+                <a:latin typeface="Trebuchet MS" charset="0"/>
+                <a:ea typeface="ＭＳ Ｐゴシック" charset="0"/>
+              </a:defRPr>
+            </a:lvl4pPr>
+            <a:lvl5pPr marL="2057400" indent="-228600" eaLnBrk="0" hangingPunct="0">
+              <a:defRPr sz="2400">
+                <a:solidFill>
+                  <a:schemeClr val="tx1"/>
+                </a:solidFill>
+                <a:latin typeface="Trebuchet MS" charset="0"/>
+                <a:ea typeface="ＭＳ Ｐゴシック" charset="0"/>
+              </a:defRPr>
+            </a:lvl5pPr>
+            <a:lvl6pPr marL="2514600" indent="-228600" eaLnBrk="0" fontAlgn="base" hangingPunct="0">
+              <a:spcBef>
+                <a:spcPct val="0"/>
+              </a:spcBef>
+              <a:spcAft>
+                <a:spcPct val="0"/>
+              </a:spcAft>
+              <a:defRPr sz="2400">
+                <a:solidFill>
+                  <a:schemeClr val="tx1"/>
+                </a:solidFill>
+                <a:latin typeface="Trebuchet MS" charset="0"/>
+                <a:ea typeface="ＭＳ Ｐゴシック" charset="0"/>
+              </a:defRPr>
+            </a:lvl6pPr>
+            <a:lvl7pPr marL="2971800" indent="-228600" eaLnBrk="0" fontAlgn="base" hangingPunct="0">
+              <a:spcBef>
+                <a:spcPct val="0"/>
+              </a:spcBef>
+              <a:spcAft>
+                <a:spcPct val="0"/>
+              </a:spcAft>
+              <a:defRPr sz="2400">
+                <a:solidFill>
+                  <a:schemeClr val="tx1"/>
+                </a:solidFill>
+                <a:latin typeface="Trebuchet MS" charset="0"/>
+                <a:ea typeface="ＭＳ Ｐゴシック" charset="0"/>
+              </a:defRPr>
+            </a:lvl7pPr>
+            <a:lvl8pPr marL="3429000" indent="-228600" eaLnBrk="0" fontAlgn="base" hangingPunct="0">
+              <a:spcBef>
+                <a:spcPct val="0"/>
+              </a:spcBef>
+              <a:spcAft>
+                <a:spcPct val="0"/>
+              </a:spcAft>
+              <a:defRPr sz="2400">
+                <a:solidFill>
+                  <a:schemeClr val="tx1"/>
+                </a:solidFill>
+                <a:latin typeface="Trebuchet MS" charset="0"/>
+                <a:ea typeface="ＭＳ Ｐゴシック" charset="0"/>
+              </a:defRPr>
+            </a:lvl8pPr>
+            <a:lvl9pPr marL="3886200" indent="-228600" eaLnBrk="0" fontAlgn="base" hangingPunct="0">
+              <a:spcBef>
+                <a:spcPct val="0"/>
+              </a:spcBef>
+              <a:spcAft>
+                <a:spcPct val="0"/>
+              </a:spcAft>
+              <a:defRPr sz="2400">
+                <a:solidFill>
+                  <a:schemeClr val="tx1"/>
+                </a:solidFill>
+                <a:latin typeface="Trebuchet MS" charset="0"/>
+                <a:ea typeface="ＭＳ Ｐゴシック" charset="0"/>
+              </a:defRPr>
+            </a:lvl9pPr>
+          </a:lstStyle>
+          <a:p>
+            <a:pPr algn="l" eaLnBrk="1" hangingPunct="1"/>
+            <a:r>
+              <a:rPr lang="en-US" sz="1200" b="1" dirty="0" smtClean="0">
+                <a:solidFill>
+                  <a:srgbClr val="122956"/>
+                </a:solidFill>
+                <a:cs typeface="Trebuchet MS" charset="0"/>
+              </a:rPr>
+              <a:t>12-</a:t>
+            </a:r>
+            <a:fld id="{31B56995-E14C-B64F-86C9-12D6DB74A41E}" type="slidenum">
+              <a:rPr lang="en-US" sz="1200" b="1">
+                <a:solidFill>
+                  <a:srgbClr val="122956"/>
+                </a:solidFill>
+                <a:cs typeface="Trebuchet MS" charset="0"/>
+              </a:rPr>
+              <a:pPr algn="l" eaLnBrk="1" hangingPunct="1"/>
+              <a:t>16</a:t>
+            </a:fld>
+            <a:endParaRPr lang="en-US" sz="1200" b="1" dirty="0">
+              <a:solidFill>
+                <a:srgbClr val="122956"/>
+              </a:solidFill>
+              <a:cs typeface="Trebuchet MS" charset="0"/>
+            </a:endParaRPr>
+          </a:p>
+        </p:txBody>
+      </p:sp>
     </p:spTree>
     <p:extLst>
       <p:ext uri="{BB962C8B-B14F-4D97-AF65-F5344CB8AC3E}">
@@ -9336,6 +10809,186 @@
               <a:ea typeface="ヒラギノ角ゴ ProN W6" charset="0"/>
               <a:cs typeface="ヒラギノ角ゴ ProN W6" charset="0"/>
               <a:sym typeface="Trebuchet MS Bold Italic" charset="0"/>
+            </a:endParaRPr>
+          </a:p>
+        </p:txBody>
+      </p:sp>
+      <p:sp>
+        <p:nvSpPr>
+          <p:cNvPr id="4" name="Slide Number Placeholder 5"/>
+          <p:cNvSpPr>
+            <a:spLocks noGrp="1"/>
+          </p:cNvSpPr>
+          <p:nvPr>
+            <p:ph type="sldNum" sz="quarter" idx="12"/>
+          </p:nvPr>
+        </p:nvSpPr>
+        <p:spPr bwMode="auto">
+          <a:xfrm>
+            <a:off x="203200" y="6400800"/>
+            <a:ext cx="2133600" cy="365125"/>
+          </a:xfrm>
+          <a:noFill/>
+          <a:extLst>
+            <a:ext uri="{909E8E84-426E-40dd-AFC4-6F175D3DCCD1}">
+              <a14:hiddenFill xmlns:a14="http://schemas.microsoft.com/office/drawing/2010/main">
+                <a:solidFill>
+                  <a:srgbClr val="FFFFFF"/>
+                </a:solidFill>
+              </a14:hiddenFill>
+            </a:ext>
+            <a:ext uri="{91240B29-F687-4f45-9708-019B960494DF}">
+              <a14:hiddenLine xmlns:a14="http://schemas.microsoft.com/office/drawing/2010/main" w="9525">
+                <a:solidFill>
+                  <a:srgbClr val="000000"/>
+                </a:solidFill>
+                <a:miter lim="800000"/>
+                <a:headEnd/>
+                <a:tailEnd/>
+              </a14:hiddenLine>
+            </a:ext>
+          </a:extLst>
+        </p:spPr>
+        <p:txBody>
+          <a:bodyPr vert="horz" wrap="square" lIns="91440" tIns="45720" rIns="91440" bIns="45720" numCol="1" anchor="ctr" anchorCtr="0" compatLnSpc="1">
+            <a:prstTxWarp prst="textNoShape">
+              <a:avLst/>
+            </a:prstTxWarp>
+          </a:bodyPr>
+          <a:lstStyle>
+            <a:lvl1pPr eaLnBrk="0" hangingPunct="0">
+              <a:defRPr sz="2400">
+                <a:solidFill>
+                  <a:schemeClr val="tx1"/>
+                </a:solidFill>
+                <a:latin typeface="Trebuchet MS" charset="0"/>
+                <a:ea typeface="ＭＳ Ｐゴシック" charset="0"/>
+                <a:cs typeface="ＭＳ Ｐゴシック" charset="0"/>
+              </a:defRPr>
+            </a:lvl1pPr>
+            <a:lvl2pPr marL="742950" indent="-285750" eaLnBrk="0" hangingPunct="0">
+              <a:defRPr sz="2400">
+                <a:solidFill>
+                  <a:schemeClr val="tx1"/>
+                </a:solidFill>
+                <a:latin typeface="Trebuchet MS" charset="0"/>
+                <a:ea typeface="ＭＳ Ｐゴシック" charset="0"/>
+              </a:defRPr>
+            </a:lvl2pPr>
+            <a:lvl3pPr marL="1143000" indent="-228600" eaLnBrk="0" hangingPunct="0">
+              <a:defRPr sz="2400">
+                <a:solidFill>
+                  <a:schemeClr val="tx1"/>
+                </a:solidFill>
+                <a:latin typeface="Trebuchet MS" charset="0"/>
+                <a:ea typeface="ＭＳ Ｐゴシック" charset="0"/>
+              </a:defRPr>
+            </a:lvl3pPr>
+            <a:lvl4pPr marL="1600200" indent="-228600" eaLnBrk="0" hangingPunct="0">
+              <a:defRPr sz="2400">
+                <a:solidFill>
+                  <a:schemeClr val="tx1"/>
+                </a:solidFill>
+                <a:latin typeface="Trebuchet MS" charset="0"/>
+                <a:ea typeface="ＭＳ Ｐゴシック" charset="0"/>
+              </a:defRPr>
+            </a:lvl4pPr>
+            <a:lvl5pPr marL="2057400" indent="-228600" eaLnBrk="0" hangingPunct="0">
+              <a:defRPr sz="2400">
+                <a:solidFill>
+                  <a:schemeClr val="tx1"/>
+                </a:solidFill>
+                <a:latin typeface="Trebuchet MS" charset="0"/>
+                <a:ea typeface="ＭＳ Ｐゴシック" charset="0"/>
+              </a:defRPr>
+            </a:lvl5pPr>
+            <a:lvl6pPr marL="2514600" indent="-228600" eaLnBrk="0" fontAlgn="base" hangingPunct="0">
+              <a:spcBef>
+                <a:spcPct val="0"/>
+              </a:spcBef>
+              <a:spcAft>
+                <a:spcPct val="0"/>
+              </a:spcAft>
+              <a:defRPr sz="2400">
+                <a:solidFill>
+                  <a:schemeClr val="tx1"/>
+                </a:solidFill>
+                <a:latin typeface="Trebuchet MS" charset="0"/>
+                <a:ea typeface="ＭＳ Ｐゴシック" charset="0"/>
+              </a:defRPr>
+            </a:lvl6pPr>
+            <a:lvl7pPr marL="2971800" indent="-228600" eaLnBrk="0" fontAlgn="base" hangingPunct="0">
+              <a:spcBef>
+                <a:spcPct val="0"/>
+              </a:spcBef>
+              <a:spcAft>
+                <a:spcPct val="0"/>
+              </a:spcAft>
+              <a:defRPr sz="2400">
+                <a:solidFill>
+                  <a:schemeClr val="tx1"/>
+                </a:solidFill>
+                <a:latin typeface="Trebuchet MS" charset="0"/>
+                <a:ea typeface="ＭＳ Ｐゴシック" charset="0"/>
+              </a:defRPr>
+            </a:lvl7pPr>
+            <a:lvl8pPr marL="3429000" indent="-228600" eaLnBrk="0" fontAlgn="base" hangingPunct="0">
+              <a:spcBef>
+                <a:spcPct val="0"/>
+              </a:spcBef>
+              <a:spcAft>
+                <a:spcPct val="0"/>
+              </a:spcAft>
+              <a:defRPr sz="2400">
+                <a:solidFill>
+                  <a:schemeClr val="tx1"/>
+                </a:solidFill>
+                <a:latin typeface="Trebuchet MS" charset="0"/>
+                <a:ea typeface="ＭＳ Ｐゴシック" charset="0"/>
+              </a:defRPr>
+            </a:lvl8pPr>
+            <a:lvl9pPr marL="3886200" indent="-228600" eaLnBrk="0" fontAlgn="base" hangingPunct="0">
+              <a:spcBef>
+                <a:spcPct val="0"/>
+              </a:spcBef>
+              <a:spcAft>
+                <a:spcPct val="0"/>
+              </a:spcAft>
+              <a:defRPr sz="2400">
+                <a:solidFill>
+                  <a:schemeClr val="tx1"/>
+                </a:solidFill>
+                <a:latin typeface="Trebuchet MS" charset="0"/>
+                <a:ea typeface="ＭＳ Ｐゴシック" charset="0"/>
+              </a:defRPr>
+            </a:lvl9pPr>
+          </a:lstStyle>
+          <a:p>
+            <a:pPr algn="l" eaLnBrk="1" hangingPunct="1"/>
+            <a:r>
+              <a:rPr lang="en-US" sz="1200" b="1" dirty="0" smtClean="0">
+                <a:solidFill>
+                  <a:srgbClr val="122956"/>
+                </a:solidFill>
+                <a:cs typeface="Trebuchet MS" charset="0"/>
+              </a:rPr>
+              <a:t>12-</a:t>
+            </a:r>
+            <a:fld id="{31B56995-E14C-B64F-86C9-12D6DB74A41E}" type="slidenum">
+              <a:rPr lang="en-US" sz="1200" b="1">
+                <a:solidFill>
+                  <a:srgbClr val="122956"/>
+                </a:solidFill>
+                <a:cs typeface="Trebuchet MS" charset="0"/>
+              </a:rPr>
+              <a:pPr algn="l" eaLnBrk="1" hangingPunct="1"/>
+              <a:t>17</a:t>
+            </a:fld>
+            <a:endParaRPr lang="en-US" sz="1200" b="1" dirty="0">
+              <a:solidFill>
+                <a:srgbClr val="122956"/>
+              </a:solidFill>
+              <a:cs typeface="Trebuchet MS" charset="0"/>
             </a:endParaRPr>
           </a:p>
         </p:txBody>
@@ -9647,6 +11300,186 @@
           </a:p>
         </p:txBody>
       </p:sp>
+      <p:sp>
+        <p:nvSpPr>
+          <p:cNvPr id="7" name="Slide Number Placeholder 5"/>
+          <p:cNvSpPr>
+            <a:spLocks noGrp="1"/>
+          </p:cNvSpPr>
+          <p:nvPr>
+            <p:ph type="sldNum" sz="quarter" idx="12"/>
+          </p:nvPr>
+        </p:nvSpPr>
+        <p:spPr bwMode="auto">
+          <a:xfrm>
+            <a:off x="203200" y="6400800"/>
+            <a:ext cx="2133600" cy="365125"/>
+          </a:xfrm>
+          <a:noFill/>
+          <a:extLst>
+            <a:ext uri="{909E8E84-426E-40dd-AFC4-6F175D3DCCD1}">
+              <a14:hiddenFill xmlns:a14="http://schemas.microsoft.com/office/drawing/2010/main">
+                <a:solidFill>
+                  <a:srgbClr val="FFFFFF"/>
+                </a:solidFill>
+              </a14:hiddenFill>
+            </a:ext>
+            <a:ext uri="{91240B29-F687-4f45-9708-019B960494DF}">
+              <a14:hiddenLine xmlns:a14="http://schemas.microsoft.com/office/drawing/2010/main" w="9525">
+                <a:solidFill>
+                  <a:srgbClr val="000000"/>
+                </a:solidFill>
+                <a:miter lim="800000"/>
+                <a:headEnd/>
+                <a:tailEnd/>
+              </a14:hiddenLine>
+            </a:ext>
+          </a:extLst>
+        </p:spPr>
+        <p:txBody>
+          <a:bodyPr vert="horz" wrap="square" lIns="91440" tIns="45720" rIns="91440" bIns="45720" numCol="1" anchor="ctr" anchorCtr="0" compatLnSpc="1">
+            <a:prstTxWarp prst="textNoShape">
+              <a:avLst/>
+            </a:prstTxWarp>
+          </a:bodyPr>
+          <a:lstStyle>
+            <a:lvl1pPr eaLnBrk="0" hangingPunct="0">
+              <a:defRPr sz="2400">
+                <a:solidFill>
+                  <a:schemeClr val="tx1"/>
+                </a:solidFill>
+                <a:latin typeface="Trebuchet MS" charset="0"/>
+                <a:ea typeface="ＭＳ Ｐゴシック" charset="0"/>
+                <a:cs typeface="ＭＳ Ｐゴシック" charset="0"/>
+              </a:defRPr>
+            </a:lvl1pPr>
+            <a:lvl2pPr marL="742950" indent="-285750" eaLnBrk="0" hangingPunct="0">
+              <a:defRPr sz="2400">
+                <a:solidFill>
+                  <a:schemeClr val="tx1"/>
+                </a:solidFill>
+                <a:latin typeface="Trebuchet MS" charset="0"/>
+                <a:ea typeface="ＭＳ Ｐゴシック" charset="0"/>
+              </a:defRPr>
+            </a:lvl2pPr>
+            <a:lvl3pPr marL="1143000" indent="-228600" eaLnBrk="0" hangingPunct="0">
+              <a:defRPr sz="2400">
+                <a:solidFill>
+                  <a:schemeClr val="tx1"/>
+                </a:solidFill>
+                <a:latin typeface="Trebuchet MS" charset="0"/>
+                <a:ea typeface="ＭＳ Ｐゴシック" charset="0"/>
+              </a:defRPr>
+            </a:lvl3pPr>
+            <a:lvl4pPr marL="1600200" indent="-228600" eaLnBrk="0" hangingPunct="0">
+              <a:defRPr sz="2400">
+                <a:solidFill>
+                  <a:schemeClr val="tx1"/>
+                </a:solidFill>
+                <a:latin typeface="Trebuchet MS" charset="0"/>
+                <a:ea typeface="ＭＳ Ｐゴシック" charset="0"/>
+              </a:defRPr>
+            </a:lvl4pPr>
+            <a:lvl5pPr marL="2057400" indent="-228600" eaLnBrk="0" hangingPunct="0">
+              <a:defRPr sz="2400">
+                <a:solidFill>
+                  <a:schemeClr val="tx1"/>
+                </a:solidFill>
+                <a:latin typeface="Trebuchet MS" charset="0"/>
+                <a:ea typeface="ＭＳ Ｐゴシック" charset="0"/>
+              </a:defRPr>
+            </a:lvl5pPr>
+            <a:lvl6pPr marL="2514600" indent="-228600" eaLnBrk="0" fontAlgn="base" hangingPunct="0">
+              <a:spcBef>
+                <a:spcPct val="0"/>
+              </a:spcBef>
+              <a:spcAft>
+                <a:spcPct val="0"/>
+              </a:spcAft>
+              <a:defRPr sz="2400">
+                <a:solidFill>
+                  <a:schemeClr val="tx1"/>
+                </a:solidFill>
+                <a:latin typeface="Trebuchet MS" charset="0"/>
+                <a:ea typeface="ＭＳ Ｐゴシック" charset="0"/>
+              </a:defRPr>
+            </a:lvl6pPr>
+            <a:lvl7pPr marL="2971800" indent="-228600" eaLnBrk="0" fontAlgn="base" hangingPunct="0">
+              <a:spcBef>
+                <a:spcPct val="0"/>
+              </a:spcBef>
+              <a:spcAft>
+                <a:spcPct val="0"/>
+              </a:spcAft>
+              <a:defRPr sz="2400">
+                <a:solidFill>
+                  <a:schemeClr val="tx1"/>
+                </a:solidFill>
+                <a:latin typeface="Trebuchet MS" charset="0"/>
+                <a:ea typeface="ＭＳ Ｐゴシック" charset="0"/>
+              </a:defRPr>
+            </a:lvl7pPr>
+            <a:lvl8pPr marL="3429000" indent="-228600" eaLnBrk="0" fontAlgn="base" hangingPunct="0">
+              <a:spcBef>
+                <a:spcPct val="0"/>
+              </a:spcBef>
+              <a:spcAft>
+                <a:spcPct val="0"/>
+              </a:spcAft>
+              <a:defRPr sz="2400">
+                <a:solidFill>
+                  <a:schemeClr val="tx1"/>
+                </a:solidFill>
+                <a:latin typeface="Trebuchet MS" charset="0"/>
+                <a:ea typeface="ＭＳ Ｐゴシック" charset="0"/>
+              </a:defRPr>
+            </a:lvl8pPr>
+            <a:lvl9pPr marL="3886200" indent="-228600" eaLnBrk="0" fontAlgn="base" hangingPunct="0">
+              <a:spcBef>
+                <a:spcPct val="0"/>
+              </a:spcBef>
+              <a:spcAft>
+                <a:spcPct val="0"/>
+              </a:spcAft>
+              <a:defRPr sz="2400">
+                <a:solidFill>
+                  <a:schemeClr val="tx1"/>
+                </a:solidFill>
+                <a:latin typeface="Trebuchet MS" charset="0"/>
+                <a:ea typeface="ＭＳ Ｐゴシック" charset="0"/>
+              </a:defRPr>
+            </a:lvl9pPr>
+          </a:lstStyle>
+          <a:p>
+            <a:pPr algn="l" eaLnBrk="1" hangingPunct="1"/>
+            <a:r>
+              <a:rPr lang="en-US" sz="1200" b="1" dirty="0" smtClean="0">
+                <a:solidFill>
+                  <a:srgbClr val="122956"/>
+                </a:solidFill>
+                <a:cs typeface="Trebuchet MS" charset="0"/>
+              </a:rPr>
+              <a:t>12-</a:t>
+            </a:r>
+            <a:fld id="{31B56995-E14C-B64F-86C9-12D6DB74A41E}" type="slidenum">
+              <a:rPr lang="en-US" sz="1200" b="1">
+                <a:solidFill>
+                  <a:srgbClr val="122956"/>
+                </a:solidFill>
+                <a:cs typeface="Trebuchet MS" charset="0"/>
+              </a:rPr>
+              <a:pPr algn="l" eaLnBrk="1" hangingPunct="1"/>
+              <a:t>2</a:t>
+            </a:fld>
+            <a:endParaRPr lang="en-US" sz="1200" b="1" dirty="0">
+              <a:solidFill>
+                <a:srgbClr val="122956"/>
+              </a:solidFill>
+              <a:cs typeface="Trebuchet MS" charset="0"/>
+            </a:endParaRPr>
+          </a:p>
+        </p:txBody>
+      </p:sp>
     </p:spTree>
   </p:cSld>
   <p:clrMapOvr>
@@ -9997,6 +11830,186 @@
           </a:prstGeom>
         </p:spPr>
       </p:pic>
+      <p:sp>
+        <p:nvSpPr>
+          <p:cNvPr id="8" name="Slide Number Placeholder 5"/>
+          <p:cNvSpPr>
+            <a:spLocks noGrp="1"/>
+          </p:cNvSpPr>
+          <p:nvPr>
+            <p:ph type="sldNum" sz="quarter" idx="12"/>
+          </p:nvPr>
+        </p:nvSpPr>
+        <p:spPr bwMode="auto">
+          <a:xfrm>
+            <a:off x="203200" y="6400800"/>
+            <a:ext cx="2133600" cy="365125"/>
+          </a:xfrm>
+          <a:noFill/>
+          <a:extLst>
+            <a:ext uri="{909E8E84-426E-40dd-AFC4-6F175D3DCCD1}">
+              <a14:hiddenFill xmlns:a14="http://schemas.microsoft.com/office/drawing/2010/main">
+                <a:solidFill>
+                  <a:srgbClr val="FFFFFF"/>
+                </a:solidFill>
+              </a14:hiddenFill>
+            </a:ext>
+            <a:ext uri="{91240B29-F687-4f45-9708-019B960494DF}">
+              <a14:hiddenLine xmlns:a14="http://schemas.microsoft.com/office/drawing/2010/main" w="9525">
+                <a:solidFill>
+                  <a:srgbClr val="000000"/>
+                </a:solidFill>
+                <a:miter lim="800000"/>
+                <a:headEnd/>
+                <a:tailEnd/>
+              </a14:hiddenLine>
+            </a:ext>
+          </a:extLst>
+        </p:spPr>
+        <p:txBody>
+          <a:bodyPr vert="horz" wrap="square" lIns="91440" tIns="45720" rIns="91440" bIns="45720" numCol="1" anchor="ctr" anchorCtr="0" compatLnSpc="1">
+            <a:prstTxWarp prst="textNoShape">
+              <a:avLst/>
+            </a:prstTxWarp>
+          </a:bodyPr>
+          <a:lstStyle>
+            <a:lvl1pPr eaLnBrk="0" hangingPunct="0">
+              <a:defRPr sz="2400">
+                <a:solidFill>
+                  <a:schemeClr val="tx1"/>
+                </a:solidFill>
+                <a:latin typeface="Trebuchet MS" charset="0"/>
+                <a:ea typeface="ＭＳ Ｐゴシック" charset="0"/>
+                <a:cs typeface="ＭＳ Ｐゴシック" charset="0"/>
+              </a:defRPr>
+            </a:lvl1pPr>
+            <a:lvl2pPr marL="742950" indent="-285750" eaLnBrk="0" hangingPunct="0">
+              <a:defRPr sz="2400">
+                <a:solidFill>
+                  <a:schemeClr val="tx1"/>
+                </a:solidFill>
+                <a:latin typeface="Trebuchet MS" charset="0"/>
+                <a:ea typeface="ＭＳ Ｐゴシック" charset="0"/>
+              </a:defRPr>
+            </a:lvl2pPr>
+            <a:lvl3pPr marL="1143000" indent="-228600" eaLnBrk="0" hangingPunct="0">
+              <a:defRPr sz="2400">
+                <a:solidFill>
+                  <a:schemeClr val="tx1"/>
+                </a:solidFill>
+                <a:latin typeface="Trebuchet MS" charset="0"/>
+                <a:ea typeface="ＭＳ Ｐゴシック" charset="0"/>
+              </a:defRPr>
+            </a:lvl3pPr>
+            <a:lvl4pPr marL="1600200" indent="-228600" eaLnBrk="0" hangingPunct="0">
+              <a:defRPr sz="2400">
+                <a:solidFill>
+                  <a:schemeClr val="tx1"/>
+                </a:solidFill>
+                <a:latin typeface="Trebuchet MS" charset="0"/>
+                <a:ea typeface="ＭＳ Ｐゴシック" charset="0"/>
+              </a:defRPr>
+            </a:lvl4pPr>
+            <a:lvl5pPr marL="2057400" indent="-228600" eaLnBrk="0" hangingPunct="0">
+              <a:defRPr sz="2400">
+                <a:solidFill>
+                  <a:schemeClr val="tx1"/>
+                </a:solidFill>
+                <a:latin typeface="Trebuchet MS" charset="0"/>
+                <a:ea typeface="ＭＳ Ｐゴシック" charset="0"/>
+              </a:defRPr>
+            </a:lvl5pPr>
+            <a:lvl6pPr marL="2514600" indent="-228600" eaLnBrk="0" fontAlgn="base" hangingPunct="0">
+              <a:spcBef>
+                <a:spcPct val="0"/>
+              </a:spcBef>
+              <a:spcAft>
+                <a:spcPct val="0"/>
+              </a:spcAft>
+              <a:defRPr sz="2400">
+                <a:solidFill>
+                  <a:schemeClr val="tx1"/>
+                </a:solidFill>
+                <a:latin typeface="Trebuchet MS" charset="0"/>
+                <a:ea typeface="ＭＳ Ｐゴシック" charset="0"/>
+              </a:defRPr>
+            </a:lvl6pPr>
+            <a:lvl7pPr marL="2971800" indent="-228600" eaLnBrk="0" fontAlgn="base" hangingPunct="0">
+              <a:spcBef>
+                <a:spcPct val="0"/>
+              </a:spcBef>
+              <a:spcAft>
+                <a:spcPct val="0"/>
+              </a:spcAft>
+              <a:defRPr sz="2400">
+                <a:solidFill>
+                  <a:schemeClr val="tx1"/>
+                </a:solidFill>
+                <a:latin typeface="Trebuchet MS" charset="0"/>
+                <a:ea typeface="ＭＳ Ｐゴシック" charset="0"/>
+              </a:defRPr>
+            </a:lvl7pPr>
+            <a:lvl8pPr marL="3429000" indent="-228600" eaLnBrk="0" fontAlgn="base" hangingPunct="0">
+              <a:spcBef>
+                <a:spcPct val="0"/>
+              </a:spcBef>
+              <a:spcAft>
+                <a:spcPct val="0"/>
+              </a:spcAft>
+              <a:defRPr sz="2400">
+                <a:solidFill>
+                  <a:schemeClr val="tx1"/>
+                </a:solidFill>
+                <a:latin typeface="Trebuchet MS" charset="0"/>
+                <a:ea typeface="ＭＳ Ｐゴシック" charset="0"/>
+              </a:defRPr>
+            </a:lvl8pPr>
+            <a:lvl9pPr marL="3886200" indent="-228600" eaLnBrk="0" fontAlgn="base" hangingPunct="0">
+              <a:spcBef>
+                <a:spcPct val="0"/>
+              </a:spcBef>
+              <a:spcAft>
+                <a:spcPct val="0"/>
+              </a:spcAft>
+              <a:defRPr sz="2400">
+                <a:solidFill>
+                  <a:schemeClr val="tx1"/>
+                </a:solidFill>
+                <a:latin typeface="Trebuchet MS" charset="0"/>
+                <a:ea typeface="ＭＳ Ｐゴシック" charset="0"/>
+              </a:defRPr>
+            </a:lvl9pPr>
+          </a:lstStyle>
+          <a:p>
+            <a:pPr algn="l" eaLnBrk="1" hangingPunct="1"/>
+            <a:r>
+              <a:rPr lang="en-US" sz="1200" b="1" dirty="0" smtClean="0">
+                <a:solidFill>
+                  <a:srgbClr val="122956"/>
+                </a:solidFill>
+                <a:cs typeface="Trebuchet MS" charset="0"/>
+              </a:rPr>
+              <a:t>12-</a:t>
+            </a:r>
+            <a:fld id="{31B56995-E14C-B64F-86C9-12D6DB74A41E}" type="slidenum">
+              <a:rPr lang="en-US" sz="1200" b="1">
+                <a:solidFill>
+                  <a:srgbClr val="122956"/>
+                </a:solidFill>
+                <a:cs typeface="Trebuchet MS" charset="0"/>
+              </a:rPr>
+              <a:pPr algn="l" eaLnBrk="1" hangingPunct="1"/>
+              <a:t>3</a:t>
+            </a:fld>
+            <a:endParaRPr lang="en-US" sz="1200" b="1" dirty="0">
+              <a:solidFill>
+                <a:srgbClr val="122956"/>
+              </a:solidFill>
+              <a:cs typeface="Trebuchet MS" charset="0"/>
+            </a:endParaRPr>
+          </a:p>
+        </p:txBody>
+      </p:sp>
     </p:spTree>
     <p:extLst>
       <p:ext uri="{BB962C8B-B14F-4D97-AF65-F5344CB8AC3E}">
@@ -10305,6 +12318,186 @@
               <a:latin typeface="Trebuchet MS" charset="0"/>
               <a:ea typeface="ヒラギノ角ゴ ProN W3" charset="0"/>
               <a:cs typeface="ヒラギノ角ゴ ProN W3" charset="0"/>
+            </a:endParaRPr>
+          </a:p>
+        </p:txBody>
+      </p:sp>
+      <p:sp>
+        <p:nvSpPr>
+          <p:cNvPr id="7" name="Slide Number Placeholder 5"/>
+          <p:cNvSpPr>
+            <a:spLocks noGrp="1"/>
+          </p:cNvSpPr>
+          <p:nvPr>
+            <p:ph type="sldNum" sz="quarter" idx="12"/>
+          </p:nvPr>
+        </p:nvSpPr>
+        <p:spPr bwMode="auto">
+          <a:xfrm>
+            <a:off x="203200" y="6400800"/>
+            <a:ext cx="2133600" cy="365125"/>
+          </a:xfrm>
+          <a:noFill/>
+          <a:extLst>
+            <a:ext uri="{909E8E84-426E-40dd-AFC4-6F175D3DCCD1}">
+              <a14:hiddenFill xmlns:a14="http://schemas.microsoft.com/office/drawing/2010/main">
+                <a:solidFill>
+                  <a:srgbClr val="FFFFFF"/>
+                </a:solidFill>
+              </a14:hiddenFill>
+            </a:ext>
+            <a:ext uri="{91240B29-F687-4f45-9708-019B960494DF}">
+              <a14:hiddenLine xmlns:a14="http://schemas.microsoft.com/office/drawing/2010/main" w="9525">
+                <a:solidFill>
+                  <a:srgbClr val="000000"/>
+                </a:solidFill>
+                <a:miter lim="800000"/>
+                <a:headEnd/>
+                <a:tailEnd/>
+              </a14:hiddenLine>
+            </a:ext>
+          </a:extLst>
+        </p:spPr>
+        <p:txBody>
+          <a:bodyPr vert="horz" wrap="square" lIns="91440" tIns="45720" rIns="91440" bIns="45720" numCol="1" anchor="ctr" anchorCtr="0" compatLnSpc="1">
+            <a:prstTxWarp prst="textNoShape">
+              <a:avLst/>
+            </a:prstTxWarp>
+          </a:bodyPr>
+          <a:lstStyle>
+            <a:lvl1pPr eaLnBrk="0" hangingPunct="0">
+              <a:defRPr sz="2400">
+                <a:solidFill>
+                  <a:schemeClr val="tx1"/>
+                </a:solidFill>
+                <a:latin typeface="Trebuchet MS" charset="0"/>
+                <a:ea typeface="ＭＳ Ｐゴシック" charset="0"/>
+                <a:cs typeface="ＭＳ Ｐゴシック" charset="0"/>
+              </a:defRPr>
+            </a:lvl1pPr>
+            <a:lvl2pPr marL="742950" indent="-285750" eaLnBrk="0" hangingPunct="0">
+              <a:defRPr sz="2400">
+                <a:solidFill>
+                  <a:schemeClr val="tx1"/>
+                </a:solidFill>
+                <a:latin typeface="Trebuchet MS" charset="0"/>
+                <a:ea typeface="ＭＳ Ｐゴシック" charset="0"/>
+              </a:defRPr>
+            </a:lvl2pPr>
+            <a:lvl3pPr marL="1143000" indent="-228600" eaLnBrk="0" hangingPunct="0">
+              <a:defRPr sz="2400">
+                <a:solidFill>
+                  <a:schemeClr val="tx1"/>
+                </a:solidFill>
+                <a:latin typeface="Trebuchet MS" charset="0"/>
+                <a:ea typeface="ＭＳ Ｐゴシック" charset="0"/>
+              </a:defRPr>
+            </a:lvl3pPr>
+            <a:lvl4pPr marL="1600200" indent="-228600" eaLnBrk="0" hangingPunct="0">
+              <a:defRPr sz="2400">
+                <a:solidFill>
+                  <a:schemeClr val="tx1"/>
+                </a:solidFill>
+                <a:latin typeface="Trebuchet MS" charset="0"/>
+                <a:ea typeface="ＭＳ Ｐゴシック" charset="0"/>
+              </a:defRPr>
+            </a:lvl4pPr>
+            <a:lvl5pPr marL="2057400" indent="-228600" eaLnBrk="0" hangingPunct="0">
+              <a:defRPr sz="2400">
+                <a:solidFill>
+                  <a:schemeClr val="tx1"/>
+                </a:solidFill>
+                <a:latin typeface="Trebuchet MS" charset="0"/>
+                <a:ea typeface="ＭＳ Ｐゴシック" charset="0"/>
+              </a:defRPr>
+            </a:lvl5pPr>
+            <a:lvl6pPr marL="2514600" indent="-228600" eaLnBrk="0" fontAlgn="base" hangingPunct="0">
+              <a:spcBef>
+                <a:spcPct val="0"/>
+              </a:spcBef>
+              <a:spcAft>
+                <a:spcPct val="0"/>
+              </a:spcAft>
+              <a:defRPr sz="2400">
+                <a:solidFill>
+                  <a:schemeClr val="tx1"/>
+                </a:solidFill>
+                <a:latin typeface="Trebuchet MS" charset="0"/>
+                <a:ea typeface="ＭＳ Ｐゴシック" charset="0"/>
+              </a:defRPr>
+            </a:lvl6pPr>
+            <a:lvl7pPr marL="2971800" indent="-228600" eaLnBrk="0" fontAlgn="base" hangingPunct="0">
+              <a:spcBef>
+                <a:spcPct val="0"/>
+              </a:spcBef>
+              <a:spcAft>
+                <a:spcPct val="0"/>
+              </a:spcAft>
+              <a:defRPr sz="2400">
+                <a:solidFill>
+                  <a:schemeClr val="tx1"/>
+                </a:solidFill>
+                <a:latin typeface="Trebuchet MS" charset="0"/>
+                <a:ea typeface="ＭＳ Ｐゴシック" charset="0"/>
+              </a:defRPr>
+            </a:lvl7pPr>
+            <a:lvl8pPr marL="3429000" indent="-228600" eaLnBrk="0" fontAlgn="base" hangingPunct="0">
+              <a:spcBef>
+                <a:spcPct val="0"/>
+              </a:spcBef>
+              <a:spcAft>
+                <a:spcPct val="0"/>
+              </a:spcAft>
+              <a:defRPr sz="2400">
+                <a:solidFill>
+                  <a:schemeClr val="tx1"/>
+                </a:solidFill>
+                <a:latin typeface="Trebuchet MS" charset="0"/>
+                <a:ea typeface="ＭＳ Ｐゴシック" charset="0"/>
+              </a:defRPr>
+            </a:lvl8pPr>
+            <a:lvl9pPr marL="3886200" indent="-228600" eaLnBrk="0" fontAlgn="base" hangingPunct="0">
+              <a:spcBef>
+                <a:spcPct val="0"/>
+              </a:spcBef>
+              <a:spcAft>
+                <a:spcPct val="0"/>
+              </a:spcAft>
+              <a:defRPr sz="2400">
+                <a:solidFill>
+                  <a:schemeClr val="tx1"/>
+                </a:solidFill>
+                <a:latin typeface="Trebuchet MS" charset="0"/>
+                <a:ea typeface="ＭＳ Ｐゴシック" charset="0"/>
+              </a:defRPr>
+            </a:lvl9pPr>
+          </a:lstStyle>
+          <a:p>
+            <a:pPr algn="l" eaLnBrk="1" hangingPunct="1"/>
+            <a:r>
+              <a:rPr lang="en-US" sz="1200" b="1" dirty="0" smtClean="0">
+                <a:solidFill>
+                  <a:srgbClr val="122956"/>
+                </a:solidFill>
+                <a:cs typeface="Trebuchet MS" charset="0"/>
+              </a:rPr>
+              <a:t>12-</a:t>
+            </a:r>
+            <a:fld id="{31B56995-E14C-B64F-86C9-12D6DB74A41E}" type="slidenum">
+              <a:rPr lang="en-US" sz="1200" b="1">
+                <a:solidFill>
+                  <a:srgbClr val="122956"/>
+                </a:solidFill>
+                <a:cs typeface="Trebuchet MS" charset="0"/>
+              </a:rPr>
+              <a:pPr algn="l" eaLnBrk="1" hangingPunct="1"/>
+              <a:t>4</a:t>
+            </a:fld>
+            <a:endParaRPr lang="en-US" sz="1200" b="1" dirty="0">
+              <a:solidFill>
+                <a:srgbClr val="122956"/>
+              </a:solidFill>
+              <a:cs typeface="Trebuchet MS" charset="0"/>
             </a:endParaRPr>
           </a:p>
         </p:txBody>
@@ -10446,6 +12639,186 @@
           </a:p>
         </p:txBody>
       </p:sp>
+      <p:sp>
+        <p:nvSpPr>
+          <p:cNvPr id="4" name="Slide Number Placeholder 5"/>
+          <p:cNvSpPr>
+            <a:spLocks noGrp="1"/>
+          </p:cNvSpPr>
+          <p:nvPr>
+            <p:ph type="sldNum" sz="quarter" idx="12"/>
+          </p:nvPr>
+        </p:nvSpPr>
+        <p:spPr bwMode="auto">
+          <a:xfrm>
+            <a:off x="203200" y="6400800"/>
+            <a:ext cx="2133600" cy="365125"/>
+          </a:xfrm>
+          <a:noFill/>
+          <a:extLst>
+            <a:ext uri="{909E8E84-426E-40dd-AFC4-6F175D3DCCD1}">
+              <a14:hiddenFill xmlns:a14="http://schemas.microsoft.com/office/drawing/2010/main">
+                <a:solidFill>
+                  <a:srgbClr val="FFFFFF"/>
+                </a:solidFill>
+              </a14:hiddenFill>
+            </a:ext>
+            <a:ext uri="{91240B29-F687-4f45-9708-019B960494DF}">
+              <a14:hiddenLine xmlns:a14="http://schemas.microsoft.com/office/drawing/2010/main" w="9525">
+                <a:solidFill>
+                  <a:srgbClr val="000000"/>
+                </a:solidFill>
+                <a:miter lim="800000"/>
+                <a:headEnd/>
+                <a:tailEnd/>
+              </a14:hiddenLine>
+            </a:ext>
+          </a:extLst>
+        </p:spPr>
+        <p:txBody>
+          <a:bodyPr vert="horz" wrap="square" lIns="91440" tIns="45720" rIns="91440" bIns="45720" numCol="1" anchor="ctr" anchorCtr="0" compatLnSpc="1">
+            <a:prstTxWarp prst="textNoShape">
+              <a:avLst/>
+            </a:prstTxWarp>
+          </a:bodyPr>
+          <a:lstStyle>
+            <a:lvl1pPr eaLnBrk="0" hangingPunct="0">
+              <a:defRPr sz="2400">
+                <a:solidFill>
+                  <a:schemeClr val="tx1"/>
+                </a:solidFill>
+                <a:latin typeface="Trebuchet MS" charset="0"/>
+                <a:ea typeface="ＭＳ Ｐゴシック" charset="0"/>
+                <a:cs typeface="ＭＳ Ｐゴシック" charset="0"/>
+              </a:defRPr>
+            </a:lvl1pPr>
+            <a:lvl2pPr marL="742950" indent="-285750" eaLnBrk="0" hangingPunct="0">
+              <a:defRPr sz="2400">
+                <a:solidFill>
+                  <a:schemeClr val="tx1"/>
+                </a:solidFill>
+                <a:latin typeface="Trebuchet MS" charset="0"/>
+                <a:ea typeface="ＭＳ Ｐゴシック" charset="0"/>
+              </a:defRPr>
+            </a:lvl2pPr>
+            <a:lvl3pPr marL="1143000" indent="-228600" eaLnBrk="0" hangingPunct="0">
+              <a:defRPr sz="2400">
+                <a:solidFill>
+                  <a:schemeClr val="tx1"/>
+                </a:solidFill>
+                <a:latin typeface="Trebuchet MS" charset="0"/>
+                <a:ea typeface="ＭＳ Ｐゴシック" charset="0"/>
+              </a:defRPr>
+            </a:lvl3pPr>
+            <a:lvl4pPr marL="1600200" indent="-228600" eaLnBrk="0" hangingPunct="0">
+              <a:defRPr sz="2400">
+                <a:solidFill>
+                  <a:schemeClr val="tx1"/>
+                </a:solidFill>
+                <a:latin typeface="Trebuchet MS" charset="0"/>
+                <a:ea typeface="ＭＳ Ｐゴシック" charset="0"/>
+              </a:defRPr>
+            </a:lvl4pPr>
+            <a:lvl5pPr marL="2057400" indent="-228600" eaLnBrk="0" hangingPunct="0">
+              <a:defRPr sz="2400">
+                <a:solidFill>
+                  <a:schemeClr val="tx1"/>
+                </a:solidFill>
+                <a:latin typeface="Trebuchet MS" charset="0"/>
+                <a:ea typeface="ＭＳ Ｐゴシック" charset="0"/>
+              </a:defRPr>
+            </a:lvl5pPr>
+            <a:lvl6pPr marL="2514600" indent="-228600" eaLnBrk="0" fontAlgn="base" hangingPunct="0">
+              <a:spcBef>
+                <a:spcPct val="0"/>
+              </a:spcBef>
+              <a:spcAft>
+                <a:spcPct val="0"/>
+              </a:spcAft>
+              <a:defRPr sz="2400">
+                <a:solidFill>
+                  <a:schemeClr val="tx1"/>
+                </a:solidFill>
+                <a:latin typeface="Trebuchet MS" charset="0"/>
+                <a:ea typeface="ＭＳ Ｐゴシック" charset="0"/>
+              </a:defRPr>
+            </a:lvl6pPr>
+            <a:lvl7pPr marL="2971800" indent="-228600" eaLnBrk="0" fontAlgn="base" hangingPunct="0">
+              <a:spcBef>
+                <a:spcPct val="0"/>
+              </a:spcBef>
+              <a:spcAft>
+                <a:spcPct val="0"/>
+              </a:spcAft>
+              <a:defRPr sz="2400">
+                <a:solidFill>
+                  <a:schemeClr val="tx1"/>
+                </a:solidFill>
+                <a:latin typeface="Trebuchet MS" charset="0"/>
+                <a:ea typeface="ＭＳ Ｐゴシック" charset="0"/>
+              </a:defRPr>
+            </a:lvl7pPr>
+            <a:lvl8pPr marL="3429000" indent="-228600" eaLnBrk="0" fontAlgn="base" hangingPunct="0">
+              <a:spcBef>
+                <a:spcPct val="0"/>
+              </a:spcBef>
+              <a:spcAft>
+                <a:spcPct val="0"/>
+              </a:spcAft>
+              <a:defRPr sz="2400">
+                <a:solidFill>
+                  <a:schemeClr val="tx1"/>
+                </a:solidFill>
+                <a:latin typeface="Trebuchet MS" charset="0"/>
+                <a:ea typeface="ＭＳ Ｐゴシック" charset="0"/>
+              </a:defRPr>
+            </a:lvl8pPr>
+            <a:lvl9pPr marL="3886200" indent="-228600" eaLnBrk="0" fontAlgn="base" hangingPunct="0">
+              <a:spcBef>
+                <a:spcPct val="0"/>
+              </a:spcBef>
+              <a:spcAft>
+                <a:spcPct val="0"/>
+              </a:spcAft>
+              <a:defRPr sz="2400">
+                <a:solidFill>
+                  <a:schemeClr val="tx1"/>
+                </a:solidFill>
+                <a:latin typeface="Trebuchet MS" charset="0"/>
+                <a:ea typeface="ＭＳ Ｐゴシック" charset="0"/>
+              </a:defRPr>
+            </a:lvl9pPr>
+          </a:lstStyle>
+          <a:p>
+            <a:pPr algn="l" eaLnBrk="1" hangingPunct="1"/>
+            <a:r>
+              <a:rPr lang="en-US" sz="1200" b="1" dirty="0" smtClean="0">
+                <a:solidFill>
+                  <a:srgbClr val="122956"/>
+                </a:solidFill>
+                <a:cs typeface="Trebuchet MS" charset="0"/>
+              </a:rPr>
+              <a:t>12-</a:t>
+            </a:r>
+            <a:fld id="{31B56995-E14C-B64F-86C9-12D6DB74A41E}" type="slidenum">
+              <a:rPr lang="en-US" sz="1200" b="1">
+                <a:solidFill>
+                  <a:srgbClr val="122956"/>
+                </a:solidFill>
+                <a:cs typeface="Trebuchet MS" charset="0"/>
+              </a:rPr>
+              <a:pPr algn="l" eaLnBrk="1" hangingPunct="1"/>
+              <a:t>5</a:t>
+            </a:fld>
+            <a:endParaRPr lang="en-US" sz="1200" b="1" dirty="0">
+              <a:solidFill>
+                <a:srgbClr val="122956"/>
+              </a:solidFill>
+              <a:cs typeface="Trebuchet MS" charset="0"/>
+            </a:endParaRPr>
+          </a:p>
+        </p:txBody>
+      </p:sp>
     </p:spTree>
     <p:extLst>
       <p:ext uri="{BB962C8B-B14F-4D97-AF65-F5344CB8AC3E}">
@@ -10782,6 +13155,186 @@
           </a:prstGeom>
         </p:spPr>
       </p:pic>
+      <p:sp>
+        <p:nvSpPr>
+          <p:cNvPr id="8" name="Slide Number Placeholder 5"/>
+          <p:cNvSpPr>
+            <a:spLocks noGrp="1"/>
+          </p:cNvSpPr>
+          <p:nvPr>
+            <p:ph type="sldNum" sz="quarter" idx="12"/>
+          </p:nvPr>
+        </p:nvSpPr>
+        <p:spPr bwMode="auto">
+          <a:xfrm>
+            <a:off x="203200" y="6400800"/>
+            <a:ext cx="2133600" cy="365125"/>
+          </a:xfrm>
+          <a:noFill/>
+          <a:extLst>
+            <a:ext uri="{909E8E84-426E-40dd-AFC4-6F175D3DCCD1}">
+              <a14:hiddenFill xmlns:a14="http://schemas.microsoft.com/office/drawing/2010/main">
+                <a:solidFill>
+                  <a:srgbClr val="FFFFFF"/>
+                </a:solidFill>
+              </a14:hiddenFill>
+            </a:ext>
+            <a:ext uri="{91240B29-F687-4f45-9708-019B960494DF}">
+              <a14:hiddenLine xmlns:a14="http://schemas.microsoft.com/office/drawing/2010/main" w="9525">
+                <a:solidFill>
+                  <a:srgbClr val="000000"/>
+                </a:solidFill>
+                <a:miter lim="800000"/>
+                <a:headEnd/>
+                <a:tailEnd/>
+              </a14:hiddenLine>
+            </a:ext>
+          </a:extLst>
+        </p:spPr>
+        <p:txBody>
+          <a:bodyPr vert="horz" wrap="square" lIns="91440" tIns="45720" rIns="91440" bIns="45720" numCol="1" anchor="ctr" anchorCtr="0" compatLnSpc="1">
+            <a:prstTxWarp prst="textNoShape">
+              <a:avLst/>
+            </a:prstTxWarp>
+          </a:bodyPr>
+          <a:lstStyle>
+            <a:lvl1pPr eaLnBrk="0" hangingPunct="0">
+              <a:defRPr sz="2400">
+                <a:solidFill>
+                  <a:schemeClr val="tx1"/>
+                </a:solidFill>
+                <a:latin typeface="Trebuchet MS" charset="0"/>
+                <a:ea typeface="ＭＳ Ｐゴシック" charset="0"/>
+                <a:cs typeface="ＭＳ Ｐゴシック" charset="0"/>
+              </a:defRPr>
+            </a:lvl1pPr>
+            <a:lvl2pPr marL="742950" indent="-285750" eaLnBrk="0" hangingPunct="0">
+              <a:defRPr sz="2400">
+                <a:solidFill>
+                  <a:schemeClr val="tx1"/>
+                </a:solidFill>
+                <a:latin typeface="Trebuchet MS" charset="0"/>
+                <a:ea typeface="ＭＳ Ｐゴシック" charset="0"/>
+              </a:defRPr>
+            </a:lvl2pPr>
+            <a:lvl3pPr marL="1143000" indent="-228600" eaLnBrk="0" hangingPunct="0">
+              <a:defRPr sz="2400">
+                <a:solidFill>
+                  <a:schemeClr val="tx1"/>
+                </a:solidFill>
+                <a:latin typeface="Trebuchet MS" charset="0"/>
+                <a:ea typeface="ＭＳ Ｐゴシック" charset="0"/>
+              </a:defRPr>
+            </a:lvl3pPr>
+            <a:lvl4pPr marL="1600200" indent="-228600" eaLnBrk="0" hangingPunct="0">
+              <a:defRPr sz="2400">
+                <a:solidFill>
+                  <a:schemeClr val="tx1"/>
+                </a:solidFill>
+                <a:latin typeface="Trebuchet MS" charset="0"/>
+                <a:ea typeface="ＭＳ Ｐゴシック" charset="0"/>
+              </a:defRPr>
+            </a:lvl4pPr>
+            <a:lvl5pPr marL="2057400" indent="-228600" eaLnBrk="0" hangingPunct="0">
+              <a:defRPr sz="2400">
+                <a:solidFill>
+                  <a:schemeClr val="tx1"/>
+                </a:solidFill>
+                <a:latin typeface="Trebuchet MS" charset="0"/>
+                <a:ea typeface="ＭＳ Ｐゴシック" charset="0"/>
+              </a:defRPr>
+            </a:lvl5pPr>
+            <a:lvl6pPr marL="2514600" indent="-228600" eaLnBrk="0" fontAlgn="base" hangingPunct="0">
+              <a:spcBef>
+                <a:spcPct val="0"/>
+              </a:spcBef>
+              <a:spcAft>
+                <a:spcPct val="0"/>
+              </a:spcAft>
+              <a:defRPr sz="2400">
+                <a:solidFill>
+                  <a:schemeClr val="tx1"/>
+                </a:solidFill>
+                <a:latin typeface="Trebuchet MS" charset="0"/>
+                <a:ea typeface="ＭＳ Ｐゴシック" charset="0"/>
+              </a:defRPr>
+            </a:lvl6pPr>
+            <a:lvl7pPr marL="2971800" indent="-228600" eaLnBrk="0" fontAlgn="base" hangingPunct="0">
+              <a:spcBef>
+                <a:spcPct val="0"/>
+              </a:spcBef>
+              <a:spcAft>
+                <a:spcPct val="0"/>
+              </a:spcAft>
+              <a:defRPr sz="2400">
+                <a:solidFill>
+                  <a:schemeClr val="tx1"/>
+                </a:solidFill>
+                <a:latin typeface="Trebuchet MS" charset="0"/>
+                <a:ea typeface="ＭＳ Ｐゴシック" charset="0"/>
+              </a:defRPr>
+            </a:lvl7pPr>
+            <a:lvl8pPr marL="3429000" indent="-228600" eaLnBrk="0" fontAlgn="base" hangingPunct="0">
+              <a:spcBef>
+                <a:spcPct val="0"/>
+              </a:spcBef>
+              <a:spcAft>
+                <a:spcPct val="0"/>
+              </a:spcAft>
+              <a:defRPr sz="2400">
+                <a:solidFill>
+                  <a:schemeClr val="tx1"/>
+                </a:solidFill>
+                <a:latin typeface="Trebuchet MS" charset="0"/>
+                <a:ea typeface="ＭＳ Ｐゴシック" charset="0"/>
+              </a:defRPr>
+            </a:lvl8pPr>
+            <a:lvl9pPr marL="3886200" indent="-228600" eaLnBrk="0" fontAlgn="base" hangingPunct="0">
+              <a:spcBef>
+                <a:spcPct val="0"/>
+              </a:spcBef>
+              <a:spcAft>
+                <a:spcPct val="0"/>
+              </a:spcAft>
+              <a:defRPr sz="2400">
+                <a:solidFill>
+                  <a:schemeClr val="tx1"/>
+                </a:solidFill>
+                <a:latin typeface="Trebuchet MS" charset="0"/>
+                <a:ea typeface="ＭＳ Ｐゴシック" charset="0"/>
+              </a:defRPr>
+            </a:lvl9pPr>
+          </a:lstStyle>
+          <a:p>
+            <a:pPr algn="l" eaLnBrk="1" hangingPunct="1"/>
+            <a:r>
+              <a:rPr lang="en-US" sz="1200" b="1" dirty="0" smtClean="0">
+                <a:solidFill>
+                  <a:srgbClr val="122956"/>
+                </a:solidFill>
+                <a:cs typeface="Trebuchet MS" charset="0"/>
+              </a:rPr>
+              <a:t>12-</a:t>
+            </a:r>
+            <a:fld id="{31B56995-E14C-B64F-86C9-12D6DB74A41E}" type="slidenum">
+              <a:rPr lang="en-US" sz="1200" b="1">
+                <a:solidFill>
+                  <a:srgbClr val="122956"/>
+                </a:solidFill>
+                <a:cs typeface="Trebuchet MS" charset="0"/>
+              </a:rPr>
+              <a:pPr algn="l" eaLnBrk="1" hangingPunct="1"/>
+              <a:t>6</a:t>
+            </a:fld>
+            <a:endParaRPr lang="en-US" sz="1200" b="1" dirty="0">
+              <a:solidFill>
+                <a:srgbClr val="122956"/>
+              </a:solidFill>
+              <a:cs typeface="Trebuchet MS" charset="0"/>
+            </a:endParaRPr>
+          </a:p>
+        </p:txBody>
+      </p:sp>
     </p:spTree>
     <p:extLst>
       <p:ext uri="{BB962C8B-B14F-4D97-AF65-F5344CB8AC3E}">
@@ -11118,6 +13671,186 @@
           </a:prstGeom>
         </p:spPr>
       </p:pic>
+      <p:sp>
+        <p:nvSpPr>
+          <p:cNvPr id="8" name="Slide Number Placeholder 5"/>
+          <p:cNvSpPr>
+            <a:spLocks noGrp="1"/>
+          </p:cNvSpPr>
+          <p:nvPr>
+            <p:ph type="sldNum" sz="quarter" idx="12"/>
+          </p:nvPr>
+        </p:nvSpPr>
+        <p:spPr bwMode="auto">
+          <a:xfrm>
+            <a:off x="203200" y="6400800"/>
+            <a:ext cx="2133600" cy="365125"/>
+          </a:xfrm>
+          <a:noFill/>
+          <a:extLst>
+            <a:ext uri="{909E8E84-426E-40dd-AFC4-6F175D3DCCD1}">
+              <a14:hiddenFill xmlns:a14="http://schemas.microsoft.com/office/drawing/2010/main">
+                <a:solidFill>
+                  <a:srgbClr val="FFFFFF"/>
+                </a:solidFill>
+              </a14:hiddenFill>
+            </a:ext>
+            <a:ext uri="{91240B29-F687-4f45-9708-019B960494DF}">
+              <a14:hiddenLine xmlns:a14="http://schemas.microsoft.com/office/drawing/2010/main" w="9525">
+                <a:solidFill>
+                  <a:srgbClr val="000000"/>
+                </a:solidFill>
+                <a:miter lim="800000"/>
+                <a:headEnd/>
+                <a:tailEnd/>
+              </a14:hiddenLine>
+            </a:ext>
+          </a:extLst>
+        </p:spPr>
+        <p:txBody>
+          <a:bodyPr vert="horz" wrap="square" lIns="91440" tIns="45720" rIns="91440" bIns="45720" numCol="1" anchor="ctr" anchorCtr="0" compatLnSpc="1">
+            <a:prstTxWarp prst="textNoShape">
+              <a:avLst/>
+            </a:prstTxWarp>
+          </a:bodyPr>
+          <a:lstStyle>
+            <a:lvl1pPr eaLnBrk="0" hangingPunct="0">
+              <a:defRPr sz="2400">
+                <a:solidFill>
+                  <a:schemeClr val="tx1"/>
+                </a:solidFill>
+                <a:latin typeface="Trebuchet MS" charset="0"/>
+                <a:ea typeface="ＭＳ Ｐゴシック" charset="0"/>
+                <a:cs typeface="ＭＳ Ｐゴシック" charset="0"/>
+              </a:defRPr>
+            </a:lvl1pPr>
+            <a:lvl2pPr marL="742950" indent="-285750" eaLnBrk="0" hangingPunct="0">
+              <a:defRPr sz="2400">
+                <a:solidFill>
+                  <a:schemeClr val="tx1"/>
+                </a:solidFill>
+                <a:latin typeface="Trebuchet MS" charset="0"/>
+                <a:ea typeface="ＭＳ Ｐゴシック" charset="0"/>
+              </a:defRPr>
+            </a:lvl2pPr>
+            <a:lvl3pPr marL="1143000" indent="-228600" eaLnBrk="0" hangingPunct="0">
+              <a:defRPr sz="2400">
+                <a:solidFill>
+                  <a:schemeClr val="tx1"/>
+                </a:solidFill>
+                <a:latin typeface="Trebuchet MS" charset="0"/>
+                <a:ea typeface="ＭＳ Ｐゴシック" charset="0"/>
+              </a:defRPr>
+            </a:lvl3pPr>
+            <a:lvl4pPr marL="1600200" indent="-228600" eaLnBrk="0" hangingPunct="0">
+              <a:defRPr sz="2400">
+                <a:solidFill>
+                  <a:schemeClr val="tx1"/>
+                </a:solidFill>
+                <a:latin typeface="Trebuchet MS" charset="0"/>
+                <a:ea typeface="ＭＳ Ｐゴシック" charset="0"/>
+              </a:defRPr>
+            </a:lvl4pPr>
+            <a:lvl5pPr marL="2057400" indent="-228600" eaLnBrk="0" hangingPunct="0">
+              <a:defRPr sz="2400">
+                <a:solidFill>
+                  <a:schemeClr val="tx1"/>
+                </a:solidFill>
+                <a:latin typeface="Trebuchet MS" charset="0"/>
+                <a:ea typeface="ＭＳ Ｐゴシック" charset="0"/>
+              </a:defRPr>
+            </a:lvl5pPr>
+            <a:lvl6pPr marL="2514600" indent="-228600" eaLnBrk="0" fontAlgn="base" hangingPunct="0">
+              <a:spcBef>
+                <a:spcPct val="0"/>
+              </a:spcBef>
+              <a:spcAft>
+                <a:spcPct val="0"/>
+              </a:spcAft>
+              <a:defRPr sz="2400">
+                <a:solidFill>
+                  <a:schemeClr val="tx1"/>
+                </a:solidFill>
+                <a:latin typeface="Trebuchet MS" charset="0"/>
+                <a:ea typeface="ＭＳ Ｐゴシック" charset="0"/>
+              </a:defRPr>
+            </a:lvl6pPr>
+            <a:lvl7pPr marL="2971800" indent="-228600" eaLnBrk="0" fontAlgn="base" hangingPunct="0">
+              <a:spcBef>
+                <a:spcPct val="0"/>
+              </a:spcBef>
+              <a:spcAft>
+                <a:spcPct val="0"/>
+              </a:spcAft>
+              <a:defRPr sz="2400">
+                <a:solidFill>
+                  <a:schemeClr val="tx1"/>
+                </a:solidFill>
+                <a:latin typeface="Trebuchet MS" charset="0"/>
+                <a:ea typeface="ＭＳ Ｐゴシック" charset="0"/>
+              </a:defRPr>
+            </a:lvl7pPr>
+            <a:lvl8pPr marL="3429000" indent="-228600" eaLnBrk="0" fontAlgn="base" hangingPunct="0">
+              <a:spcBef>
+                <a:spcPct val="0"/>
+              </a:spcBef>
+              <a:spcAft>
+                <a:spcPct val="0"/>
+              </a:spcAft>
+              <a:defRPr sz="2400">
+                <a:solidFill>
+                  <a:schemeClr val="tx1"/>
+                </a:solidFill>
+                <a:latin typeface="Trebuchet MS" charset="0"/>
+                <a:ea typeface="ＭＳ Ｐゴシック" charset="0"/>
+              </a:defRPr>
+            </a:lvl8pPr>
+            <a:lvl9pPr marL="3886200" indent="-228600" eaLnBrk="0" fontAlgn="base" hangingPunct="0">
+              <a:spcBef>
+                <a:spcPct val="0"/>
+              </a:spcBef>
+              <a:spcAft>
+                <a:spcPct val="0"/>
+              </a:spcAft>
+              <a:defRPr sz="2400">
+                <a:solidFill>
+                  <a:schemeClr val="tx1"/>
+                </a:solidFill>
+                <a:latin typeface="Trebuchet MS" charset="0"/>
+                <a:ea typeface="ＭＳ Ｐゴシック" charset="0"/>
+              </a:defRPr>
+            </a:lvl9pPr>
+          </a:lstStyle>
+          <a:p>
+            <a:pPr algn="l" eaLnBrk="1" hangingPunct="1"/>
+            <a:r>
+              <a:rPr lang="en-US" sz="1200" b="1" dirty="0" smtClean="0">
+                <a:solidFill>
+                  <a:srgbClr val="122956"/>
+                </a:solidFill>
+                <a:cs typeface="Trebuchet MS" charset="0"/>
+              </a:rPr>
+              <a:t>12-</a:t>
+            </a:r>
+            <a:fld id="{31B56995-E14C-B64F-86C9-12D6DB74A41E}" type="slidenum">
+              <a:rPr lang="en-US" sz="1200" b="1">
+                <a:solidFill>
+                  <a:srgbClr val="122956"/>
+                </a:solidFill>
+                <a:cs typeface="Trebuchet MS" charset="0"/>
+              </a:rPr>
+              <a:pPr algn="l" eaLnBrk="1" hangingPunct="1"/>
+              <a:t>7</a:t>
+            </a:fld>
+            <a:endParaRPr lang="en-US" sz="1200" b="1" dirty="0">
+              <a:solidFill>
+                <a:srgbClr val="122956"/>
+              </a:solidFill>
+              <a:cs typeface="Trebuchet MS" charset="0"/>
+            </a:endParaRPr>
+          </a:p>
+        </p:txBody>
+      </p:sp>
     </p:spTree>
     <p:extLst>
       <p:ext uri="{BB962C8B-B14F-4D97-AF65-F5344CB8AC3E}">
@@ -11473,6 +14206,186 @@
           </a:prstGeom>
         </p:spPr>
       </p:pic>
+      <p:sp>
+        <p:nvSpPr>
+          <p:cNvPr id="8" name="Slide Number Placeholder 5"/>
+          <p:cNvSpPr>
+            <a:spLocks noGrp="1"/>
+          </p:cNvSpPr>
+          <p:nvPr>
+            <p:ph type="sldNum" sz="quarter" idx="12"/>
+          </p:nvPr>
+        </p:nvSpPr>
+        <p:spPr bwMode="auto">
+          <a:xfrm>
+            <a:off x="203200" y="6400800"/>
+            <a:ext cx="2133600" cy="365125"/>
+          </a:xfrm>
+          <a:noFill/>
+          <a:extLst>
+            <a:ext uri="{909E8E84-426E-40dd-AFC4-6F175D3DCCD1}">
+              <a14:hiddenFill xmlns:a14="http://schemas.microsoft.com/office/drawing/2010/main">
+                <a:solidFill>
+                  <a:srgbClr val="FFFFFF"/>
+                </a:solidFill>
+              </a14:hiddenFill>
+            </a:ext>
+            <a:ext uri="{91240B29-F687-4f45-9708-019B960494DF}">
+              <a14:hiddenLine xmlns:a14="http://schemas.microsoft.com/office/drawing/2010/main" w="9525">
+                <a:solidFill>
+                  <a:srgbClr val="000000"/>
+                </a:solidFill>
+                <a:miter lim="800000"/>
+                <a:headEnd/>
+                <a:tailEnd/>
+              </a14:hiddenLine>
+            </a:ext>
+          </a:extLst>
+        </p:spPr>
+        <p:txBody>
+          <a:bodyPr vert="horz" wrap="square" lIns="91440" tIns="45720" rIns="91440" bIns="45720" numCol="1" anchor="ctr" anchorCtr="0" compatLnSpc="1">
+            <a:prstTxWarp prst="textNoShape">
+              <a:avLst/>
+            </a:prstTxWarp>
+          </a:bodyPr>
+          <a:lstStyle>
+            <a:lvl1pPr eaLnBrk="0" hangingPunct="0">
+              <a:defRPr sz="2400">
+                <a:solidFill>
+                  <a:schemeClr val="tx1"/>
+                </a:solidFill>
+                <a:latin typeface="Trebuchet MS" charset="0"/>
+                <a:ea typeface="ＭＳ Ｐゴシック" charset="0"/>
+                <a:cs typeface="ＭＳ Ｐゴシック" charset="0"/>
+              </a:defRPr>
+            </a:lvl1pPr>
+            <a:lvl2pPr marL="742950" indent="-285750" eaLnBrk="0" hangingPunct="0">
+              <a:defRPr sz="2400">
+                <a:solidFill>
+                  <a:schemeClr val="tx1"/>
+                </a:solidFill>
+                <a:latin typeface="Trebuchet MS" charset="0"/>
+                <a:ea typeface="ＭＳ Ｐゴシック" charset="0"/>
+              </a:defRPr>
+            </a:lvl2pPr>
+            <a:lvl3pPr marL="1143000" indent="-228600" eaLnBrk="0" hangingPunct="0">
+              <a:defRPr sz="2400">
+                <a:solidFill>
+                  <a:schemeClr val="tx1"/>
+                </a:solidFill>
+                <a:latin typeface="Trebuchet MS" charset="0"/>
+                <a:ea typeface="ＭＳ Ｐゴシック" charset="0"/>
+              </a:defRPr>
+            </a:lvl3pPr>
+            <a:lvl4pPr marL="1600200" indent="-228600" eaLnBrk="0" hangingPunct="0">
+              <a:defRPr sz="2400">
+                <a:solidFill>
+                  <a:schemeClr val="tx1"/>
+                </a:solidFill>
+                <a:latin typeface="Trebuchet MS" charset="0"/>
+                <a:ea typeface="ＭＳ Ｐゴシック" charset="0"/>
+              </a:defRPr>
+            </a:lvl4pPr>
+            <a:lvl5pPr marL="2057400" indent="-228600" eaLnBrk="0" hangingPunct="0">
+              <a:defRPr sz="2400">
+                <a:solidFill>
+                  <a:schemeClr val="tx1"/>
+                </a:solidFill>
+                <a:latin typeface="Trebuchet MS" charset="0"/>
+                <a:ea typeface="ＭＳ Ｐゴシック" charset="0"/>
+              </a:defRPr>
+            </a:lvl5pPr>
+            <a:lvl6pPr marL="2514600" indent="-228600" eaLnBrk="0" fontAlgn="base" hangingPunct="0">
+              <a:spcBef>
+                <a:spcPct val="0"/>
+              </a:spcBef>
+              <a:spcAft>
+                <a:spcPct val="0"/>
+              </a:spcAft>
+              <a:defRPr sz="2400">
+                <a:solidFill>
+                  <a:schemeClr val="tx1"/>
+                </a:solidFill>
+                <a:latin typeface="Trebuchet MS" charset="0"/>
+                <a:ea typeface="ＭＳ Ｐゴシック" charset="0"/>
+              </a:defRPr>
+            </a:lvl6pPr>
+            <a:lvl7pPr marL="2971800" indent="-228600" eaLnBrk="0" fontAlgn="base" hangingPunct="0">
+              <a:spcBef>
+                <a:spcPct val="0"/>
+              </a:spcBef>
+              <a:spcAft>
+                <a:spcPct val="0"/>
+              </a:spcAft>
+              <a:defRPr sz="2400">
+                <a:solidFill>
+                  <a:schemeClr val="tx1"/>
+                </a:solidFill>
+                <a:latin typeface="Trebuchet MS" charset="0"/>
+                <a:ea typeface="ＭＳ Ｐゴシック" charset="0"/>
+              </a:defRPr>
+            </a:lvl7pPr>
+            <a:lvl8pPr marL="3429000" indent="-228600" eaLnBrk="0" fontAlgn="base" hangingPunct="0">
+              <a:spcBef>
+                <a:spcPct val="0"/>
+              </a:spcBef>
+              <a:spcAft>
+                <a:spcPct val="0"/>
+              </a:spcAft>
+              <a:defRPr sz="2400">
+                <a:solidFill>
+                  <a:schemeClr val="tx1"/>
+                </a:solidFill>
+                <a:latin typeface="Trebuchet MS" charset="0"/>
+                <a:ea typeface="ＭＳ Ｐゴシック" charset="0"/>
+              </a:defRPr>
+            </a:lvl8pPr>
+            <a:lvl9pPr marL="3886200" indent="-228600" eaLnBrk="0" fontAlgn="base" hangingPunct="0">
+              <a:spcBef>
+                <a:spcPct val="0"/>
+              </a:spcBef>
+              <a:spcAft>
+                <a:spcPct val="0"/>
+              </a:spcAft>
+              <a:defRPr sz="2400">
+                <a:solidFill>
+                  <a:schemeClr val="tx1"/>
+                </a:solidFill>
+                <a:latin typeface="Trebuchet MS" charset="0"/>
+                <a:ea typeface="ＭＳ Ｐゴシック" charset="0"/>
+              </a:defRPr>
+            </a:lvl9pPr>
+          </a:lstStyle>
+          <a:p>
+            <a:pPr algn="l" eaLnBrk="1" hangingPunct="1"/>
+            <a:r>
+              <a:rPr lang="en-US" sz="1200" b="1" dirty="0" smtClean="0">
+                <a:solidFill>
+                  <a:srgbClr val="122956"/>
+                </a:solidFill>
+                <a:cs typeface="Trebuchet MS" charset="0"/>
+              </a:rPr>
+              <a:t>12-</a:t>
+            </a:r>
+            <a:fld id="{31B56995-E14C-B64F-86C9-12D6DB74A41E}" type="slidenum">
+              <a:rPr lang="en-US" sz="1200" b="1">
+                <a:solidFill>
+                  <a:srgbClr val="122956"/>
+                </a:solidFill>
+                <a:cs typeface="Trebuchet MS" charset="0"/>
+              </a:rPr>
+              <a:pPr algn="l" eaLnBrk="1" hangingPunct="1"/>
+              <a:t>8</a:t>
+            </a:fld>
+            <a:endParaRPr lang="en-US" sz="1200" b="1" dirty="0">
+              <a:solidFill>
+                <a:srgbClr val="122956"/>
+              </a:solidFill>
+              <a:cs typeface="Trebuchet MS" charset="0"/>
+            </a:endParaRPr>
+          </a:p>
+        </p:txBody>
+      </p:sp>
     </p:spTree>
     <p:extLst>
       <p:ext uri="{BB962C8B-B14F-4D97-AF65-F5344CB8AC3E}">
@@ -11820,6 +14733,186 @@
           </a:prstGeom>
         </p:spPr>
       </p:pic>
+      <p:sp>
+        <p:nvSpPr>
+          <p:cNvPr id="8" name="Slide Number Placeholder 5"/>
+          <p:cNvSpPr>
+            <a:spLocks noGrp="1"/>
+          </p:cNvSpPr>
+          <p:nvPr>
+            <p:ph type="sldNum" sz="quarter" idx="12"/>
+          </p:nvPr>
+        </p:nvSpPr>
+        <p:spPr bwMode="auto">
+          <a:xfrm>
+            <a:off x="203200" y="6400800"/>
+            <a:ext cx="2133600" cy="365125"/>
+          </a:xfrm>
+          <a:noFill/>
+          <a:extLst>
+            <a:ext uri="{909E8E84-426E-40dd-AFC4-6F175D3DCCD1}">
+              <a14:hiddenFill xmlns:a14="http://schemas.microsoft.com/office/drawing/2010/main">
+                <a:solidFill>
+                  <a:srgbClr val="FFFFFF"/>
+                </a:solidFill>
+              </a14:hiddenFill>
+            </a:ext>
+            <a:ext uri="{91240B29-F687-4f45-9708-019B960494DF}">
+              <a14:hiddenLine xmlns:a14="http://schemas.microsoft.com/office/drawing/2010/main" w="9525">
+                <a:solidFill>
+                  <a:srgbClr val="000000"/>
+                </a:solidFill>
+                <a:miter lim="800000"/>
+                <a:headEnd/>
+                <a:tailEnd/>
+              </a14:hiddenLine>
+            </a:ext>
+          </a:extLst>
+        </p:spPr>
+        <p:txBody>
+          <a:bodyPr vert="horz" wrap="square" lIns="91440" tIns="45720" rIns="91440" bIns="45720" numCol="1" anchor="ctr" anchorCtr="0" compatLnSpc="1">
+            <a:prstTxWarp prst="textNoShape">
+              <a:avLst/>
+            </a:prstTxWarp>
+          </a:bodyPr>
+          <a:lstStyle>
+            <a:lvl1pPr eaLnBrk="0" hangingPunct="0">
+              <a:defRPr sz="2400">
+                <a:solidFill>
+                  <a:schemeClr val="tx1"/>
+                </a:solidFill>
+                <a:latin typeface="Trebuchet MS" charset="0"/>
+                <a:ea typeface="ＭＳ Ｐゴシック" charset="0"/>
+                <a:cs typeface="ＭＳ Ｐゴシック" charset="0"/>
+              </a:defRPr>
+            </a:lvl1pPr>
+            <a:lvl2pPr marL="742950" indent="-285750" eaLnBrk="0" hangingPunct="0">
+              <a:defRPr sz="2400">
+                <a:solidFill>
+                  <a:schemeClr val="tx1"/>
+                </a:solidFill>
+                <a:latin typeface="Trebuchet MS" charset="0"/>
+                <a:ea typeface="ＭＳ Ｐゴシック" charset="0"/>
+              </a:defRPr>
+            </a:lvl2pPr>
+            <a:lvl3pPr marL="1143000" indent="-228600" eaLnBrk="0" hangingPunct="0">
+              <a:defRPr sz="2400">
+                <a:solidFill>
+                  <a:schemeClr val="tx1"/>
+                </a:solidFill>
+                <a:latin typeface="Trebuchet MS" charset="0"/>
+                <a:ea typeface="ＭＳ Ｐゴシック" charset="0"/>
+              </a:defRPr>
+            </a:lvl3pPr>
+            <a:lvl4pPr marL="1600200" indent="-228600" eaLnBrk="0" hangingPunct="0">
+              <a:defRPr sz="2400">
+                <a:solidFill>
+                  <a:schemeClr val="tx1"/>
+                </a:solidFill>
+                <a:latin typeface="Trebuchet MS" charset="0"/>
+                <a:ea typeface="ＭＳ Ｐゴシック" charset="0"/>
+              </a:defRPr>
+            </a:lvl4pPr>
+            <a:lvl5pPr marL="2057400" indent="-228600" eaLnBrk="0" hangingPunct="0">
+              <a:defRPr sz="2400">
+                <a:solidFill>
+                  <a:schemeClr val="tx1"/>
+                </a:solidFill>
+                <a:latin typeface="Trebuchet MS" charset="0"/>
+                <a:ea typeface="ＭＳ Ｐゴシック" charset="0"/>
+              </a:defRPr>
+            </a:lvl5pPr>
+            <a:lvl6pPr marL="2514600" indent="-228600" eaLnBrk="0" fontAlgn="base" hangingPunct="0">
+              <a:spcBef>
+                <a:spcPct val="0"/>
+              </a:spcBef>
+              <a:spcAft>
+                <a:spcPct val="0"/>
+              </a:spcAft>
+              <a:defRPr sz="2400">
+                <a:solidFill>
+                  <a:schemeClr val="tx1"/>
+                </a:solidFill>
+                <a:latin typeface="Trebuchet MS" charset="0"/>
+                <a:ea typeface="ＭＳ Ｐゴシック" charset="0"/>
+              </a:defRPr>
+            </a:lvl6pPr>
+            <a:lvl7pPr marL="2971800" indent="-228600" eaLnBrk="0" fontAlgn="base" hangingPunct="0">
+              <a:spcBef>
+                <a:spcPct val="0"/>
+              </a:spcBef>
+              <a:spcAft>
+                <a:spcPct val="0"/>
+              </a:spcAft>
+              <a:defRPr sz="2400">
+                <a:solidFill>
+                  <a:schemeClr val="tx1"/>
+                </a:solidFill>
+                <a:latin typeface="Trebuchet MS" charset="0"/>
+                <a:ea typeface="ＭＳ Ｐゴシック" charset="0"/>
+              </a:defRPr>
+            </a:lvl7pPr>
+            <a:lvl8pPr marL="3429000" indent="-228600" eaLnBrk="0" fontAlgn="base" hangingPunct="0">
+              <a:spcBef>
+                <a:spcPct val="0"/>
+              </a:spcBef>
+              <a:spcAft>
+                <a:spcPct val="0"/>
+              </a:spcAft>
+              <a:defRPr sz="2400">
+                <a:solidFill>
+                  <a:schemeClr val="tx1"/>
+                </a:solidFill>
+                <a:latin typeface="Trebuchet MS" charset="0"/>
+                <a:ea typeface="ＭＳ Ｐゴシック" charset="0"/>
+              </a:defRPr>
+            </a:lvl8pPr>
+            <a:lvl9pPr marL="3886200" indent="-228600" eaLnBrk="0" fontAlgn="base" hangingPunct="0">
+              <a:spcBef>
+                <a:spcPct val="0"/>
+              </a:spcBef>
+              <a:spcAft>
+                <a:spcPct val="0"/>
+              </a:spcAft>
+              <a:defRPr sz="2400">
+                <a:solidFill>
+                  <a:schemeClr val="tx1"/>
+                </a:solidFill>
+                <a:latin typeface="Trebuchet MS" charset="0"/>
+                <a:ea typeface="ＭＳ Ｐゴシック" charset="0"/>
+              </a:defRPr>
+            </a:lvl9pPr>
+          </a:lstStyle>
+          <a:p>
+            <a:pPr algn="l" eaLnBrk="1" hangingPunct="1"/>
+            <a:r>
+              <a:rPr lang="en-US" sz="1200" b="1" dirty="0" smtClean="0">
+                <a:solidFill>
+                  <a:srgbClr val="122956"/>
+                </a:solidFill>
+                <a:cs typeface="Trebuchet MS" charset="0"/>
+              </a:rPr>
+              <a:t>12-</a:t>
+            </a:r>
+            <a:fld id="{31B56995-E14C-B64F-86C9-12D6DB74A41E}" type="slidenum">
+              <a:rPr lang="en-US" sz="1200" b="1">
+                <a:solidFill>
+                  <a:srgbClr val="122956"/>
+                </a:solidFill>
+                <a:cs typeface="Trebuchet MS" charset="0"/>
+              </a:rPr>
+              <a:pPr algn="l" eaLnBrk="1" hangingPunct="1"/>
+              <a:t>9</a:t>
+            </a:fld>
+            <a:endParaRPr lang="en-US" sz="1200" b="1" dirty="0">
+              <a:solidFill>
+                <a:srgbClr val="122956"/>
+              </a:solidFill>
+              <a:cs typeface="Trebuchet MS" charset="0"/>
+            </a:endParaRPr>
+          </a:p>
+        </p:txBody>
+      </p:sp>
     </p:spTree>
     <p:extLst>
       <p:ext uri="{BB962C8B-B14F-4D97-AF65-F5344CB8AC3E}">

--- a/375.pptx
+++ b/375.pptx
@@ -1963,54 +1963,6 @@
               <a:buFontTx/>
               <a:buNone/>
             </a:pPr>
-            <a:r>
-              <a:rPr lang="en-US" b="0" dirty="0" smtClean="0">
-                <a:solidFill>
-                  <a:srgbClr val="000000"/>
-                </a:solidFill>
-                <a:latin typeface="Lucida Grande" charset="0"/>
-                <a:ea typeface="ＭＳ Ｐゴシック" charset="0"/>
-                <a:cs typeface="Lucida Grande" charset="0"/>
-                <a:sym typeface="Lucida Grande" charset="0"/>
-              </a:rPr>
-              <a:t>Also the new </a:t>
-            </a:r>
-            <a:r>
-              <a:rPr lang="en-US" b="0" dirty="0" err="1" smtClean="0">
-                <a:solidFill>
-                  <a:srgbClr val="000000"/>
-                </a:solidFill>
-                <a:latin typeface="Lucida Grande" charset="0"/>
-                <a:ea typeface="ＭＳ Ｐゴシック" charset="0"/>
-                <a:cs typeface="Lucida Grande" charset="0"/>
-                <a:sym typeface="Lucida Grande" charset="0"/>
-              </a:rPr>
-              <a:t>MarketPlace</a:t>
-            </a:r>
-            <a:r>
-              <a:rPr lang="en-US" b="0" dirty="0" smtClean="0">
-                <a:solidFill>
-                  <a:srgbClr val="000000"/>
-                </a:solidFill>
-                <a:latin typeface="Lucida Grande" charset="0"/>
-                <a:ea typeface="ＭＳ Ｐゴシック" charset="0"/>
-                <a:cs typeface="Lucida Grande" charset="0"/>
-                <a:sym typeface="Lucida Grande" charset="0"/>
-              </a:rPr>
-              <a:t> (in beta</a:t>
-            </a:r>
-            <a:r>
-              <a:rPr lang="en-US" b="0" baseline="0" dirty="0" smtClean="0">
-                <a:solidFill>
-                  <a:srgbClr val="000000"/>
-                </a:solidFill>
-                <a:latin typeface="Lucida Grande" charset="0"/>
-                <a:ea typeface="ＭＳ Ｐゴシック" charset="0"/>
-                <a:cs typeface="Lucida Grande" charset="0"/>
-                <a:sym typeface="Lucida Grande" charset="0"/>
-              </a:rPr>
-              <a:t> as of July 2011)</a:t>
-            </a:r>
             <a:endParaRPr lang="en-US" b="0" dirty="0">
               <a:solidFill>
                 <a:srgbClr val="000000"/>
@@ -3019,7 +2971,7 @@
               <a:pPr>
                 <a:defRPr/>
               </a:pPr>
-              <a:t>8/19/11</a:t>
+              <a:t>9/27/11</a:t>
             </a:fld>
             <a:endParaRPr lang="en-US"/>
           </a:p>
@@ -3440,7 +3392,7 @@
               <a:pPr>
                 <a:defRPr/>
               </a:pPr>
-              <a:t>8/19/11</a:t>
+              <a:t>9/27/11</a:t>
             </a:fld>
             <a:endParaRPr lang="en-US"/>
           </a:p>
@@ -4165,7 +4117,7 @@
               <a:pPr>
                 <a:defRPr/>
               </a:pPr>
-              <a:t>8/19/11</a:t>
+              <a:t>9/27/11</a:t>
             </a:fld>
             <a:endParaRPr lang="en-US"/>
           </a:p>
@@ -4718,7 +4670,7 @@
               <a:pPr>
                 <a:defRPr/>
               </a:pPr>
-              <a:t>8/19/11</a:t>
+              <a:t>9/27/11</a:t>
             </a:fld>
             <a:endParaRPr lang="en-US"/>
           </a:p>
@@ -5069,7 +5021,7 @@
               <a:pPr>
                 <a:defRPr/>
               </a:pPr>
-              <a:t>8/19/11</a:t>
+              <a:t>9/27/11</a:t>
             </a:fld>
             <a:endParaRPr lang="en-US"/>
           </a:p>
@@ -5427,7 +5379,7 @@
               <a:pPr>
                 <a:defRPr/>
               </a:pPr>
-              <a:t>8/19/11</a:t>
+              <a:t>9/27/11</a:t>
             </a:fld>
             <a:endParaRPr lang="en-US"/>
           </a:p>
@@ -5662,7 +5614,7 @@
               <a:pPr>
                 <a:defRPr/>
               </a:pPr>
-              <a:t>8/19/11</a:t>
+              <a:t>9/27/11</a:t>
             </a:fld>
             <a:endParaRPr lang="en-US"/>
           </a:p>
@@ -5954,7 +5906,7 @@
               <a:pPr>
                 <a:defRPr/>
               </a:pPr>
-              <a:t>8/19/11</a:t>
+              <a:t>9/27/11</a:t>
             </a:fld>
             <a:endParaRPr lang="en-US"/>
           </a:p>
@@ -7140,7 +7092,7 @@
                 </a:solidFill>
                 <a:cs typeface="Trebuchet MS" charset="0"/>
               </a:rPr>
-              <a:t>12-</a:t>
+              <a:t>TPL-</a:t>
             </a:r>
             <a:fld id="{31B56995-E14C-B64F-86C9-12D6DB74A41E}" type="slidenum">
               <a:rPr lang="en-US" sz="1200" b="1">
@@ -7627,15 +7579,15 @@
             </a:lvl9pPr>
           </a:lstStyle>
           <a:p>
-            <a:pPr algn="l" eaLnBrk="1" hangingPunct="1"/>
-            <a:r>
-              <a:rPr lang="en-US" sz="1200" b="1" dirty="0" smtClean="0">
+            <a:pPr eaLnBrk="1" hangingPunct="1"/>
+            <a:r>
+              <a:rPr lang="en-US" sz="1200" b="1" dirty="0">
                 <a:solidFill>
                   <a:srgbClr val="122956"/>
                 </a:solidFill>
                 <a:cs typeface="Trebuchet MS" charset="0"/>
               </a:rPr>
-              <a:t>12-</a:t>
+              <a:t>TPL-</a:t>
             </a:r>
             <a:fld id="{31B56995-E14C-B64F-86C9-12D6DB74A41E}" type="slidenum">
               <a:rPr lang="en-US" sz="1200" b="1">
@@ -7644,7 +7596,7 @@
                 </a:solidFill>
                 <a:cs typeface="Trebuchet MS" charset="0"/>
               </a:rPr>
-              <a:pPr algn="l" eaLnBrk="1" hangingPunct="1"/>
+              <a:pPr eaLnBrk="1" hangingPunct="1"/>
               <a:t>10</a:t>
             </a:fld>
             <a:endParaRPr lang="en-US" sz="1200" b="1" dirty="0">
@@ -8173,15 +8125,15 @@
             </a:lvl9pPr>
           </a:lstStyle>
           <a:p>
-            <a:pPr algn="l" eaLnBrk="1" hangingPunct="1"/>
-            <a:r>
-              <a:rPr lang="en-US" sz="1200" b="1" dirty="0" smtClean="0">
+            <a:pPr eaLnBrk="1" hangingPunct="1"/>
+            <a:r>
+              <a:rPr lang="en-US" sz="1200" b="1" dirty="0">
                 <a:solidFill>
                   <a:srgbClr val="122956"/>
                 </a:solidFill>
                 <a:cs typeface="Trebuchet MS" charset="0"/>
               </a:rPr>
-              <a:t>12-</a:t>
+              <a:t>TPL-</a:t>
             </a:r>
             <a:fld id="{31B56995-E14C-B64F-86C9-12D6DB74A41E}" type="slidenum">
               <a:rPr lang="en-US" sz="1200" b="1">
@@ -8190,7 +8142,7 @@
                 </a:solidFill>
                 <a:cs typeface="Trebuchet MS" charset="0"/>
               </a:rPr>
-              <a:pPr algn="l" eaLnBrk="1" hangingPunct="1"/>
+              <a:pPr eaLnBrk="1" hangingPunct="1"/>
               <a:t>11</a:t>
             </a:fld>
             <a:endParaRPr lang="en-US" sz="1200" b="1" dirty="0">
@@ -8719,15 +8671,15 @@
             </a:lvl9pPr>
           </a:lstStyle>
           <a:p>
-            <a:pPr algn="l" eaLnBrk="1" hangingPunct="1"/>
-            <a:r>
-              <a:rPr lang="en-US" sz="1200" b="1" dirty="0" smtClean="0">
+            <a:pPr eaLnBrk="1" hangingPunct="1"/>
+            <a:r>
+              <a:rPr lang="en-US" sz="1200" b="1" dirty="0">
                 <a:solidFill>
                   <a:srgbClr val="122956"/>
                 </a:solidFill>
                 <a:cs typeface="Trebuchet MS" charset="0"/>
               </a:rPr>
-              <a:t>12-</a:t>
+              <a:t>TPL-</a:t>
             </a:r>
             <a:fld id="{31B56995-E14C-B64F-86C9-12D6DB74A41E}" type="slidenum">
               <a:rPr lang="en-US" sz="1200" b="1">
@@ -8736,7 +8688,7 @@
                 </a:solidFill>
                 <a:cs typeface="Trebuchet MS" charset="0"/>
               </a:rPr>
-              <a:pPr algn="l" eaLnBrk="1" hangingPunct="1"/>
+              <a:pPr eaLnBrk="1" hangingPunct="1"/>
               <a:t>12</a:t>
             </a:fld>
             <a:endParaRPr lang="en-US" sz="1200" b="1" dirty="0">
@@ -9036,15 +8988,15 @@
             </a:lvl9pPr>
           </a:lstStyle>
           <a:p>
-            <a:pPr algn="l" eaLnBrk="1" hangingPunct="1"/>
-            <a:r>
-              <a:rPr lang="en-US" sz="1200" b="1" dirty="0" smtClean="0">
+            <a:pPr eaLnBrk="1" hangingPunct="1"/>
+            <a:r>
+              <a:rPr lang="en-US" sz="1200" b="1" dirty="0">
                 <a:solidFill>
                   <a:srgbClr val="122956"/>
                 </a:solidFill>
                 <a:cs typeface="Trebuchet MS" charset="0"/>
               </a:rPr>
-              <a:t>12-</a:t>
+              <a:t>TPL-</a:t>
             </a:r>
             <a:fld id="{31B56995-E14C-B64F-86C9-12D6DB74A41E}" type="slidenum">
               <a:rPr lang="en-US" sz="1200" b="1">
@@ -9053,7 +9005,7 @@
                 </a:solidFill>
                 <a:cs typeface="Trebuchet MS" charset="0"/>
               </a:rPr>
-              <a:pPr algn="l" eaLnBrk="1" hangingPunct="1"/>
+              <a:pPr eaLnBrk="1" hangingPunct="1"/>
               <a:t>13</a:t>
             </a:fld>
             <a:endParaRPr lang="en-US" sz="1200" b="1" dirty="0">
@@ -9601,15 +9553,15 @@
             </a:lvl9pPr>
           </a:lstStyle>
           <a:p>
-            <a:pPr algn="l" eaLnBrk="1" hangingPunct="1"/>
-            <a:r>
-              <a:rPr lang="en-US" sz="1200" b="1" dirty="0" smtClean="0">
+            <a:pPr eaLnBrk="1" hangingPunct="1"/>
+            <a:r>
+              <a:rPr lang="en-US" sz="1200" b="1" dirty="0">
                 <a:solidFill>
                   <a:srgbClr val="122956"/>
                 </a:solidFill>
                 <a:cs typeface="Trebuchet MS" charset="0"/>
               </a:rPr>
-              <a:t>12-</a:t>
+              <a:t>TPL-</a:t>
             </a:r>
             <a:fld id="{31B56995-E14C-B64F-86C9-12D6DB74A41E}" type="slidenum">
               <a:rPr lang="en-US" sz="1200" b="1">
@@ -9618,7 +9570,7 @@
                 </a:solidFill>
                 <a:cs typeface="Trebuchet MS" charset="0"/>
               </a:rPr>
-              <a:pPr algn="l" eaLnBrk="1" hangingPunct="1"/>
+              <a:pPr eaLnBrk="1" hangingPunct="1"/>
               <a:t>14</a:t>
             </a:fld>
             <a:endParaRPr lang="en-US" sz="1200" b="1" dirty="0">
@@ -9918,15 +9870,15 @@
             </a:lvl9pPr>
           </a:lstStyle>
           <a:p>
-            <a:pPr algn="l" eaLnBrk="1" hangingPunct="1"/>
-            <a:r>
-              <a:rPr lang="en-US" sz="1200" b="1" dirty="0" smtClean="0">
+            <a:pPr eaLnBrk="1" hangingPunct="1"/>
+            <a:r>
+              <a:rPr lang="en-US" sz="1200" b="1" dirty="0">
                 <a:solidFill>
                   <a:srgbClr val="122956"/>
                 </a:solidFill>
                 <a:cs typeface="Trebuchet MS" charset="0"/>
               </a:rPr>
-              <a:t>12-</a:t>
+              <a:t>TPL-</a:t>
             </a:r>
             <a:fld id="{31B56995-E14C-B64F-86C9-12D6DB74A41E}" type="slidenum">
               <a:rPr lang="en-US" sz="1200" b="1">
@@ -9935,7 +9887,7 @@
                 </a:solidFill>
                 <a:cs typeface="Trebuchet MS" charset="0"/>
               </a:rPr>
-              <a:pPr algn="l" eaLnBrk="1" hangingPunct="1"/>
+              <a:pPr eaLnBrk="1" hangingPunct="1"/>
               <a:t>15</a:t>
             </a:fld>
             <a:endParaRPr lang="en-US" sz="1200" b="1" dirty="0">
@@ -10647,15 +10599,15 @@
             </a:lvl9pPr>
           </a:lstStyle>
           <a:p>
-            <a:pPr algn="l" eaLnBrk="1" hangingPunct="1"/>
-            <a:r>
-              <a:rPr lang="en-US" sz="1200" b="1" dirty="0" smtClean="0">
+            <a:pPr eaLnBrk="1" hangingPunct="1"/>
+            <a:r>
+              <a:rPr lang="en-US" sz="1200" b="1" dirty="0">
                 <a:solidFill>
                   <a:srgbClr val="122956"/>
                 </a:solidFill>
                 <a:cs typeface="Trebuchet MS" charset="0"/>
               </a:rPr>
-              <a:t>12-</a:t>
+              <a:t>TPL-</a:t>
             </a:r>
             <a:fld id="{31B56995-E14C-B64F-86C9-12D6DB74A41E}" type="slidenum">
               <a:rPr lang="en-US" sz="1200" b="1">
@@ -10664,7 +10616,7 @@
                 </a:solidFill>
                 <a:cs typeface="Trebuchet MS" charset="0"/>
               </a:rPr>
-              <a:pPr algn="l" eaLnBrk="1" hangingPunct="1"/>
+              <a:pPr eaLnBrk="1" hangingPunct="1"/>
               <a:t>16</a:t>
             </a:fld>
             <a:endParaRPr lang="en-US" sz="1200" b="1" dirty="0">
@@ -10964,15 +10916,15 @@
             </a:lvl9pPr>
           </a:lstStyle>
           <a:p>
-            <a:pPr algn="l" eaLnBrk="1" hangingPunct="1"/>
-            <a:r>
-              <a:rPr lang="en-US" sz="1200" b="1" dirty="0" smtClean="0">
+            <a:pPr eaLnBrk="1" hangingPunct="1"/>
+            <a:r>
+              <a:rPr lang="en-US" sz="1200" b="1" dirty="0">
                 <a:solidFill>
                   <a:srgbClr val="122956"/>
                 </a:solidFill>
                 <a:cs typeface="Trebuchet MS" charset="0"/>
               </a:rPr>
-              <a:t>12-</a:t>
+              <a:t>TPL-</a:t>
             </a:r>
             <a:fld id="{31B56995-E14C-B64F-86C9-12D6DB74A41E}" type="slidenum">
               <a:rPr lang="en-US" sz="1200" b="1">
@@ -10981,7 +10933,7 @@
                 </a:solidFill>
                 <a:cs typeface="Trebuchet MS" charset="0"/>
               </a:rPr>
-              <a:pPr algn="l" eaLnBrk="1" hangingPunct="1"/>
+              <a:pPr eaLnBrk="1" hangingPunct="1"/>
               <a:t>17</a:t>
             </a:fld>
             <a:endParaRPr lang="en-US" sz="1200" b="1" dirty="0">
@@ -11451,15 +11403,15 @@
             </a:lvl9pPr>
           </a:lstStyle>
           <a:p>
-            <a:pPr algn="l" eaLnBrk="1" hangingPunct="1"/>
-            <a:r>
-              <a:rPr lang="en-US" sz="1200" b="1" dirty="0" smtClean="0">
+            <a:pPr eaLnBrk="1" hangingPunct="1"/>
+            <a:r>
+              <a:rPr lang="en-US" sz="1200" b="1" dirty="0">
                 <a:solidFill>
                   <a:srgbClr val="122956"/>
                 </a:solidFill>
                 <a:cs typeface="Trebuchet MS" charset="0"/>
               </a:rPr>
-              <a:t>12-</a:t>
+              <a:t>TPL-</a:t>
             </a:r>
             <a:fld id="{31B56995-E14C-B64F-86C9-12D6DB74A41E}" type="slidenum">
               <a:rPr lang="en-US" sz="1200" b="1">
@@ -11468,7 +11420,7 @@
                 </a:solidFill>
                 <a:cs typeface="Trebuchet MS" charset="0"/>
               </a:rPr>
-              <a:pPr algn="l" eaLnBrk="1" hangingPunct="1"/>
+              <a:pPr eaLnBrk="1" hangingPunct="1"/>
               <a:t>2</a:t>
             </a:fld>
             <a:endParaRPr lang="en-US" sz="1200" b="1" dirty="0">
@@ -11981,15 +11933,15 @@
             </a:lvl9pPr>
           </a:lstStyle>
           <a:p>
-            <a:pPr algn="l" eaLnBrk="1" hangingPunct="1"/>
-            <a:r>
-              <a:rPr lang="en-US" sz="1200" b="1" dirty="0" smtClean="0">
+            <a:pPr eaLnBrk="1" hangingPunct="1"/>
+            <a:r>
+              <a:rPr lang="en-US" sz="1200" b="1" dirty="0">
                 <a:solidFill>
                   <a:srgbClr val="122956"/>
                 </a:solidFill>
                 <a:cs typeface="Trebuchet MS" charset="0"/>
               </a:rPr>
-              <a:t>12-</a:t>
+              <a:t>TPL-</a:t>
             </a:r>
             <a:fld id="{31B56995-E14C-B64F-86C9-12D6DB74A41E}" type="slidenum">
               <a:rPr lang="en-US" sz="1200" b="1">
@@ -11998,7 +11950,7 @@
                 </a:solidFill>
                 <a:cs typeface="Trebuchet MS" charset="0"/>
               </a:rPr>
-              <a:pPr algn="l" eaLnBrk="1" hangingPunct="1"/>
+              <a:pPr eaLnBrk="1" hangingPunct="1"/>
               <a:t>3</a:t>
             </a:fld>
             <a:endParaRPr lang="en-US" sz="1200" b="1" dirty="0">
@@ -12293,8 +12245,13 @@
                 <a:ea typeface="ヒラギノ角ゴ ProN W3" charset="0"/>
                 <a:cs typeface="ヒラギノ角ゴ ProN W3" charset="0"/>
               </a:rPr>
-              <a:t>Currently distributed through Helpdesk</a:t>
-            </a:r>
+              <a:t>Distributed through Marketplace</a:t>
+            </a:r>
+            <a:endParaRPr lang="en-US" dirty="0" smtClean="0">
+              <a:latin typeface="Trebuchet MS" charset="0"/>
+              <a:ea typeface="ヒラギノ角ゴ ProN W3" charset="0"/>
+              <a:cs typeface="ヒラギノ角ゴ ProN W3" charset="0"/>
+            </a:endParaRPr>
           </a:p>
           <a:p>
             <a:pPr eaLnBrk="1" hangingPunct="1"/>
@@ -12312,7 +12269,23 @@
                 <a:ea typeface="ヒラギノ角ゴ ProN W3" charset="0"/>
                 <a:cs typeface="ヒラギノ角ゴ ProN W3" charset="0"/>
               </a:rPr>
-              <a:t>In the future, will be done through tooling</a:t>
+              <a:t>In the future, </a:t>
+            </a:r>
+            <a:r>
+              <a:rPr lang="en-US" dirty="0" smtClean="0">
+                <a:latin typeface="Trebuchet MS" charset="0"/>
+                <a:ea typeface="ヒラギノ角ゴ ProN W3" charset="0"/>
+                <a:cs typeface="ヒラギノ角ゴ ProN W3" charset="0"/>
+              </a:rPr>
+              <a:t>might be </a:t>
+            </a:r>
+            <a:r>
+              <a:rPr lang="en-US" dirty="0" smtClean="0">
+                <a:latin typeface="Trebuchet MS" charset="0"/>
+                <a:ea typeface="ヒラギノ角ゴ ProN W3" charset="0"/>
+                <a:cs typeface="ヒラギノ角ゴ ProN W3" charset="0"/>
+              </a:rPr>
+              <a:t>done through tooling</a:t>
             </a:r>
             <a:endParaRPr lang="en-US" dirty="0">
               <a:latin typeface="Trebuchet MS" charset="0"/>
@@ -12473,15 +12446,15 @@
             </a:lvl9pPr>
           </a:lstStyle>
           <a:p>
-            <a:pPr algn="l" eaLnBrk="1" hangingPunct="1"/>
-            <a:r>
-              <a:rPr lang="en-US" sz="1200" b="1" dirty="0" smtClean="0">
+            <a:pPr eaLnBrk="1" hangingPunct="1"/>
+            <a:r>
+              <a:rPr lang="en-US" sz="1200" b="1" dirty="0">
                 <a:solidFill>
                   <a:srgbClr val="122956"/>
                 </a:solidFill>
                 <a:cs typeface="Trebuchet MS" charset="0"/>
               </a:rPr>
-              <a:t>12-</a:t>
+              <a:t>TPL-</a:t>
             </a:r>
             <a:fld id="{31B56995-E14C-B64F-86C9-12D6DB74A41E}" type="slidenum">
               <a:rPr lang="en-US" sz="1200" b="1">
@@ -12490,7 +12463,7 @@
                 </a:solidFill>
                 <a:cs typeface="Trebuchet MS" charset="0"/>
               </a:rPr>
-              <a:pPr algn="l" eaLnBrk="1" hangingPunct="1"/>
+              <a:pPr eaLnBrk="1" hangingPunct="1"/>
               <a:t>4</a:t>
             </a:fld>
             <a:endParaRPr lang="en-US" sz="1200" b="1" dirty="0">
@@ -12790,15 +12763,15 @@
             </a:lvl9pPr>
           </a:lstStyle>
           <a:p>
-            <a:pPr algn="l" eaLnBrk="1" hangingPunct="1"/>
-            <a:r>
-              <a:rPr lang="en-US" sz="1200" b="1" dirty="0" smtClean="0">
+            <a:pPr eaLnBrk="1" hangingPunct="1"/>
+            <a:r>
+              <a:rPr lang="en-US" sz="1200" b="1" dirty="0">
                 <a:solidFill>
                   <a:srgbClr val="122956"/>
                 </a:solidFill>
                 <a:cs typeface="Trebuchet MS" charset="0"/>
               </a:rPr>
-              <a:t>12-</a:t>
+              <a:t>TPL-</a:t>
             </a:r>
             <a:fld id="{31B56995-E14C-B64F-86C9-12D6DB74A41E}" type="slidenum">
               <a:rPr lang="en-US" sz="1200" b="1">
@@ -12807,7 +12780,7 @@
                 </a:solidFill>
                 <a:cs typeface="Trebuchet MS" charset="0"/>
               </a:rPr>
-              <a:pPr algn="l" eaLnBrk="1" hangingPunct="1"/>
+              <a:pPr eaLnBrk="1" hangingPunct="1"/>
               <a:t>5</a:t>
             </a:fld>
             <a:endParaRPr lang="en-US" sz="1200" b="1" dirty="0">
@@ -13306,15 +13279,15 @@
             </a:lvl9pPr>
           </a:lstStyle>
           <a:p>
-            <a:pPr algn="l" eaLnBrk="1" hangingPunct="1"/>
-            <a:r>
-              <a:rPr lang="en-US" sz="1200" b="1" dirty="0" smtClean="0">
+            <a:pPr eaLnBrk="1" hangingPunct="1"/>
+            <a:r>
+              <a:rPr lang="en-US" sz="1200" b="1" dirty="0">
                 <a:solidFill>
                   <a:srgbClr val="122956"/>
                 </a:solidFill>
                 <a:cs typeface="Trebuchet MS" charset="0"/>
               </a:rPr>
-              <a:t>12-</a:t>
+              <a:t>TPL-</a:t>
             </a:r>
             <a:fld id="{31B56995-E14C-B64F-86C9-12D6DB74A41E}" type="slidenum">
               <a:rPr lang="en-US" sz="1200" b="1">
@@ -13323,7 +13296,7 @@
                 </a:solidFill>
                 <a:cs typeface="Trebuchet MS" charset="0"/>
               </a:rPr>
-              <a:pPr algn="l" eaLnBrk="1" hangingPunct="1"/>
+              <a:pPr eaLnBrk="1" hangingPunct="1"/>
               <a:t>6</a:t>
             </a:fld>
             <a:endParaRPr lang="en-US" sz="1200" b="1" dirty="0">
@@ -13822,15 +13795,15 @@
             </a:lvl9pPr>
           </a:lstStyle>
           <a:p>
-            <a:pPr algn="l" eaLnBrk="1" hangingPunct="1"/>
-            <a:r>
-              <a:rPr lang="en-US" sz="1200" b="1" dirty="0" smtClean="0">
+            <a:pPr eaLnBrk="1" hangingPunct="1"/>
+            <a:r>
+              <a:rPr lang="en-US" sz="1200" b="1" dirty="0">
                 <a:solidFill>
                   <a:srgbClr val="122956"/>
                 </a:solidFill>
                 <a:cs typeface="Trebuchet MS" charset="0"/>
               </a:rPr>
-              <a:t>12-</a:t>
+              <a:t>TPL-</a:t>
             </a:r>
             <a:fld id="{31B56995-E14C-B64F-86C9-12D6DB74A41E}" type="slidenum">
               <a:rPr lang="en-US" sz="1200" b="1">
@@ -13839,7 +13812,7 @@
                 </a:solidFill>
                 <a:cs typeface="Trebuchet MS" charset="0"/>
               </a:rPr>
-              <a:pPr algn="l" eaLnBrk="1" hangingPunct="1"/>
+              <a:pPr eaLnBrk="1" hangingPunct="1"/>
               <a:t>7</a:t>
             </a:fld>
             <a:endParaRPr lang="en-US" sz="1200" b="1" dirty="0">
@@ -14357,15 +14330,15 @@
             </a:lvl9pPr>
           </a:lstStyle>
           <a:p>
-            <a:pPr algn="l" eaLnBrk="1" hangingPunct="1"/>
-            <a:r>
-              <a:rPr lang="en-US" sz="1200" b="1" dirty="0" smtClean="0">
+            <a:pPr eaLnBrk="1" hangingPunct="1"/>
+            <a:r>
+              <a:rPr lang="en-US" sz="1200" b="1" dirty="0">
                 <a:solidFill>
                   <a:srgbClr val="122956"/>
                 </a:solidFill>
                 <a:cs typeface="Trebuchet MS" charset="0"/>
               </a:rPr>
-              <a:t>12-</a:t>
+              <a:t>TPL-</a:t>
             </a:r>
             <a:fld id="{31B56995-E14C-B64F-86C9-12D6DB74A41E}" type="slidenum">
               <a:rPr lang="en-US" sz="1200" b="1">
@@ -14374,7 +14347,7 @@
                 </a:solidFill>
                 <a:cs typeface="Trebuchet MS" charset="0"/>
               </a:rPr>
-              <a:pPr algn="l" eaLnBrk="1" hangingPunct="1"/>
+              <a:pPr eaLnBrk="1" hangingPunct="1"/>
               <a:t>8</a:t>
             </a:fld>
             <a:endParaRPr lang="en-US" sz="1200" b="1" dirty="0">
@@ -14884,15 +14857,15 @@
             </a:lvl9pPr>
           </a:lstStyle>
           <a:p>
-            <a:pPr algn="l" eaLnBrk="1" hangingPunct="1"/>
-            <a:r>
-              <a:rPr lang="en-US" sz="1200" b="1" dirty="0" smtClean="0">
+            <a:pPr eaLnBrk="1" hangingPunct="1"/>
+            <a:r>
+              <a:rPr lang="en-US" sz="1200" b="1" dirty="0">
                 <a:solidFill>
                   <a:srgbClr val="122956"/>
                 </a:solidFill>
                 <a:cs typeface="Trebuchet MS" charset="0"/>
               </a:rPr>
-              <a:t>12-</a:t>
+              <a:t>TPL-</a:t>
             </a:r>
             <a:fld id="{31B56995-E14C-B64F-86C9-12D6DB74A41E}" type="slidenum">
               <a:rPr lang="en-US" sz="1200" b="1">
@@ -14901,7 +14874,7 @@
                 </a:solidFill>
                 <a:cs typeface="Trebuchet MS" charset="0"/>
               </a:rPr>
-              <a:pPr algn="l" eaLnBrk="1" hangingPunct="1"/>
+              <a:pPr eaLnBrk="1" hangingPunct="1"/>
               <a:t>9</a:t>
             </a:fld>
             <a:endParaRPr lang="en-US" sz="1200" b="1" dirty="0">
